--- a/STICKER.pptx
+++ b/STICKER.pptx
@@ -1,31 +1,32 @@
 
 <file path=ppt/presentation.xml><?xml version="1.0" encoding="utf-8"?>
-<p:presentation xmlns:a="http://schemas.openxmlformats.org/drawingml/2006/main" xmlns:r="http://schemas.openxmlformats.org/officeDocument/2006/relationships" xmlns:p="http://schemas.openxmlformats.org/presentationml/2006/main" saveSubsetFonts="1">
+<p:presentation xmlns:r="http://schemas.openxmlformats.org/officeDocument/2006/relationships" xmlns:c="http://schemas.openxmlformats.org/drawingml/2006/chart" xmlns:a="http://schemas.openxmlformats.org/drawingml/2006/main" xmlns:dgm="http://schemas.openxmlformats.org/drawingml/2006/diagram" xmlns:dsp="http://schemas.microsoft.com/office/drawing/2008/diagram" xmlns:p="http://schemas.openxmlformats.org/presentationml/2006/main" saveSubsetFonts="1">
   <p:sldMasterIdLst>
-    <p:sldMasterId id="2147483786" r:id="rId1"/>
+    <p:sldMasterId id="2147483732" r:id="rId1"/>
   </p:sldMasterIdLst>
   <p:sldIdLst>
     <p:sldId id="256" r:id="rId2"/>
     <p:sldId id="257" r:id="rId3"/>
     <p:sldId id="258" r:id="rId4"/>
-    <p:sldId id="264" r:id="rId5"/>
-    <p:sldId id="265" r:id="rId6"/>
-    <p:sldId id="267" r:id="rId7"/>
-    <p:sldId id="268" r:id="rId8"/>
-    <p:sldId id="269" r:id="rId9"/>
-    <p:sldId id="270" r:id="rId10"/>
-    <p:sldId id="271" r:id="rId11"/>
-    <p:sldId id="272" r:id="rId12"/>
-    <p:sldId id="273" r:id="rId13"/>
-    <p:sldId id="274" r:id="rId14"/>
-    <p:sldId id="275" r:id="rId15"/>
-    <p:sldId id="276" r:id="rId16"/>
-    <p:sldId id="277" r:id="rId17"/>
-    <p:sldId id="278" r:id="rId18"/>
-    <p:sldId id="279" r:id="rId19"/>
-    <p:sldId id="280" r:id="rId20"/>
-    <p:sldId id="281" r:id="rId21"/>
-    <p:sldId id="282" r:id="rId22"/>
+    <p:sldId id="259" r:id="rId5"/>
+    <p:sldId id="260" r:id="rId6"/>
+    <p:sldId id="261" r:id="rId7"/>
+    <p:sldId id="262" r:id="rId8"/>
+    <p:sldId id="263" r:id="rId9"/>
+    <p:sldId id="264" r:id="rId10"/>
+    <p:sldId id="265" r:id="rId11"/>
+    <p:sldId id="266" r:id="rId12"/>
+    <p:sldId id="267" r:id="rId13"/>
+    <p:sldId id="268" r:id="rId14"/>
+    <p:sldId id="269" r:id="rId15"/>
+    <p:sldId id="270" r:id="rId16"/>
+    <p:sldId id="271" r:id="rId17"/>
+    <p:sldId id="272" r:id="rId18"/>
+    <p:sldId id="273" r:id="rId19"/>
+    <p:sldId id="274" r:id="rId20"/>
+    <p:sldId id="275" r:id="rId21"/>
+    <p:sldId id="276" r:id="rId22"/>
+    <p:sldId id="277" r:id="rId23"/>
   </p:sldIdLst>
   <p:sldSz cx="9144000" cy="5143500" type="screen16x9"/>
   <p:notesSz cx="6858000" cy="9144000"/>
@@ -124,22 +125,6 @@
       </a:defRPr>
     </a:lvl9pPr>
   </p:defaultTextStyle>
-  <p:extLst>
-    <p:ext uri="{EFAFB233-063F-42B5-8137-9DF3F51BA10A}">
-      <p15:sldGuideLst xmlns:p15="http://schemas.microsoft.com/office/powerpoint/2012/main">
-        <p15:guide id="1" orient="horz" pos="1618">
-          <p15:clr>
-            <a:srgbClr val="A4A3A4"/>
-          </p15:clr>
-        </p15:guide>
-        <p15:guide id="2" pos="2878">
-          <p15:clr>
-            <a:srgbClr val="A4A3A4"/>
-          </p15:clr>
-        </p15:guide>
-      </p15:sldGuideLst>
-    </p:ext>
-  </p:extLst>
 </p:presentation>
 </file>
 
@@ -3716,6 +3701,2901 @@
 </file>
 
 <file path=ppt/slides/slide10.xml><?xml version="1.0" encoding="utf-8"?>
+<p:sld xmlns:a="http://schemas.openxmlformats.org/drawingml/2006/main" xmlns:r="http://schemas.openxmlformats.org/officeDocument/2006/relationships" xmlns:p="http://schemas.openxmlformats.org/presentationml/2006/main">
+  <p:cSld>
+    <p:spTree>
+      <p:nvGrpSpPr>
+        <p:cNvPr id="1" name=""/>
+        <p:cNvGrpSpPr/>
+        <p:nvPr/>
+      </p:nvGrpSpPr>
+      <p:grpSpPr>
+        <a:xfrm>
+          <a:off x="0" y="0"/>
+          <a:ext cx="0" cy="0"/>
+          <a:chOff x="0" y="0"/>
+          <a:chExt cx="0" cy="0"/>
+        </a:xfrm>
+      </p:grpSpPr>
+      <p:sp>
+        <p:nvSpPr>
+          <p:cNvPr id="80" name="직사각형 7"/>
+          <p:cNvSpPr/>
+          <p:nvPr/>
+        </p:nvSpPr>
+        <p:spPr>
+          <a:xfrm>
+            <a:off x="4572000" y="3918442"/>
+            <a:ext cx="950047" cy="146447"/>
+          </a:xfrm>
+          <a:prstGeom prst="rect">
+            <a:avLst/>
+          </a:prstGeom>
+          <a:ln w="3175" algn="ctr">
+            <a:noFill/>
+          </a:ln>
+        </p:spPr>
+        <p:style>
+          <a:lnRef idx="2">
+            <a:schemeClr val="accent6"/>
+          </a:lnRef>
+          <a:fillRef idx="1">
+            <a:schemeClr val="lt1"/>
+          </a:fillRef>
+          <a:effectRef idx="0">
+            <a:schemeClr val="accent6"/>
+          </a:effectRef>
+          <a:fontRef idx="minor">
+            <a:schemeClr val="dk1"/>
+          </a:fontRef>
+        </p:style>
+        <p:txBody>
+          <a:bodyPr vert="horz" wrap="square" lIns="91440" tIns="45720" rIns="91440" bIns="45720" anchor="ctr">
+            <a:noAutofit/>
+          </a:bodyPr>
+          <a:lstStyle/>
+          <a:p>
+            <a:pPr algn="ctr">
+              <a:defRPr lang="ko-KR" altLang="en-US"/>
+            </a:pPr>
+            <a:r>
+              <a:rPr lang="en-US" altLang="ko-KR" sz="1000">
+                <a:solidFill>
+                  <a:schemeClr val="bg1">
+                    <a:lumMod val="70000"/>
+                  </a:schemeClr>
+                </a:solidFill>
+              </a:rPr>
+              <a:t>listener</a:t>
+            </a:r>
+          </a:p>
+        </p:txBody>
+      </p:sp>
+      <p:sp>
+        <p:nvSpPr>
+          <p:cNvPr id="4" name="TextBox 3"/>
+          <p:cNvSpPr txBox="1"/>
+          <p:nvPr/>
+        </p:nvSpPr>
+        <p:spPr>
+          <a:xfrm>
+            <a:off x="323465" y="191256"/>
+            <a:ext cx="3528445" cy="359289"/>
+          </a:xfrm>
+          <a:prstGeom prst="rect">
+            <a:avLst/>
+          </a:prstGeom>
+        </p:spPr>
+        <p:txBody>
+          <a:bodyPr wrap="square">
+            <a:spAutoFit/>
+          </a:bodyPr>
+          <a:lstStyle/>
+          <a:p>
+            <a:pPr>
+              <a:defRPr lang="ko-KR" altLang="en-US"/>
+            </a:pPr>
+            <a:r>
+              <a:rPr lang="ko-KR" altLang="en-US" b="1"/>
+              <a:t>썸네일 스티커 </a:t>
+            </a:r>
+            <a:r>
+              <a:rPr lang="en-US" altLang="ko-KR" b="1"/>
+              <a:t>Legacy </a:t>
+            </a:r>
+            <a:r>
+              <a:rPr lang="ko-KR" altLang="en-US" b="1"/>
+              <a:t>구조 개선</a:t>
+            </a:r>
+          </a:p>
+        </p:txBody>
+      </p:sp>
+      <p:sp>
+        <p:nvSpPr>
+          <p:cNvPr id="63" name="직사각형 7"/>
+          <p:cNvSpPr/>
+          <p:nvPr/>
+        </p:nvSpPr>
+        <p:spPr>
+          <a:xfrm>
+            <a:off x="3592800" y="3034800"/>
+            <a:ext cx="1962000" cy="291600"/>
+          </a:xfrm>
+          <a:prstGeom prst="rect">
+            <a:avLst/>
+          </a:prstGeom>
+          <a:noFill/>
+          <a:ln w="19050" algn="ctr">
+            <a:solidFill>
+              <a:schemeClr val="tx1"/>
+            </a:solidFill>
+          </a:ln>
+        </p:spPr>
+        <p:style>
+          <a:lnRef idx="2">
+            <a:schemeClr val="accent6"/>
+          </a:lnRef>
+          <a:fillRef idx="1">
+            <a:schemeClr val="lt1"/>
+          </a:fillRef>
+          <a:effectRef idx="0">
+            <a:schemeClr val="accent6"/>
+          </a:effectRef>
+          <a:fontRef idx="minor">
+            <a:schemeClr val="dk1"/>
+          </a:fontRef>
+        </p:style>
+        <p:txBody>
+          <a:bodyPr vert="horz" wrap="square" lIns="91440" tIns="45720" rIns="91440" bIns="45720" anchor="ctr">
+            <a:noAutofit/>
+          </a:bodyPr>
+          <a:lstStyle/>
+          <a:p>
+            <a:pPr algn="ctr">
+              <a:defRPr lang="ko-KR" altLang="en-US"/>
+            </a:pPr>
+            <a:r>
+              <a:rPr lang="en-US" altLang="ko-KR" sz="1000" b="1">
+                <a:solidFill>
+                  <a:schemeClr val="tx1"/>
+                </a:solidFill>
+              </a:rPr>
+              <a:t>module_tmon_core_sticker</a:t>
+            </a:r>
+          </a:p>
+        </p:txBody>
+      </p:sp>
+      <p:grpSp>
+        <p:nvGrpSpPr>
+          <p:cNvPr id="72" name="그룹 71"/>
+          <p:cNvGrpSpPr/>
+          <p:nvPr/>
+        </p:nvGrpSpPr>
+        <p:grpSpPr>
+          <a:xfrm>
+            <a:off x="181876" y="3034538"/>
+            <a:ext cx="576072" cy="566912"/>
+            <a:chOff x="181876" y="2425303"/>
+            <a:chExt cx="576072" cy="566912"/>
+          </a:xfrm>
+        </p:grpSpPr>
+        <p:sp>
+          <p:nvSpPr>
+            <p:cNvPr id="65" name="직사각형 7"/>
+            <p:cNvSpPr/>
+            <p:nvPr/>
+          </p:nvSpPr>
+          <p:spPr>
+            <a:xfrm>
+              <a:off x="181876" y="2699321"/>
+              <a:ext cx="576072" cy="292894"/>
+            </a:xfrm>
+            <a:prstGeom prst="rect">
+              <a:avLst/>
+            </a:prstGeom>
+            <a:ln w="0" algn="ctr">
+              <a:solidFill>
+                <a:schemeClr val="bg1">
+                  <a:lumMod val="70000"/>
+                </a:schemeClr>
+              </a:solidFill>
+            </a:ln>
+          </p:spPr>
+          <p:style>
+            <a:lnRef idx="2">
+              <a:schemeClr val="accent6"/>
+            </a:lnRef>
+            <a:fillRef idx="1">
+              <a:schemeClr val="lt1"/>
+            </a:fillRef>
+            <a:effectRef idx="0">
+              <a:schemeClr val="accent6"/>
+            </a:effectRef>
+            <a:fontRef idx="minor">
+              <a:schemeClr val="dk1"/>
+            </a:fontRef>
+          </p:style>
+          <p:txBody>
+            <a:bodyPr vert="horz" wrap="square" lIns="91440" tIns="45720" rIns="91440" bIns="45720" anchor="ctr">
+              <a:noAutofit/>
+            </a:bodyPr>
+            <a:lstStyle/>
+            <a:p>
+              <a:pPr algn="ctr">
+                <a:defRPr lang="ko-KR" altLang="en-US"/>
+              </a:pPr>
+              <a:r>
+                <a:rPr lang="ko-KR" altLang="en-US" sz="1000">
+                  <a:solidFill>
+                    <a:schemeClr val="bg1">
+                      <a:lumMod val="70000"/>
+                    </a:schemeClr>
+                  </a:solidFill>
+                </a:rPr>
+                <a:t>어드민</a:t>
+              </a:r>
+            </a:p>
+          </p:txBody>
+        </p:sp>
+        <p:sp>
+          <p:nvSpPr>
+            <p:cNvPr id="64" name="웃는 얼굴[S] 1"/>
+            <p:cNvSpPr/>
+            <p:nvPr/>
+          </p:nvSpPr>
+          <p:spPr>
+            <a:xfrm>
+              <a:off x="323465" y="2425303"/>
+              <a:ext cx="292894" cy="292894"/>
+            </a:xfrm>
+            <a:prstGeom prst="smileyFace">
+              <a:avLst>
+                <a:gd name="adj" fmla="val 4653"/>
+              </a:avLst>
+            </a:prstGeom>
+            <a:ln w="0" algn="ctr">
+              <a:solidFill>
+                <a:schemeClr val="bg1">
+                  <a:lumMod val="70000"/>
+                </a:schemeClr>
+              </a:solidFill>
+            </a:ln>
+          </p:spPr>
+          <p:style>
+            <a:lnRef idx="2">
+              <a:schemeClr val="accent6"/>
+            </a:lnRef>
+            <a:fillRef idx="1">
+              <a:schemeClr val="lt1"/>
+            </a:fillRef>
+            <a:effectRef idx="0">
+              <a:schemeClr val="accent6"/>
+            </a:effectRef>
+            <a:fontRef idx="minor">
+              <a:schemeClr val="dk1"/>
+            </a:fontRef>
+          </p:style>
+          <p:txBody>
+            <a:bodyPr vert="horz" wrap="square" lIns="91440" tIns="45720" rIns="91440" bIns="45720" anchor="ctr">
+              <a:noAutofit/>
+            </a:bodyPr>
+            <a:lstStyle/>
+            <a:p>
+              <a:pPr algn="ctr">
+                <a:defRPr lang="ko-KR" altLang="en-US"/>
+              </a:pPr>
+              <a:endParaRPr lang="ko-KR" altLang="en-US"/>
+            </a:p>
+          </p:txBody>
+        </p:sp>
+      </p:grpSp>
+      <p:cxnSp>
+        <p:nvCxnSpPr>
+          <p:cNvPr id="66" name="직선 화살표 연결선 9"/>
+          <p:cNvCxnSpPr>
+            <a:endCxn id="63" idx="1"/>
+          </p:cNvCxnSpPr>
+          <p:nvPr/>
+        </p:nvCxnSpPr>
+        <p:spPr>
+          <a:xfrm flipV="1">
+            <a:off x="757948" y="3180600"/>
+            <a:ext cx="2834852" cy="385"/>
+          </a:xfrm>
+          <a:prstGeom prst="straightConnector1">
+            <a:avLst/>
+          </a:prstGeom>
+          <a:ln w="0" algn="ctr">
+            <a:solidFill>
+              <a:schemeClr val="bg1">
+                <a:lumMod val="70000"/>
+              </a:schemeClr>
+            </a:solidFill>
+            <a:tailEnd type="triangle"/>
+          </a:ln>
+        </p:spPr>
+        <p:style>
+          <a:lnRef idx="1">
+            <a:schemeClr val="accent2"/>
+          </a:lnRef>
+          <a:fillRef idx="0">
+            <a:schemeClr val="accent2"/>
+          </a:fillRef>
+          <a:effectRef idx="0">
+            <a:schemeClr val="accent2"/>
+          </a:effectRef>
+          <a:fontRef idx="minor">
+            <a:schemeClr val="tx1"/>
+          </a:fontRef>
+        </p:style>
+      </p:cxnSp>
+      <p:sp>
+        <p:nvSpPr>
+          <p:cNvPr id="67" name="직사각형 7"/>
+          <p:cNvSpPr/>
+          <p:nvPr/>
+        </p:nvSpPr>
+        <p:spPr>
+          <a:xfrm>
+            <a:off x="1010983" y="3219831"/>
+            <a:ext cx="2192846" cy="783717"/>
+          </a:xfrm>
+          <a:prstGeom prst="rect">
+            <a:avLst/>
+          </a:prstGeom>
+          <a:ln w="3175" algn="ctr">
+            <a:noFill/>
+          </a:ln>
+        </p:spPr>
+        <p:style>
+          <a:lnRef idx="2">
+            <a:schemeClr val="accent6"/>
+          </a:lnRef>
+          <a:fillRef idx="1">
+            <a:schemeClr val="lt1"/>
+          </a:fillRef>
+          <a:effectRef idx="0">
+            <a:schemeClr val="accent6"/>
+          </a:effectRef>
+          <a:fontRef idx="minor">
+            <a:schemeClr val="dk1"/>
+          </a:fontRef>
+        </p:style>
+        <p:txBody>
+          <a:bodyPr vert="horz" wrap="square" lIns="91440" tIns="45720" rIns="91440" bIns="45720" anchor="ctr">
+            <a:noAutofit/>
+          </a:bodyPr>
+          <a:lstStyle/>
+          <a:p>
+            <a:pPr>
+              <a:defRPr lang="ko-KR" altLang="en-US"/>
+            </a:pPr>
+            <a:r>
+              <a:rPr lang="ko-KR" altLang="en-US" sz="900">
+                <a:solidFill>
+                  <a:schemeClr val="bg1">
+                    <a:lumMod val="70000"/>
+                  </a:schemeClr>
+                </a:solidFill>
+              </a:rPr>
+              <a:t>1. 카테고리에 카테고리 번호 추가</a:t>
+            </a:r>
+          </a:p>
+          <a:p>
+            <a:pPr>
+              <a:defRPr lang="ko-KR" altLang="en-US"/>
+            </a:pPr>
+            <a:r>
+              <a:rPr lang="ko-KR" altLang="en-US" sz="900">
+                <a:solidFill>
+                  <a:schemeClr val="bg1">
+                    <a:lumMod val="70000"/>
+                  </a:schemeClr>
+                </a:solidFill>
+              </a:rPr>
+              <a:t>2. 딜팩에 딜팩 번호 추가</a:t>
+            </a:r>
+          </a:p>
+          <a:p>
+            <a:pPr>
+              <a:defRPr lang="ko-KR" altLang="en-US"/>
+            </a:pPr>
+            <a:r>
+              <a:rPr lang="ko-KR" altLang="en-US" sz="900">
+                <a:solidFill>
+                  <a:schemeClr val="bg1">
+                    <a:lumMod val="70000"/>
+                  </a:schemeClr>
+                </a:solidFill>
+              </a:rPr>
+              <a:t>3. 제외 딜팩에 딜팩 번호 추가</a:t>
+            </a:r>
+          </a:p>
+          <a:p>
+            <a:pPr>
+              <a:defRPr lang="ko-KR" altLang="en-US"/>
+            </a:pPr>
+            <a:r>
+              <a:rPr lang="ko-KR" altLang="en-US" sz="900">
+                <a:solidFill>
+                  <a:schemeClr val="bg1">
+                    <a:lumMod val="70000"/>
+                  </a:schemeClr>
+                </a:solidFill>
+              </a:rPr>
+              <a:t>4. 스티커 정보 수정</a:t>
+            </a:r>
+          </a:p>
+        </p:txBody>
+      </p:sp>
+      <p:sp>
+        <p:nvSpPr>
+          <p:cNvPr id="69" name="직사각형 7"/>
+          <p:cNvSpPr/>
+          <p:nvPr/>
+        </p:nvSpPr>
+        <p:spPr>
+          <a:xfrm>
+            <a:off x="827532" y="4350420"/>
+            <a:ext cx="1642276" cy="309591"/>
+          </a:xfrm>
+          <a:prstGeom prst="rect">
+            <a:avLst/>
+          </a:prstGeom>
+          <a:ln w="3175" algn="ctr">
+            <a:noFill/>
+          </a:ln>
+        </p:spPr>
+        <p:style>
+          <a:lnRef idx="2">
+            <a:schemeClr val="accent6"/>
+          </a:lnRef>
+          <a:fillRef idx="1">
+            <a:schemeClr val="lt1"/>
+          </a:fillRef>
+          <a:effectRef idx="0">
+            <a:schemeClr val="accent6"/>
+          </a:effectRef>
+          <a:fontRef idx="minor">
+            <a:schemeClr val="dk1"/>
+          </a:fontRef>
+        </p:style>
+        <p:txBody>
+          <a:bodyPr vert="horz" wrap="square" lIns="91440" tIns="45720" rIns="91440" bIns="45720" anchor="ctr">
+            <a:noAutofit/>
+          </a:bodyPr>
+          <a:lstStyle/>
+          <a:p>
+            <a:pPr algn="ctr">
+              <a:defRPr lang="ko-KR" altLang="en-US"/>
+            </a:pPr>
+            <a:r>
+              <a:rPr lang="ko-KR" altLang="en-US" sz="900">
+                <a:solidFill>
+                  <a:schemeClr val="bg1">
+                    <a:lumMod val="70000"/>
+                  </a:schemeClr>
+                </a:solidFill>
+              </a:rPr>
+              <a:t>딜코어 파트에서 </a:t>
+            </a:r>
+          </a:p>
+          <a:p>
+            <a:pPr algn="ctr">
+              <a:defRPr lang="ko-KR" altLang="en-US"/>
+            </a:pPr>
+            <a:r>
+              <a:rPr lang="ko-KR" altLang="en-US" sz="900">
+                <a:solidFill>
+                  <a:schemeClr val="bg1">
+                    <a:lumMod val="70000"/>
+                  </a:schemeClr>
+                </a:solidFill>
+              </a:rPr>
+              <a:t>딜팩 변경 이벤트 발생</a:t>
+            </a:r>
+          </a:p>
+        </p:txBody>
+      </p:sp>
+      <p:sp>
+        <p:nvSpPr>
+          <p:cNvPr id="74" name="직사각형 7"/>
+          <p:cNvSpPr/>
+          <p:nvPr/>
+        </p:nvSpPr>
+        <p:spPr>
+          <a:xfrm>
+            <a:off x="181876" y="4439126"/>
+            <a:ext cx="576072" cy="292894"/>
+          </a:xfrm>
+          <a:prstGeom prst="rect">
+            <a:avLst/>
+          </a:prstGeom>
+          <a:ln w="3175" algn="ctr">
+            <a:noFill/>
+          </a:ln>
+        </p:spPr>
+        <p:style>
+          <a:lnRef idx="2">
+            <a:schemeClr val="accent6"/>
+          </a:lnRef>
+          <a:fillRef idx="1">
+            <a:schemeClr val="lt1"/>
+          </a:fillRef>
+          <a:effectRef idx="0">
+            <a:schemeClr val="accent6"/>
+          </a:effectRef>
+          <a:fontRef idx="minor">
+            <a:schemeClr val="dk1"/>
+          </a:fontRef>
+        </p:style>
+        <p:txBody>
+          <a:bodyPr vert="horz" wrap="square" lIns="91440" tIns="45720" rIns="91440" bIns="45720" anchor="ctr">
+            <a:noAutofit/>
+          </a:bodyPr>
+          <a:lstStyle/>
+          <a:p>
+            <a:pPr algn="ctr">
+              <a:defRPr lang="ko-KR" altLang="en-US"/>
+            </a:pPr>
+            <a:r>
+              <a:rPr lang="ko-KR" altLang="en-US" sz="1000">
+                <a:solidFill>
+                  <a:schemeClr val="bg1">
+                    <a:lumMod val="70000"/>
+                  </a:schemeClr>
+                </a:solidFill>
+              </a:rPr>
+              <a:t>딜코어</a:t>
+            </a:r>
+          </a:p>
+        </p:txBody>
+      </p:sp>
+      <p:sp>
+        <p:nvSpPr>
+          <p:cNvPr id="75" name="웃는 얼굴[S] 1"/>
+          <p:cNvSpPr/>
+          <p:nvPr/>
+        </p:nvSpPr>
+        <p:spPr>
+          <a:xfrm>
+            <a:off x="323465" y="4165107"/>
+            <a:ext cx="292894" cy="292894"/>
+          </a:xfrm>
+          <a:prstGeom prst="smileyFace">
+            <a:avLst>
+              <a:gd name="adj" fmla="val 4653"/>
+            </a:avLst>
+          </a:prstGeom>
+          <a:ln w="0" algn="ctr">
+            <a:solidFill>
+              <a:schemeClr val="bg1">
+                <a:lumMod val="70000"/>
+              </a:schemeClr>
+            </a:solidFill>
+          </a:ln>
+        </p:spPr>
+        <p:style>
+          <a:lnRef idx="2">
+            <a:schemeClr val="accent6"/>
+          </a:lnRef>
+          <a:fillRef idx="1">
+            <a:schemeClr val="lt1"/>
+          </a:fillRef>
+          <a:effectRef idx="0">
+            <a:schemeClr val="accent6"/>
+          </a:effectRef>
+          <a:fontRef idx="minor">
+            <a:schemeClr val="dk1"/>
+          </a:fontRef>
+        </p:style>
+        <p:txBody>
+          <a:bodyPr vert="horz" wrap="square" lIns="91440" tIns="45720" rIns="91440" bIns="45720" anchor="ctr">
+            <a:noAutofit/>
+          </a:bodyPr>
+          <a:lstStyle/>
+          <a:p>
+            <a:pPr algn="ctr">
+              <a:defRPr lang="ko-KR" altLang="en-US"/>
+            </a:pPr>
+            <a:endParaRPr lang="ko-KR" altLang="en-US"/>
+          </a:p>
+        </p:txBody>
+      </p:sp>
+      <p:sp>
+        <p:nvSpPr>
+          <p:cNvPr id="76" name="오각형[P] 68"/>
+          <p:cNvSpPr/>
+          <p:nvPr/>
+        </p:nvSpPr>
+        <p:spPr>
+          <a:xfrm>
+            <a:off x="2815923" y="4200677"/>
+            <a:ext cx="2736342" cy="221752"/>
+          </a:xfrm>
+          <a:prstGeom prst="homePlate">
+            <a:avLst>
+              <a:gd name="adj" fmla="val 50000"/>
+            </a:avLst>
+          </a:prstGeom>
+          <a:solidFill>
+            <a:schemeClr val="accent1">
+              <a:lumMod val="10000"/>
+              <a:lumOff val="90000"/>
+            </a:schemeClr>
+          </a:solidFill>
+          <a:ln w="3175" algn="ctr">
+            <a:solidFill>
+              <a:schemeClr val="bg1">
+                <a:lumMod val="70000"/>
+              </a:schemeClr>
+            </a:solidFill>
+          </a:ln>
+        </p:spPr>
+        <p:style>
+          <a:lnRef idx="2">
+            <a:schemeClr val="accent6"/>
+          </a:lnRef>
+          <a:fillRef idx="1">
+            <a:schemeClr val="lt1"/>
+          </a:fillRef>
+          <a:effectRef idx="0">
+            <a:schemeClr val="accent6"/>
+          </a:effectRef>
+          <a:fontRef idx="minor">
+            <a:schemeClr val="dk1"/>
+          </a:fontRef>
+        </p:style>
+        <p:txBody>
+          <a:bodyPr vert="horz" wrap="square" lIns="91440" tIns="45720" rIns="91440" bIns="45720" anchor="ctr">
+            <a:noAutofit/>
+          </a:bodyPr>
+          <a:lstStyle/>
+          <a:p>
+            <a:pPr algn="ctr">
+              <a:defRPr lang="ko-KR" altLang="en-US"/>
+            </a:pPr>
+            <a:r>
+              <a:rPr lang="en" altLang="ko-KR" sz="1000">
+                <a:solidFill>
+                  <a:schemeClr val="bg1">
+                    <a:lumMod val="70000"/>
+                  </a:schemeClr>
+                </a:solidFill>
+                <a:cs typeface="함초롬돋움"/>
+              </a:rPr>
+              <a:t>tmon.service.queue.dealpack.sync.sticker</a:t>
+            </a:r>
+            <a:endParaRPr lang="ko-KR" altLang="en-US" sz="1000">
+              <a:solidFill>
+                <a:schemeClr val="bg1">
+                  <a:lumMod val="70000"/>
+                </a:schemeClr>
+              </a:solidFill>
+              <a:cs typeface="함초롬돋움"/>
+            </a:endParaRPr>
+          </a:p>
+        </p:txBody>
+      </p:sp>
+      <p:cxnSp>
+        <p:nvCxnSpPr>
+          <p:cNvPr id="77" name="직선 화살표 연결선 9"/>
+          <p:cNvCxnSpPr>
+            <a:endCxn id="76" idx="1"/>
+          </p:cNvCxnSpPr>
+          <p:nvPr/>
+        </p:nvCxnSpPr>
+        <p:spPr>
+          <a:xfrm flipV="1">
+            <a:off x="683514" y="4311553"/>
+            <a:ext cx="2132409" cy="2"/>
+          </a:xfrm>
+          <a:prstGeom prst="straightConnector1">
+            <a:avLst/>
+          </a:prstGeom>
+          <a:ln w="0" algn="ctr">
+            <a:solidFill>
+              <a:schemeClr val="bg1">
+                <a:lumMod val="70000"/>
+              </a:schemeClr>
+            </a:solidFill>
+            <a:tailEnd type="triangle"/>
+          </a:ln>
+        </p:spPr>
+        <p:style>
+          <a:lnRef idx="1">
+            <a:schemeClr val="accent2"/>
+          </a:lnRef>
+          <a:fillRef idx="0">
+            <a:schemeClr val="accent2"/>
+          </a:fillRef>
+          <a:effectRef idx="0">
+            <a:schemeClr val="accent2"/>
+          </a:effectRef>
+          <a:fontRef idx="minor">
+            <a:schemeClr val="tx1"/>
+          </a:fontRef>
+        </p:style>
+      </p:cxnSp>
+      <p:cxnSp>
+        <p:nvCxnSpPr>
+          <p:cNvPr id="79" name="꺾인 연결선[E] 72"/>
+          <p:cNvCxnSpPr>
+            <a:stCxn id="76" idx="3"/>
+            <a:endCxn id="63" idx="2"/>
+          </p:cNvCxnSpPr>
+          <p:nvPr/>
+        </p:nvCxnSpPr>
+        <p:spPr>
+          <a:xfrm flipH="1" flipV="1">
+            <a:off x="4573800" y="3326400"/>
+            <a:ext cx="978465" cy="985153"/>
+          </a:xfrm>
+          <a:prstGeom prst="bentConnector4">
+            <a:avLst>
+              <a:gd name="adj1" fmla="val -14001"/>
+              <a:gd name="adj2" fmla="val 55631"/>
+            </a:avLst>
+          </a:prstGeom>
+          <a:ln w="0" algn="ctr">
+            <a:solidFill>
+              <a:schemeClr val="bg1">
+                <a:lumMod val="70000"/>
+              </a:schemeClr>
+            </a:solidFill>
+            <a:tailEnd type="triangle"/>
+          </a:ln>
+        </p:spPr>
+        <p:style>
+          <a:lnRef idx="1">
+            <a:schemeClr val="accent2"/>
+          </a:lnRef>
+          <a:fillRef idx="0">
+            <a:schemeClr val="accent2"/>
+          </a:fillRef>
+          <a:effectRef idx="0">
+            <a:schemeClr val="accent2"/>
+          </a:effectRef>
+          <a:fontRef idx="minor">
+            <a:schemeClr val="tx1"/>
+          </a:fontRef>
+        </p:style>
+      </p:cxnSp>
+      <p:grpSp>
+        <p:nvGrpSpPr>
+          <p:cNvPr id="81" name="그룹 80"/>
+          <p:cNvGrpSpPr/>
+          <p:nvPr/>
+        </p:nvGrpSpPr>
+        <p:grpSpPr>
+          <a:xfrm>
+            <a:off x="7596378" y="4302116"/>
+            <a:ext cx="576072" cy="566913"/>
+            <a:chOff x="181876" y="2425303"/>
+            <a:chExt cx="576072" cy="566913"/>
+          </a:xfrm>
+        </p:grpSpPr>
+        <p:sp>
+          <p:nvSpPr>
+            <p:cNvPr id="82" name="직사각형 7"/>
+            <p:cNvSpPr/>
+            <p:nvPr/>
+          </p:nvSpPr>
+          <p:spPr>
+            <a:xfrm>
+              <a:off x="181876" y="2699322"/>
+              <a:ext cx="576072" cy="292894"/>
+            </a:xfrm>
+            <a:prstGeom prst="rect">
+              <a:avLst/>
+            </a:prstGeom>
+            <a:ln w="0" algn="ctr">
+              <a:solidFill>
+                <a:schemeClr val="bg1">
+                  <a:lumMod val="70000"/>
+                </a:schemeClr>
+              </a:solidFill>
+            </a:ln>
+          </p:spPr>
+          <p:style>
+            <a:lnRef idx="2">
+              <a:schemeClr val="accent6"/>
+            </a:lnRef>
+            <a:fillRef idx="1">
+              <a:schemeClr val="lt1"/>
+            </a:fillRef>
+            <a:effectRef idx="0">
+              <a:schemeClr val="accent6"/>
+            </a:effectRef>
+            <a:fontRef idx="minor">
+              <a:schemeClr val="dk1"/>
+            </a:fontRef>
+          </p:style>
+          <p:txBody>
+            <a:bodyPr vert="horz" wrap="square" lIns="91440" tIns="45720" rIns="91440" bIns="45720" anchor="ctr">
+              <a:noAutofit/>
+            </a:bodyPr>
+            <a:lstStyle/>
+            <a:p>
+              <a:pPr algn="ctr">
+                <a:defRPr lang="ko-KR" altLang="en-US"/>
+              </a:pPr>
+              <a:r>
+                <a:rPr lang="ko-KR" altLang="en-US" sz="1000">
+                  <a:solidFill>
+                    <a:schemeClr val="bg1">
+                      <a:lumMod val="70000"/>
+                    </a:schemeClr>
+                  </a:solidFill>
+                </a:rPr>
+                <a:t>배치</a:t>
+              </a:r>
+            </a:p>
+          </p:txBody>
+        </p:sp>
+        <p:sp>
+          <p:nvSpPr>
+            <p:cNvPr id="83" name="웃는 얼굴[S] 1"/>
+            <p:cNvSpPr/>
+            <p:nvPr/>
+          </p:nvSpPr>
+          <p:spPr>
+            <a:xfrm>
+              <a:off x="323465" y="2425303"/>
+              <a:ext cx="292894" cy="292894"/>
+            </a:xfrm>
+            <a:prstGeom prst="smileyFace">
+              <a:avLst>
+                <a:gd name="adj" fmla="val 4653"/>
+              </a:avLst>
+            </a:prstGeom>
+            <a:ln w="0" algn="ctr">
+              <a:solidFill>
+                <a:schemeClr val="bg1">
+                  <a:lumMod val="70000"/>
+                </a:schemeClr>
+              </a:solidFill>
+            </a:ln>
+          </p:spPr>
+          <p:style>
+            <a:lnRef idx="2">
+              <a:schemeClr val="accent6"/>
+            </a:lnRef>
+            <a:fillRef idx="1">
+              <a:schemeClr val="lt1"/>
+            </a:fillRef>
+            <a:effectRef idx="0">
+              <a:schemeClr val="accent6"/>
+            </a:effectRef>
+            <a:fontRef idx="minor">
+              <a:schemeClr val="dk1"/>
+            </a:fontRef>
+          </p:style>
+          <p:txBody>
+            <a:bodyPr vert="horz" wrap="square" lIns="91440" tIns="45720" rIns="91440" bIns="45720" anchor="ctr">
+              <a:noAutofit/>
+            </a:bodyPr>
+            <a:lstStyle/>
+            <a:p>
+              <a:pPr algn="ctr">
+                <a:defRPr lang="ko-KR" altLang="en-US"/>
+              </a:pPr>
+              <a:endParaRPr lang="ko-KR" altLang="en-US"/>
+            </a:p>
+          </p:txBody>
+        </p:sp>
+      </p:grpSp>
+      <p:cxnSp>
+        <p:nvCxnSpPr>
+          <p:cNvPr id="85" name="꺾인 연결선[E] 72"/>
+          <p:cNvCxnSpPr>
+            <a:endCxn id="63" idx="3"/>
+          </p:cNvCxnSpPr>
+          <p:nvPr/>
+        </p:nvCxnSpPr>
+        <p:spPr>
+          <a:xfrm rot="10800000">
+            <a:off x="5554800" y="3180600"/>
+            <a:ext cx="2329615" cy="1020077"/>
+          </a:xfrm>
+          <a:prstGeom prst="bentConnector3">
+            <a:avLst>
+              <a:gd name="adj1" fmla="val 50000"/>
+            </a:avLst>
+          </a:prstGeom>
+          <a:ln w="3175" algn="ctr">
+            <a:solidFill>
+              <a:schemeClr val="bg1">
+                <a:lumMod val="70000"/>
+              </a:schemeClr>
+            </a:solidFill>
+            <a:tailEnd type="triangle"/>
+          </a:ln>
+        </p:spPr>
+        <p:style>
+          <a:lnRef idx="1">
+            <a:schemeClr val="accent2"/>
+          </a:lnRef>
+          <a:fillRef idx="0">
+            <a:schemeClr val="accent2"/>
+          </a:fillRef>
+          <a:effectRef idx="0">
+            <a:schemeClr val="accent2"/>
+          </a:effectRef>
+          <a:fontRef idx="minor">
+            <a:schemeClr val="tx1"/>
+          </a:fontRef>
+        </p:style>
+      </p:cxnSp>
+      <p:sp>
+        <p:nvSpPr>
+          <p:cNvPr id="86" name="직사각형 7"/>
+          <p:cNvSpPr/>
+          <p:nvPr/>
+        </p:nvSpPr>
+        <p:spPr>
+          <a:xfrm>
+            <a:off x="5796153" y="3222260"/>
+            <a:ext cx="1944243" cy="429625"/>
+          </a:xfrm>
+          <a:prstGeom prst="rect">
+            <a:avLst/>
+          </a:prstGeom>
+          <a:ln w="3175" algn="ctr">
+            <a:noFill/>
+          </a:ln>
+        </p:spPr>
+        <p:style>
+          <a:lnRef idx="2">
+            <a:schemeClr val="accent6"/>
+          </a:lnRef>
+          <a:fillRef idx="1">
+            <a:schemeClr val="lt1"/>
+          </a:fillRef>
+          <a:effectRef idx="0">
+            <a:schemeClr val="accent6"/>
+          </a:effectRef>
+          <a:fontRef idx="minor">
+            <a:schemeClr val="dk1"/>
+          </a:fontRef>
+        </p:style>
+        <p:txBody>
+          <a:bodyPr vert="horz" wrap="square" lIns="91440" tIns="45720" rIns="91440" bIns="45720" anchor="ctr">
+            <a:noAutofit/>
+          </a:bodyPr>
+          <a:lstStyle/>
+          <a:p>
+            <a:pPr algn="ctr">
+              <a:defRPr lang="ko-KR" altLang="en-US"/>
+            </a:pPr>
+            <a:r>
+              <a:rPr lang="ko-KR" altLang="en-US" sz="900">
+                <a:solidFill>
+                  <a:schemeClr val="bg1">
+                    <a:lumMod val="70000"/>
+                  </a:schemeClr>
+                </a:solidFill>
+              </a:rPr>
+              <a:t>기간이 지난 스티커 정보에 </a:t>
+            </a:r>
+          </a:p>
+          <a:p>
+            <a:pPr algn="ctr">
+              <a:defRPr lang="ko-KR" altLang="en-US"/>
+            </a:pPr>
+            <a:r>
+              <a:rPr lang="ko-KR" altLang="en-US" sz="900">
+                <a:solidFill>
+                  <a:schemeClr val="bg1">
+                    <a:lumMod val="70000"/>
+                  </a:schemeClr>
+                </a:solidFill>
+              </a:rPr>
+              <a:t>대해서 노출 제거하는 5분 배치</a:t>
+            </a:r>
+          </a:p>
+        </p:txBody>
+      </p:sp>
+      <p:sp>
+        <p:nvSpPr>
+          <p:cNvPr id="87" name="직사각형 7"/>
+          <p:cNvSpPr/>
+          <p:nvPr/>
+        </p:nvSpPr>
+        <p:spPr>
+          <a:xfrm>
+            <a:off x="157375" y="2353294"/>
+            <a:ext cx="764238" cy="436912"/>
+          </a:xfrm>
+          <a:prstGeom prst="rect">
+            <a:avLst/>
+          </a:prstGeom>
+          <a:ln w="0" algn="ctr">
+            <a:solidFill>
+              <a:schemeClr val="bg1">
+                <a:lumMod val="70000"/>
+              </a:schemeClr>
+            </a:solidFill>
+          </a:ln>
+        </p:spPr>
+        <p:style>
+          <a:lnRef idx="2">
+            <a:schemeClr val="accent6"/>
+          </a:lnRef>
+          <a:fillRef idx="1">
+            <a:schemeClr val="lt1"/>
+          </a:fillRef>
+          <a:effectRef idx="0">
+            <a:schemeClr val="accent6"/>
+          </a:effectRef>
+          <a:fontRef idx="minor">
+            <a:schemeClr val="dk1"/>
+          </a:fontRef>
+        </p:style>
+        <p:txBody>
+          <a:bodyPr vert="horz" wrap="square" lIns="91440" tIns="45720" rIns="91440" bIns="45720" anchor="ctr">
+            <a:noAutofit/>
+          </a:bodyPr>
+          <a:lstStyle/>
+          <a:p>
+            <a:pPr algn="ctr">
+              <a:defRPr lang="ko-KR" altLang="en-US"/>
+            </a:pPr>
+            <a:r>
+              <a:rPr lang="ko-KR" altLang="en-US" sz="1000">
+                <a:solidFill>
+                  <a:schemeClr val="bg1">
+                    <a:lumMod val="70000"/>
+                  </a:schemeClr>
+                </a:solidFill>
+              </a:rPr>
+              <a:t>딜 리스트</a:t>
+            </a:r>
+          </a:p>
+          <a:p>
+            <a:pPr algn="ctr">
+              <a:defRPr lang="ko-KR" altLang="en-US"/>
+            </a:pPr>
+            <a:r>
+              <a:rPr lang="ko-KR" altLang="en-US" sz="1000">
+                <a:solidFill>
+                  <a:schemeClr val="bg1">
+                    <a:lumMod val="70000"/>
+                  </a:schemeClr>
+                </a:solidFill>
+              </a:rPr>
+              <a:t>획득</a:t>
+            </a:r>
+          </a:p>
+        </p:txBody>
+      </p:sp>
+      <p:sp>
+        <p:nvSpPr>
+          <p:cNvPr id="88" name="직사각형 7"/>
+          <p:cNvSpPr/>
+          <p:nvPr/>
+        </p:nvSpPr>
+        <p:spPr>
+          <a:xfrm>
+            <a:off x="1245655" y="2353294"/>
+            <a:ext cx="1259528" cy="436912"/>
+          </a:xfrm>
+          <a:prstGeom prst="rect">
+            <a:avLst/>
+          </a:prstGeom>
+          <a:ln w="19050" algn="ctr">
+            <a:solidFill>
+              <a:schemeClr val="tx1"/>
+            </a:solidFill>
+          </a:ln>
+        </p:spPr>
+        <p:style>
+          <a:lnRef idx="2">
+            <a:schemeClr val="accent6"/>
+          </a:lnRef>
+          <a:fillRef idx="1">
+            <a:schemeClr val="lt1"/>
+          </a:fillRef>
+          <a:effectRef idx="0">
+            <a:schemeClr val="accent6"/>
+          </a:effectRef>
+          <a:fontRef idx="minor">
+            <a:schemeClr val="dk1"/>
+          </a:fontRef>
+        </p:style>
+        <p:txBody>
+          <a:bodyPr vert="horz" wrap="square" lIns="91440" tIns="45720" rIns="91440" bIns="45720" anchor="ctr">
+            <a:noAutofit/>
+          </a:bodyPr>
+          <a:lstStyle/>
+          <a:p>
+            <a:pPr algn="ctr">
+              <a:defRPr lang="ko-KR" altLang="en-US"/>
+            </a:pPr>
+            <a:r>
+              <a:rPr lang="en-US" altLang="ko-KR" sz="1000" b="1">
+                <a:solidFill>
+                  <a:schemeClr val="tx1"/>
+                </a:solidFill>
+              </a:rPr>
+              <a:t>DB</a:t>
+            </a:r>
+            <a:r>
+              <a:rPr lang="ko-KR" altLang="en-US" sz="1000" b="1">
+                <a:solidFill>
+                  <a:schemeClr val="tx1"/>
+                </a:solidFill>
+              </a:rPr>
+              <a:t>에서 유효한 </a:t>
+            </a:r>
+          </a:p>
+          <a:p>
+            <a:pPr algn="ctr">
+              <a:defRPr lang="ko-KR" altLang="en-US"/>
+            </a:pPr>
+            <a:r>
+              <a:rPr lang="ko-KR" altLang="en-US" sz="1000" b="1">
+                <a:solidFill>
+                  <a:schemeClr val="tx1"/>
+                </a:solidFill>
+              </a:rPr>
+              <a:t>스티커 리스트조회</a:t>
+            </a:r>
+          </a:p>
+        </p:txBody>
+      </p:sp>
+      <p:sp>
+        <p:nvSpPr>
+          <p:cNvPr id="89" name="직사각형 7"/>
+          <p:cNvSpPr/>
+          <p:nvPr/>
+        </p:nvSpPr>
+        <p:spPr>
+          <a:xfrm>
+            <a:off x="2785704" y="2353294"/>
+            <a:ext cx="1988392" cy="436912"/>
+          </a:xfrm>
+          <a:prstGeom prst="rect">
+            <a:avLst/>
+          </a:prstGeom>
+          <a:ln w="19050" algn="ctr">
+            <a:solidFill>
+              <a:schemeClr val="tx1"/>
+            </a:solidFill>
+          </a:ln>
+        </p:spPr>
+        <p:style>
+          <a:lnRef idx="2">
+            <a:schemeClr val="accent6"/>
+          </a:lnRef>
+          <a:fillRef idx="1">
+            <a:schemeClr val="lt1"/>
+          </a:fillRef>
+          <a:effectRef idx="0">
+            <a:schemeClr val="accent6"/>
+          </a:effectRef>
+          <a:fontRef idx="minor">
+            <a:schemeClr val="dk1"/>
+          </a:fontRef>
+        </p:style>
+        <p:txBody>
+          <a:bodyPr vert="horz" wrap="square" lIns="91440" tIns="45720" rIns="91440" bIns="45720" anchor="ctr">
+            <a:noAutofit/>
+          </a:bodyPr>
+          <a:lstStyle/>
+          <a:p>
+            <a:pPr algn="ctr">
+              <a:defRPr lang="ko-KR" altLang="en-US"/>
+            </a:pPr>
+            <a:r>
+              <a:rPr lang="ko-KR" altLang="en-US" sz="1000" b="1">
+                <a:solidFill>
+                  <a:schemeClr val="tx1"/>
+                </a:solidFill>
+              </a:rPr>
+              <a:t>딜 번호가 어떤 딜팩/카테고리에 속하는지 조회</a:t>
+            </a:r>
+          </a:p>
+        </p:txBody>
+      </p:sp>
+      <p:sp>
+        <p:nvSpPr>
+          <p:cNvPr id="90" name="직사각형 7"/>
+          <p:cNvSpPr/>
+          <p:nvPr/>
+        </p:nvSpPr>
+        <p:spPr>
+          <a:xfrm>
+            <a:off x="5089992" y="2353294"/>
+            <a:ext cx="1700356" cy="436912"/>
+          </a:xfrm>
+          <a:prstGeom prst="rect">
+            <a:avLst/>
+          </a:prstGeom>
+          <a:ln w="19050" algn="ctr">
+            <a:solidFill>
+              <a:schemeClr val="tx1"/>
+            </a:solidFill>
+          </a:ln>
+        </p:spPr>
+        <p:style>
+          <a:lnRef idx="2">
+            <a:schemeClr val="accent6"/>
+          </a:lnRef>
+          <a:fillRef idx="1">
+            <a:schemeClr val="lt1"/>
+          </a:fillRef>
+          <a:effectRef idx="0">
+            <a:schemeClr val="accent6"/>
+          </a:effectRef>
+          <a:fontRef idx="minor">
+            <a:schemeClr val="dk1"/>
+          </a:fontRef>
+        </p:style>
+        <p:txBody>
+          <a:bodyPr vert="horz" wrap="square" lIns="91440" tIns="45720" rIns="91440" bIns="45720" anchor="ctr">
+            <a:noAutofit/>
+          </a:bodyPr>
+          <a:lstStyle/>
+          <a:p>
+            <a:pPr algn="ctr">
+              <a:defRPr lang="ko-KR" altLang="en-US"/>
+            </a:pPr>
+            <a:r>
+              <a:rPr lang="ko-KR" altLang="en-US" sz="1000" b="1">
+                <a:solidFill>
+                  <a:schemeClr val="tx1"/>
+                </a:solidFill>
+              </a:rPr>
+              <a:t>스티커 우선순위에 따라 </a:t>
+            </a:r>
+          </a:p>
+          <a:p>
+            <a:pPr algn="ctr">
+              <a:defRPr lang="ko-KR" altLang="en-US"/>
+            </a:pPr>
+            <a:r>
+              <a:rPr lang="ko-KR" altLang="en-US" sz="1000" b="1">
+                <a:solidFill>
+                  <a:schemeClr val="tx1"/>
+                </a:solidFill>
+              </a:rPr>
+              <a:t>딜 번호와 스티커를 매핑</a:t>
+            </a:r>
+          </a:p>
+        </p:txBody>
+      </p:sp>
+      <p:sp>
+        <p:nvSpPr>
+          <p:cNvPr id="99" name="직사각형 7"/>
+          <p:cNvSpPr/>
+          <p:nvPr/>
+        </p:nvSpPr>
+        <p:spPr>
+          <a:xfrm>
+            <a:off x="6768273" y="1820947"/>
+            <a:ext cx="1988391" cy="292894"/>
+          </a:xfrm>
+          <a:prstGeom prst="rect">
+            <a:avLst/>
+          </a:prstGeom>
+          <a:ln w="3175" algn="ctr">
+            <a:solidFill>
+              <a:schemeClr val="bg1">
+                <a:lumMod val="60000"/>
+              </a:schemeClr>
+            </a:solidFill>
+          </a:ln>
+        </p:spPr>
+        <p:style>
+          <a:lnRef idx="2">
+            <a:schemeClr val="accent6"/>
+          </a:lnRef>
+          <a:fillRef idx="1">
+            <a:schemeClr val="lt1"/>
+          </a:fillRef>
+          <a:effectRef idx="0">
+            <a:schemeClr val="accent6"/>
+          </a:effectRef>
+          <a:fontRef idx="minor">
+            <a:schemeClr val="dk1"/>
+          </a:fontRef>
+        </p:style>
+        <p:txBody>
+          <a:bodyPr vert="horz" wrap="square" lIns="91440" tIns="45720" rIns="91440" bIns="45720" anchor="ctr">
+            <a:noAutofit/>
+          </a:bodyPr>
+          <a:lstStyle/>
+          <a:p>
+            <a:pPr algn="ctr">
+              <a:defRPr lang="ko-KR" altLang="en-US"/>
+            </a:pPr>
+            <a:r>
+              <a:rPr lang="en-US" altLang="ko-KR" sz="1000">
+                <a:solidFill>
+                  <a:schemeClr val="bg1">
+                    <a:lumMod val="70000"/>
+                  </a:schemeClr>
+                </a:solidFill>
+              </a:rPr>
+              <a:t>service_tmon_dealbuilder_api</a:t>
+            </a:r>
+          </a:p>
+        </p:txBody>
+      </p:sp>
+      <p:sp>
+        <p:nvSpPr>
+          <p:cNvPr id="106" name="직사각형 7"/>
+          <p:cNvSpPr/>
+          <p:nvPr/>
+        </p:nvSpPr>
+        <p:spPr>
+          <a:xfrm>
+            <a:off x="5190659" y="267462"/>
+            <a:ext cx="1988391" cy="292894"/>
+          </a:xfrm>
+          <a:prstGeom prst="rect">
+            <a:avLst/>
+          </a:prstGeom>
+          <a:ln w="3175" algn="ctr">
+            <a:solidFill>
+              <a:schemeClr val="bg1">
+                <a:lumMod val="60000"/>
+              </a:schemeClr>
+            </a:solidFill>
+          </a:ln>
+        </p:spPr>
+        <p:style>
+          <a:lnRef idx="2">
+            <a:schemeClr val="accent6"/>
+          </a:lnRef>
+          <a:fillRef idx="1">
+            <a:schemeClr val="lt1"/>
+          </a:fillRef>
+          <a:effectRef idx="0">
+            <a:schemeClr val="accent6"/>
+          </a:effectRef>
+          <a:fontRef idx="minor">
+            <a:schemeClr val="dk1"/>
+          </a:fontRef>
+        </p:style>
+        <p:txBody>
+          <a:bodyPr vert="horz" wrap="square" lIns="91440" tIns="45720" rIns="91440" bIns="45720" anchor="ctr">
+            <a:noAutofit/>
+          </a:bodyPr>
+          <a:lstStyle/>
+          <a:p>
+            <a:pPr algn="ctr">
+              <a:defRPr lang="ko-KR" altLang="en-US"/>
+            </a:pPr>
+            <a:r>
+              <a:rPr lang="en-US" altLang="ko-KR" sz="1000">
+                <a:solidFill>
+                  <a:schemeClr val="bg1">
+                    <a:lumMod val="70000"/>
+                  </a:schemeClr>
+                </a:solidFill>
+              </a:rPr>
+              <a:t>service_tmon_dealinfo_api</a:t>
+            </a:r>
+          </a:p>
+        </p:txBody>
+      </p:sp>
+      <p:sp>
+        <p:nvSpPr>
+          <p:cNvPr id="107" name="직사각형 7"/>
+          <p:cNvSpPr/>
+          <p:nvPr/>
+        </p:nvSpPr>
+        <p:spPr>
+          <a:xfrm>
+            <a:off x="5190659" y="598206"/>
+            <a:ext cx="2231754" cy="783717"/>
+          </a:xfrm>
+          <a:prstGeom prst="rect">
+            <a:avLst/>
+          </a:prstGeom>
+          <a:noFill/>
+          <a:ln w="3175" algn="ctr">
+            <a:noFill/>
+          </a:ln>
+        </p:spPr>
+        <p:style>
+          <a:lnRef idx="2">
+            <a:schemeClr val="accent6"/>
+          </a:lnRef>
+          <a:fillRef idx="1">
+            <a:schemeClr val="lt1"/>
+          </a:fillRef>
+          <a:effectRef idx="0">
+            <a:schemeClr val="accent6"/>
+          </a:effectRef>
+          <a:fontRef idx="minor">
+            <a:schemeClr val="dk1"/>
+          </a:fontRef>
+        </p:style>
+        <p:txBody>
+          <a:bodyPr vert="horz" wrap="square" lIns="91440" tIns="45720" rIns="91440" bIns="45720" anchor="ctr">
+            <a:noAutofit/>
+          </a:bodyPr>
+          <a:lstStyle/>
+          <a:p>
+            <a:pPr>
+              <a:defRPr lang="ko-KR" altLang="en-US"/>
+            </a:pPr>
+            <a:r>
+              <a:rPr lang="ko-KR" altLang="en-US" sz="900" dirty="0">
+                <a:solidFill>
+                  <a:schemeClr val="bg1">
+                    <a:lumMod val="70000"/>
+                  </a:schemeClr>
+                </a:solidFill>
+              </a:rPr>
+              <a:t>1. 딜 변경 이벤트 생성</a:t>
+            </a:r>
+          </a:p>
+          <a:p>
+            <a:pPr>
+              <a:defRPr lang="ko-KR" altLang="en-US"/>
+            </a:pPr>
+            <a:r>
+              <a:rPr lang="ko-KR" altLang="en-US" sz="900" dirty="0">
+                <a:solidFill>
+                  <a:schemeClr val="bg1">
+                    <a:lumMod val="70000"/>
+                  </a:schemeClr>
+                </a:solidFill>
+              </a:rPr>
+              <a:t>2. </a:t>
+            </a:r>
+            <a:r>
+              <a:rPr lang="ko-KR" altLang="en-US" sz="900" dirty="0" err="1">
+                <a:solidFill>
+                  <a:schemeClr val="bg1">
+                    <a:lumMod val="70000"/>
+                  </a:schemeClr>
+                </a:solidFill>
+              </a:rPr>
+              <a:t>스키터</a:t>
+            </a:r>
+            <a:r>
+              <a:rPr lang="ko-KR" altLang="en-US" sz="900" dirty="0">
+                <a:solidFill>
+                  <a:schemeClr val="bg1">
+                    <a:lumMod val="70000"/>
+                  </a:schemeClr>
+                </a:solidFill>
+              </a:rPr>
+              <a:t> </a:t>
+            </a:r>
+            <a:r>
+              <a:rPr lang="ko-KR" altLang="en-US" sz="900" dirty="0" err="1">
+                <a:solidFill>
+                  <a:schemeClr val="bg1">
+                    <a:lumMod val="70000"/>
+                  </a:schemeClr>
+                </a:solidFill>
+              </a:rPr>
+              <a:t>버킷에서</a:t>
+            </a:r>
+            <a:r>
+              <a:rPr lang="ko-KR" altLang="en-US" sz="900" dirty="0">
+                <a:solidFill>
+                  <a:schemeClr val="bg1">
+                    <a:lumMod val="70000"/>
+                  </a:schemeClr>
+                </a:solidFill>
+              </a:rPr>
+              <a:t> 스티커 조회</a:t>
+            </a:r>
+          </a:p>
+          <a:p>
+            <a:pPr>
+              <a:defRPr lang="ko-KR" altLang="en-US"/>
+            </a:pPr>
+            <a:r>
+              <a:rPr lang="ko-KR" altLang="en-US" sz="900" dirty="0">
+                <a:solidFill>
+                  <a:schemeClr val="bg1">
+                    <a:lumMod val="70000"/>
+                  </a:schemeClr>
+                </a:solidFill>
+              </a:rPr>
+              <a:t>3. 딜 정보에 포함</a:t>
+            </a:r>
+          </a:p>
+          <a:p>
+            <a:pPr>
+              <a:defRPr lang="ko-KR" altLang="en-US"/>
+            </a:pPr>
+            <a:r>
+              <a:rPr lang="ko-KR" altLang="en-US" sz="900" dirty="0">
+                <a:solidFill>
+                  <a:schemeClr val="bg1">
+                    <a:lumMod val="70000"/>
+                  </a:schemeClr>
+                </a:solidFill>
+              </a:rPr>
+              <a:t>4. </a:t>
+            </a:r>
+            <a:r>
+              <a:rPr lang="ko-KR" altLang="en-US" sz="900" dirty="0" err="1">
+                <a:solidFill>
+                  <a:schemeClr val="bg1">
+                    <a:lumMod val="70000"/>
+                  </a:schemeClr>
+                </a:solidFill>
+              </a:rPr>
+              <a:t>딜인포</a:t>
+            </a:r>
+            <a:r>
+              <a:rPr lang="ko-KR" altLang="en-US" sz="900" dirty="0">
+                <a:solidFill>
+                  <a:schemeClr val="bg1">
+                    <a:lumMod val="70000"/>
+                  </a:schemeClr>
+                </a:solidFill>
+              </a:rPr>
+              <a:t> </a:t>
+            </a:r>
+            <a:r>
+              <a:rPr lang="ko-KR" altLang="en-US" sz="900" dirty="0" err="1">
+                <a:solidFill>
+                  <a:schemeClr val="bg1">
+                    <a:lumMod val="70000"/>
+                  </a:schemeClr>
+                </a:solidFill>
+              </a:rPr>
+              <a:t>버킷에</a:t>
+            </a:r>
+            <a:r>
+              <a:rPr lang="ko-KR" altLang="en-US" sz="900" dirty="0">
+                <a:solidFill>
+                  <a:schemeClr val="bg1">
+                    <a:lumMod val="70000"/>
+                  </a:schemeClr>
+                </a:solidFill>
+              </a:rPr>
+              <a:t> 완전한 딜 정보 저장</a:t>
+            </a:r>
+          </a:p>
+        </p:txBody>
+      </p:sp>
+      <p:cxnSp>
+        <p:nvCxnSpPr>
+          <p:cNvPr id="110" name="꺾인 연결선[E] 72"/>
+          <p:cNvCxnSpPr>
+            <a:stCxn id="87" idx="0"/>
+            <a:endCxn id="114" idx="2"/>
+          </p:cNvCxnSpPr>
+          <p:nvPr/>
+        </p:nvCxnSpPr>
+        <p:spPr>
+          <a:xfrm rot="5400000" flipH="1" flipV="1">
+            <a:off x="201893" y="1849601"/>
+            <a:ext cx="841294" cy="166090"/>
+          </a:xfrm>
+          <a:prstGeom prst="bentConnector2">
+            <a:avLst/>
+          </a:prstGeom>
+          <a:ln w="0" algn="ctr">
+            <a:solidFill>
+              <a:schemeClr val="bg1">
+                <a:lumMod val="70000"/>
+              </a:schemeClr>
+            </a:solidFill>
+            <a:tailEnd type="triangle"/>
+          </a:ln>
+        </p:spPr>
+        <p:style>
+          <a:lnRef idx="1">
+            <a:schemeClr val="accent2"/>
+          </a:lnRef>
+          <a:fillRef idx="0">
+            <a:schemeClr val="accent2"/>
+          </a:fillRef>
+          <a:effectRef idx="0">
+            <a:schemeClr val="accent2"/>
+          </a:effectRef>
+          <a:fontRef idx="minor">
+            <a:schemeClr val="tx1"/>
+          </a:fontRef>
+        </p:style>
+      </p:cxnSp>
+      <p:grpSp>
+        <p:nvGrpSpPr>
+          <p:cNvPr id="116" name="그룹 115"/>
+          <p:cNvGrpSpPr/>
+          <p:nvPr/>
+        </p:nvGrpSpPr>
+        <p:grpSpPr>
+          <a:xfrm>
+            <a:off x="705585" y="1142465"/>
+            <a:ext cx="2315791" cy="738188"/>
+            <a:chOff x="705585" y="1142465"/>
+            <a:chExt cx="2315791" cy="738188"/>
+          </a:xfrm>
+        </p:grpSpPr>
+        <p:grpSp>
+          <p:nvGrpSpPr>
+            <p:cNvPr id="113" name="그룹 112"/>
+            <p:cNvGrpSpPr/>
+            <p:nvPr/>
+          </p:nvGrpSpPr>
+          <p:grpSpPr>
+            <a:xfrm>
+              <a:off x="863536" y="1142465"/>
+              <a:ext cx="1989979" cy="738188"/>
+              <a:chOff x="863536" y="1142465"/>
+              <a:chExt cx="1989979" cy="738188"/>
+            </a:xfrm>
+          </p:grpSpPr>
+          <p:sp>
+            <p:nvSpPr>
+              <p:cNvPr id="108" name="직사각형 7"/>
+              <p:cNvSpPr/>
+              <p:nvPr/>
+            </p:nvSpPr>
+            <p:spPr>
+              <a:xfrm>
+                <a:off x="863536" y="1142465"/>
+                <a:ext cx="1988391" cy="292894"/>
+              </a:xfrm>
+              <a:prstGeom prst="rect">
+                <a:avLst/>
+              </a:prstGeom>
+              <a:ln w="19050" algn="ctr">
+                <a:solidFill>
+                  <a:schemeClr val="tx1"/>
+                </a:solidFill>
+              </a:ln>
+            </p:spPr>
+            <p:style>
+              <a:lnRef idx="2">
+                <a:schemeClr val="accent6"/>
+              </a:lnRef>
+              <a:fillRef idx="1">
+                <a:schemeClr val="lt1"/>
+              </a:fillRef>
+              <a:effectRef idx="0">
+                <a:schemeClr val="accent6"/>
+              </a:effectRef>
+              <a:fontRef idx="minor">
+                <a:schemeClr val="dk1"/>
+              </a:fontRef>
+            </p:style>
+            <p:txBody>
+              <a:bodyPr vert="horz" wrap="square" lIns="91440" tIns="45720" rIns="91440" bIns="45720" anchor="ctr">
+                <a:noAutofit/>
+              </a:bodyPr>
+              <a:lstStyle/>
+              <a:p>
+                <a:pPr algn="ctr">
+                  <a:defRPr lang="ko-KR" altLang="en-US"/>
+                </a:pPr>
+                <a:r>
+                  <a:rPr lang="en-US" altLang="ko-KR" sz="1000" b="1">
+                    <a:solidFill>
+                      <a:schemeClr val="tx1"/>
+                    </a:solidFill>
+                  </a:rPr>
+                  <a:t>service_tmon_dealpack_api</a:t>
+                </a:r>
+              </a:p>
+            </p:txBody>
+          </p:sp>
+          <p:sp>
+            <p:nvSpPr>
+              <p:cNvPr id="109" name="직사각형 7"/>
+              <p:cNvSpPr/>
+              <p:nvPr/>
+            </p:nvSpPr>
+            <p:spPr>
+              <a:xfrm>
+                <a:off x="863536" y="1587759"/>
+                <a:ext cx="1988391" cy="292894"/>
+              </a:xfrm>
+              <a:prstGeom prst="rect">
+                <a:avLst/>
+              </a:prstGeom>
+              <a:ln w="19050" algn="ctr">
+                <a:solidFill>
+                  <a:schemeClr val="tx1"/>
+                </a:solidFill>
+              </a:ln>
+            </p:spPr>
+            <p:style>
+              <a:lnRef idx="2">
+                <a:schemeClr val="accent6"/>
+              </a:lnRef>
+              <a:fillRef idx="1">
+                <a:schemeClr val="lt1"/>
+              </a:fillRef>
+              <a:effectRef idx="0">
+                <a:schemeClr val="accent6"/>
+              </a:effectRef>
+              <a:fontRef idx="minor">
+                <a:schemeClr val="dk1"/>
+              </a:fontRef>
+            </p:style>
+            <p:txBody>
+              <a:bodyPr vert="horz" wrap="square" lIns="91440" tIns="45720" rIns="91440" bIns="45720" anchor="ctr">
+                <a:noAutofit/>
+              </a:bodyPr>
+              <a:lstStyle/>
+              <a:p>
+                <a:pPr algn="ctr">
+                  <a:defRPr lang="ko-KR" altLang="en-US"/>
+                </a:pPr>
+                <a:r>
+                  <a:rPr lang="en-US" altLang="ko-KR" sz="1000" b="1">
+                    <a:solidFill>
+                      <a:schemeClr val="tx1"/>
+                    </a:solidFill>
+                  </a:rPr>
+                  <a:t>service_tmon_dealinter_api</a:t>
+                </a:r>
+              </a:p>
+            </p:txBody>
+          </p:sp>
+          <p:cxnSp>
+            <p:nvCxnSpPr>
+              <p:cNvPr id="111" name="꺾인 연결선[E] 72"/>
+              <p:cNvCxnSpPr>
+                <a:stCxn id="109" idx="1"/>
+                <a:endCxn id="108" idx="1"/>
+              </p:cNvCxnSpPr>
+              <p:nvPr/>
+            </p:nvCxnSpPr>
+            <p:spPr>
+              <a:xfrm flipV="1">
+                <a:off x="863536" y="1288912"/>
+                <a:ext cx="1588" cy="445294"/>
+              </a:xfrm>
+              <a:prstGeom prst="bentConnector3">
+                <a:avLst>
+                  <a:gd name="adj1" fmla="val -8338803"/>
+                </a:avLst>
+              </a:prstGeom>
+              <a:ln w="19050" algn="ctr">
+                <a:solidFill>
+                  <a:schemeClr val="tx1"/>
+                </a:solidFill>
+              </a:ln>
+            </p:spPr>
+            <p:style>
+              <a:lnRef idx="1">
+                <a:schemeClr val="accent2"/>
+              </a:lnRef>
+              <a:fillRef idx="0">
+                <a:schemeClr val="accent2"/>
+              </a:fillRef>
+              <a:effectRef idx="0">
+                <a:schemeClr val="accent2"/>
+              </a:effectRef>
+              <a:fontRef idx="minor">
+                <a:schemeClr val="tx1"/>
+              </a:fontRef>
+            </p:style>
+          </p:cxnSp>
+          <p:cxnSp>
+            <p:nvCxnSpPr>
+              <p:cNvPr id="112" name="꺾인 연결선[E] 72"/>
+              <p:cNvCxnSpPr>
+                <a:stCxn id="109" idx="3"/>
+                <a:endCxn id="108" idx="3"/>
+              </p:cNvCxnSpPr>
+              <p:nvPr/>
+            </p:nvCxnSpPr>
+            <p:spPr>
+              <a:xfrm flipV="1">
+                <a:off x="2851927" y="1288912"/>
+                <a:ext cx="1588" cy="445294"/>
+              </a:xfrm>
+              <a:prstGeom prst="bentConnector3">
+                <a:avLst>
+                  <a:gd name="adj1" fmla="val 8438413"/>
+                </a:avLst>
+              </a:prstGeom>
+              <a:ln w="19050" algn="ctr">
+                <a:solidFill>
+                  <a:schemeClr val="tx1"/>
+                </a:solidFill>
+              </a:ln>
+            </p:spPr>
+            <p:style>
+              <a:lnRef idx="1">
+                <a:schemeClr val="accent2"/>
+              </a:lnRef>
+              <a:fillRef idx="0">
+                <a:schemeClr val="accent2"/>
+              </a:fillRef>
+              <a:effectRef idx="0">
+                <a:schemeClr val="accent2"/>
+              </a:effectRef>
+              <a:fontRef idx="minor">
+                <a:schemeClr val="tx1"/>
+              </a:fontRef>
+            </p:style>
+          </p:cxnSp>
+        </p:grpSp>
+        <p:sp>
+          <p:nvSpPr>
+            <p:cNvPr id="114" name="타원 113"/>
+            <p:cNvSpPr/>
+            <p:nvPr/>
+          </p:nvSpPr>
+          <p:spPr>
+            <a:xfrm>
+              <a:off x="705585" y="1494000"/>
+              <a:ext cx="36000" cy="36000"/>
+            </a:xfrm>
+            <a:prstGeom prst="ellipse">
+              <a:avLst/>
+            </a:prstGeom>
+            <a:noFill/>
+            <a:ln w="19050" algn="ctr">
+              <a:solidFill>
+                <a:schemeClr val="tx1"/>
+              </a:solidFill>
+            </a:ln>
+          </p:spPr>
+          <p:style>
+            <a:lnRef idx="2">
+              <a:schemeClr val="accent1">
+                <a:shade val="20000"/>
+              </a:schemeClr>
+            </a:lnRef>
+            <a:fillRef idx="1">
+              <a:schemeClr val="accent1"/>
+            </a:fillRef>
+            <a:effectRef idx="0">
+              <a:schemeClr val="accent1"/>
+            </a:effectRef>
+            <a:fontRef idx="minor">
+              <a:schemeClr val="lt1"/>
+            </a:fontRef>
+          </p:style>
+          <p:txBody>
+            <a:bodyPr vert="horz" wrap="square" lIns="91440" tIns="45720" rIns="91440" bIns="45720" anchor="ctr">
+              <a:noAutofit/>
+            </a:bodyPr>
+            <a:lstStyle/>
+            <a:p>
+              <a:pPr algn="ctr">
+                <a:defRPr lang="ko-KR" altLang="en-US"/>
+              </a:pPr>
+              <a:endParaRPr lang="en-US" altLang="ko-KR"/>
+            </a:p>
+          </p:txBody>
+        </p:sp>
+        <p:sp>
+          <p:nvSpPr>
+            <p:cNvPr id="115" name="타원 114"/>
+            <p:cNvSpPr/>
+            <p:nvPr/>
+          </p:nvSpPr>
+          <p:spPr>
+            <a:xfrm>
+              <a:off x="2985377" y="1494000"/>
+              <a:ext cx="36000" cy="36000"/>
+            </a:xfrm>
+            <a:prstGeom prst="ellipse">
+              <a:avLst/>
+            </a:prstGeom>
+            <a:noFill/>
+            <a:ln w="19050" algn="ctr">
+              <a:solidFill>
+                <a:schemeClr val="tx1"/>
+              </a:solidFill>
+            </a:ln>
+          </p:spPr>
+          <p:style>
+            <a:lnRef idx="2">
+              <a:schemeClr val="accent1">
+                <a:shade val="20000"/>
+              </a:schemeClr>
+            </a:lnRef>
+            <a:fillRef idx="1">
+              <a:schemeClr val="accent1"/>
+            </a:fillRef>
+            <a:effectRef idx="0">
+              <a:schemeClr val="accent1"/>
+            </a:effectRef>
+            <a:fontRef idx="minor">
+              <a:schemeClr val="lt1"/>
+            </a:fontRef>
+          </p:style>
+          <p:txBody>
+            <a:bodyPr vert="horz" wrap="square" lIns="91440" tIns="45720" rIns="91440" bIns="45720" anchor="ctr">
+              <a:noAutofit/>
+            </a:bodyPr>
+            <a:lstStyle/>
+            <a:p>
+              <a:pPr algn="ctr">
+                <a:defRPr lang="ko-KR" altLang="en-US"/>
+              </a:pPr>
+              <a:endParaRPr lang="en-US" altLang="ko-KR"/>
+            </a:p>
+          </p:txBody>
+        </p:sp>
+      </p:grpSp>
+      <p:cxnSp>
+        <p:nvCxnSpPr>
+          <p:cNvPr id="117" name="꺾인 연결선[E] 72"/>
+          <p:cNvCxnSpPr>
+            <a:endCxn id="115" idx="6"/>
+          </p:cNvCxnSpPr>
+          <p:nvPr/>
+        </p:nvCxnSpPr>
+        <p:spPr>
+          <a:xfrm rot="16200000" flipV="1">
+            <a:off x="3015996" y="1517380"/>
+            <a:ext cx="841294" cy="830533"/>
+          </a:xfrm>
+          <a:prstGeom prst="bentConnector2">
+            <a:avLst/>
+          </a:prstGeom>
+          <a:ln w="19050" algn="ctr">
+            <a:solidFill>
+              <a:schemeClr val="tx1"/>
+            </a:solidFill>
+            <a:tailEnd type="triangle"/>
+          </a:ln>
+        </p:spPr>
+        <p:style>
+          <a:lnRef idx="1">
+            <a:schemeClr val="accent2"/>
+          </a:lnRef>
+          <a:fillRef idx="0">
+            <a:schemeClr val="accent2"/>
+          </a:fillRef>
+          <a:effectRef idx="0">
+            <a:schemeClr val="accent2"/>
+          </a:effectRef>
+          <a:fontRef idx="minor">
+            <a:schemeClr val="tx1"/>
+          </a:fontRef>
+        </p:style>
+      </p:cxnSp>
+      <p:cxnSp>
+        <p:nvCxnSpPr>
+          <p:cNvPr id="118" name="꺾인 연결선[E] 72"/>
+          <p:cNvCxnSpPr>
+            <a:stCxn id="63" idx="0"/>
+            <a:endCxn id="87" idx="2"/>
+          </p:cNvCxnSpPr>
+          <p:nvPr/>
+        </p:nvCxnSpPr>
+        <p:spPr>
+          <a:xfrm rot="5400000" flipH="1">
+            <a:off x="2434350" y="895350"/>
+            <a:ext cx="244594" cy="4034304"/>
+          </a:xfrm>
+          <a:prstGeom prst="bentConnector3">
+            <a:avLst>
+              <a:gd name="adj1" fmla="val 50000"/>
+            </a:avLst>
+          </a:prstGeom>
+          <a:ln w="0" algn="ctr">
+            <a:solidFill>
+              <a:schemeClr val="bg1">
+                <a:lumMod val="70000"/>
+              </a:schemeClr>
+            </a:solidFill>
+            <a:tailEnd type="triangle"/>
+          </a:ln>
+        </p:spPr>
+        <p:style>
+          <a:lnRef idx="1">
+            <a:schemeClr val="accent2"/>
+          </a:lnRef>
+          <a:fillRef idx="0">
+            <a:schemeClr val="accent2"/>
+          </a:fillRef>
+          <a:effectRef idx="0">
+            <a:schemeClr val="accent2"/>
+          </a:effectRef>
+          <a:fontRef idx="minor">
+            <a:schemeClr val="tx1"/>
+          </a:fontRef>
+        </p:style>
+      </p:cxnSp>
+      <p:cxnSp>
+        <p:nvCxnSpPr>
+          <p:cNvPr id="119" name="직선 화살표 연결선 9"/>
+          <p:cNvCxnSpPr>
+            <a:cxnSpLocks/>
+            <a:stCxn id="87" idx="3"/>
+            <a:endCxn id="88" idx="1"/>
+          </p:cNvCxnSpPr>
+          <p:nvPr/>
+        </p:nvCxnSpPr>
+        <p:spPr>
+          <a:xfrm>
+            <a:off x="921613" y="2571750"/>
+            <a:ext cx="324042" cy="0"/>
+          </a:xfrm>
+          <a:prstGeom prst="straightConnector1">
+            <a:avLst/>
+          </a:prstGeom>
+          <a:ln w="0" algn="ctr">
+            <a:solidFill>
+              <a:schemeClr val="bg1">
+                <a:lumMod val="70000"/>
+              </a:schemeClr>
+            </a:solidFill>
+            <a:tailEnd type="triangle"/>
+          </a:ln>
+        </p:spPr>
+        <p:style>
+          <a:lnRef idx="1">
+            <a:schemeClr val="accent2"/>
+          </a:lnRef>
+          <a:fillRef idx="0">
+            <a:schemeClr val="accent2"/>
+          </a:fillRef>
+          <a:effectRef idx="0">
+            <a:schemeClr val="accent2"/>
+          </a:effectRef>
+          <a:fontRef idx="minor">
+            <a:schemeClr val="tx1"/>
+          </a:fontRef>
+        </p:style>
+      </p:cxnSp>
+      <p:cxnSp>
+        <p:nvCxnSpPr>
+          <p:cNvPr id="120" name="직선 화살표 연결선 9"/>
+          <p:cNvCxnSpPr>
+            <a:cxnSpLocks/>
+            <a:stCxn id="88" idx="3"/>
+            <a:endCxn id="89" idx="1"/>
+          </p:cNvCxnSpPr>
+          <p:nvPr/>
+        </p:nvCxnSpPr>
+        <p:spPr>
+          <a:xfrm>
+            <a:off x="2505183" y="2571750"/>
+            <a:ext cx="280521" cy="0"/>
+          </a:xfrm>
+          <a:prstGeom prst="straightConnector1">
+            <a:avLst/>
+          </a:prstGeom>
+          <a:ln w="19050" algn="ctr">
+            <a:solidFill>
+              <a:schemeClr val="tx1"/>
+            </a:solidFill>
+            <a:tailEnd type="triangle"/>
+          </a:ln>
+        </p:spPr>
+        <p:style>
+          <a:lnRef idx="1">
+            <a:schemeClr val="accent2"/>
+          </a:lnRef>
+          <a:fillRef idx="0">
+            <a:schemeClr val="accent2"/>
+          </a:fillRef>
+          <a:effectRef idx="0">
+            <a:schemeClr val="accent2"/>
+          </a:effectRef>
+          <a:fontRef idx="minor">
+            <a:schemeClr val="tx1"/>
+          </a:fontRef>
+        </p:style>
+      </p:cxnSp>
+      <p:cxnSp>
+        <p:nvCxnSpPr>
+          <p:cNvPr id="121" name="직선 화살표 연결선 9"/>
+          <p:cNvCxnSpPr>
+            <a:stCxn id="89" idx="3"/>
+            <a:endCxn id="90" idx="1"/>
+          </p:cNvCxnSpPr>
+          <p:nvPr/>
+        </p:nvCxnSpPr>
+        <p:spPr>
+          <a:xfrm>
+            <a:off x="4774096" y="2571750"/>
+            <a:ext cx="315896" cy="0"/>
+          </a:xfrm>
+          <a:prstGeom prst="straightConnector1">
+            <a:avLst/>
+          </a:prstGeom>
+          <a:ln w="19050" algn="ctr">
+            <a:solidFill>
+              <a:schemeClr val="tx1"/>
+            </a:solidFill>
+            <a:tailEnd type="triangle"/>
+          </a:ln>
+        </p:spPr>
+        <p:style>
+          <a:lnRef idx="1">
+            <a:schemeClr val="accent2"/>
+          </a:lnRef>
+          <a:fillRef idx="0">
+            <a:schemeClr val="accent2"/>
+          </a:fillRef>
+          <a:effectRef idx="0">
+            <a:schemeClr val="accent2"/>
+          </a:effectRef>
+          <a:fontRef idx="minor">
+            <a:schemeClr val="tx1"/>
+          </a:fontRef>
+        </p:style>
+      </p:cxnSp>
+      <p:cxnSp>
+        <p:nvCxnSpPr>
+          <p:cNvPr id="122" name="직선 화살표 연결선 9"/>
+          <p:cNvCxnSpPr>
+            <a:stCxn id="90" idx="3"/>
+            <a:endCxn id="91" idx="1"/>
+          </p:cNvCxnSpPr>
+          <p:nvPr/>
+        </p:nvCxnSpPr>
+        <p:spPr>
+          <a:xfrm>
+            <a:off x="6790348" y="2571750"/>
+            <a:ext cx="275702" cy="0"/>
+          </a:xfrm>
+          <a:prstGeom prst="straightConnector1">
+            <a:avLst/>
+          </a:prstGeom>
+          <a:ln w="3175" algn="ctr">
+            <a:solidFill>
+              <a:schemeClr val="bg1">
+                <a:lumMod val="60000"/>
+              </a:schemeClr>
+            </a:solidFill>
+            <a:tailEnd type="triangle"/>
+          </a:ln>
+        </p:spPr>
+        <p:style>
+          <a:lnRef idx="1">
+            <a:schemeClr val="accent2"/>
+          </a:lnRef>
+          <a:fillRef idx="0">
+            <a:schemeClr val="accent2"/>
+          </a:fillRef>
+          <a:effectRef idx="0">
+            <a:schemeClr val="accent2"/>
+          </a:effectRef>
+          <a:fontRef idx="minor">
+            <a:schemeClr val="tx1"/>
+          </a:fontRef>
+        </p:style>
+      </p:cxnSp>
+      <p:cxnSp>
+        <p:nvCxnSpPr>
+          <p:cNvPr id="123" name="꺾인 연결선[E] 72"/>
+          <p:cNvCxnSpPr>
+            <a:stCxn id="91" idx="3"/>
+            <a:endCxn id="99" idx="2"/>
+          </p:cNvCxnSpPr>
+          <p:nvPr/>
+        </p:nvCxnSpPr>
+        <p:spPr>
+          <a:xfrm flipH="1" flipV="1">
+            <a:off x="7762469" y="2113841"/>
+            <a:ext cx="652273" cy="457909"/>
+          </a:xfrm>
+          <a:prstGeom prst="bentConnector4">
+            <a:avLst>
+              <a:gd name="adj1" fmla="val -21681"/>
+              <a:gd name="adj2" fmla="val 62287"/>
+            </a:avLst>
+          </a:prstGeom>
+          <a:ln w="3175" algn="ctr">
+            <a:solidFill>
+              <a:schemeClr val="bg1">
+                <a:lumMod val="60000"/>
+              </a:schemeClr>
+            </a:solidFill>
+            <a:tailEnd type="triangle"/>
+          </a:ln>
+        </p:spPr>
+        <p:style>
+          <a:lnRef idx="1">
+            <a:schemeClr val="accent2"/>
+          </a:lnRef>
+          <a:fillRef idx="0">
+            <a:schemeClr val="accent2"/>
+          </a:fillRef>
+          <a:effectRef idx="0">
+            <a:schemeClr val="accent2"/>
+          </a:effectRef>
+          <a:fontRef idx="minor">
+            <a:schemeClr val="tx1"/>
+          </a:fontRef>
+        </p:style>
+      </p:cxnSp>
+      <p:cxnSp>
+        <p:nvCxnSpPr>
+          <p:cNvPr id="124" name="직선 화살표 연결선 9"/>
+          <p:cNvCxnSpPr>
+            <a:stCxn id="99" idx="0"/>
+            <a:endCxn id="101" idx="2"/>
+          </p:cNvCxnSpPr>
+          <p:nvPr/>
+        </p:nvCxnSpPr>
+        <p:spPr>
+          <a:xfrm rot="16200000">
+            <a:off x="7485508" y="1543986"/>
+            <a:ext cx="553921" cy="0"/>
+          </a:xfrm>
+          <a:prstGeom prst="straightConnector1">
+            <a:avLst/>
+          </a:prstGeom>
+          <a:ln w="3175" algn="ctr">
+            <a:solidFill>
+              <a:schemeClr val="tx1"/>
+            </a:solidFill>
+            <a:tailEnd type="triangle"/>
+          </a:ln>
+        </p:spPr>
+        <p:style>
+          <a:lnRef idx="1">
+            <a:schemeClr val="accent2"/>
+          </a:lnRef>
+          <a:fillRef idx="0">
+            <a:schemeClr val="accent2"/>
+          </a:fillRef>
+          <a:effectRef idx="0">
+            <a:schemeClr val="accent2"/>
+          </a:effectRef>
+          <a:fontRef idx="minor">
+            <a:schemeClr val="tx1"/>
+          </a:fontRef>
+        </p:style>
+      </p:cxnSp>
+      <p:cxnSp>
+        <p:nvCxnSpPr>
+          <p:cNvPr id="126" name="꺾인 연결선[E] 72"/>
+          <p:cNvCxnSpPr>
+            <a:stCxn id="133" idx="0"/>
+            <a:endCxn id="106" idx="3"/>
+          </p:cNvCxnSpPr>
+          <p:nvPr/>
+        </p:nvCxnSpPr>
+        <p:spPr>
+          <a:xfrm rot="5400000" flipH="1">
+            <a:off x="7398041" y="194918"/>
+            <a:ext cx="125775" cy="563756"/>
+          </a:xfrm>
+          <a:prstGeom prst="bentConnector2">
+            <a:avLst/>
+          </a:prstGeom>
+          <a:ln w="3175" algn="ctr">
+            <a:solidFill>
+              <a:schemeClr val="bg1">
+                <a:lumMod val="60000"/>
+              </a:schemeClr>
+            </a:solidFill>
+            <a:tailEnd type="triangle"/>
+          </a:ln>
+        </p:spPr>
+        <p:style>
+          <a:lnRef idx="1">
+            <a:schemeClr val="accent2"/>
+          </a:lnRef>
+          <a:fillRef idx="0">
+            <a:schemeClr val="accent2"/>
+          </a:fillRef>
+          <a:effectRef idx="0">
+            <a:schemeClr val="accent2"/>
+          </a:effectRef>
+          <a:fontRef idx="minor">
+            <a:schemeClr val="tx1"/>
+          </a:fontRef>
+        </p:style>
+      </p:cxnSp>
+      <p:cxnSp>
+        <p:nvCxnSpPr>
+          <p:cNvPr id="127" name="꺾인 연결선[E] 72"/>
+          <p:cNvCxnSpPr>
+            <a:stCxn id="106" idx="1"/>
+            <a:endCxn id="132" idx="0"/>
+          </p:cNvCxnSpPr>
+          <p:nvPr/>
+        </p:nvCxnSpPr>
+        <p:spPr>
+          <a:xfrm flipH="1">
+            <a:off x="4572000" y="413909"/>
+            <a:ext cx="618659" cy="125775"/>
+          </a:xfrm>
+          <a:prstGeom prst="bentConnector2">
+            <a:avLst/>
+          </a:prstGeom>
+          <a:ln w="3175" algn="ctr">
+            <a:solidFill>
+              <a:schemeClr val="bg1">
+                <a:lumMod val="60000"/>
+              </a:schemeClr>
+            </a:solidFill>
+            <a:tailEnd type="triangle"/>
+          </a:ln>
+        </p:spPr>
+        <p:style>
+          <a:lnRef idx="1">
+            <a:schemeClr val="accent2"/>
+          </a:lnRef>
+          <a:fillRef idx="0">
+            <a:schemeClr val="accent2"/>
+          </a:fillRef>
+          <a:effectRef idx="0">
+            <a:schemeClr val="accent2"/>
+          </a:effectRef>
+          <a:fontRef idx="minor">
+            <a:schemeClr val="tx1"/>
+          </a:fontRef>
+        </p:style>
+      </p:cxnSp>
+      <p:sp>
+        <p:nvSpPr>
+          <p:cNvPr id="128" name="직사각형 7"/>
+          <p:cNvSpPr/>
+          <p:nvPr/>
+        </p:nvSpPr>
+        <p:spPr>
+          <a:xfrm>
+            <a:off x="3563874" y="4443984"/>
+            <a:ext cx="922185" cy="154795"/>
+          </a:xfrm>
+          <a:prstGeom prst="rect">
+            <a:avLst/>
+          </a:prstGeom>
+          <a:ln w="3175" algn="ctr">
+            <a:noFill/>
+          </a:ln>
+        </p:spPr>
+        <p:style>
+          <a:lnRef idx="2">
+            <a:schemeClr val="accent6"/>
+          </a:lnRef>
+          <a:fillRef idx="1">
+            <a:schemeClr val="lt1"/>
+          </a:fillRef>
+          <a:effectRef idx="0">
+            <a:schemeClr val="accent6"/>
+          </a:effectRef>
+          <a:fontRef idx="minor">
+            <a:schemeClr val="dk1"/>
+          </a:fontRef>
+        </p:style>
+        <p:txBody>
+          <a:bodyPr vert="horz" wrap="square" lIns="91440" tIns="45720" rIns="91440" bIns="45720" anchor="ctr">
+            <a:noAutofit/>
+          </a:bodyPr>
+          <a:lstStyle/>
+          <a:p>
+            <a:pPr algn="ctr">
+              <a:defRPr lang="ko-KR" altLang="en-US"/>
+            </a:pPr>
+            <a:r>
+              <a:rPr lang="en-US" altLang="ko-KR" sz="700">
+                <a:solidFill>
+                  <a:schemeClr val="bg1">
+                    <a:lumMod val="70000"/>
+                  </a:schemeClr>
+                </a:solidFill>
+              </a:rPr>
+              <a:t>&lt;RabbitMQ&gt;</a:t>
+            </a:r>
+          </a:p>
+        </p:txBody>
+      </p:sp>
+      <p:sp>
+        <p:nvSpPr>
+          <p:cNvPr id="129" name="직사각형 7"/>
+          <p:cNvSpPr/>
+          <p:nvPr/>
+        </p:nvSpPr>
+        <p:spPr>
+          <a:xfrm>
+            <a:off x="7250264" y="2704990"/>
+            <a:ext cx="922185" cy="154795"/>
+          </a:xfrm>
+          <a:prstGeom prst="rect">
+            <a:avLst/>
+          </a:prstGeom>
+          <a:noFill/>
+          <a:ln w="3175" algn="ctr">
+            <a:noFill/>
+          </a:ln>
+        </p:spPr>
+        <p:style>
+          <a:lnRef idx="2">
+            <a:schemeClr val="accent6"/>
+          </a:lnRef>
+          <a:fillRef idx="1">
+            <a:schemeClr val="lt1"/>
+          </a:fillRef>
+          <a:effectRef idx="0">
+            <a:schemeClr val="accent6"/>
+          </a:effectRef>
+          <a:fontRef idx="minor">
+            <a:schemeClr val="dk1"/>
+          </a:fontRef>
+        </p:style>
+        <p:txBody>
+          <a:bodyPr vert="horz" wrap="square" lIns="91440" tIns="45720" rIns="91440" bIns="45720" anchor="ctr">
+            <a:noAutofit/>
+          </a:bodyPr>
+          <a:lstStyle/>
+          <a:p>
+            <a:pPr algn="ctr">
+              <a:defRPr lang="ko-KR" altLang="en-US"/>
+            </a:pPr>
+            <a:r>
+              <a:rPr lang="en-US" altLang="ko-KR" sz="700">
+                <a:solidFill>
+                  <a:schemeClr val="bg1">
+                    <a:lumMod val="70000"/>
+                  </a:schemeClr>
+                </a:solidFill>
+              </a:rPr>
+              <a:t>&lt;RabbitMQ&gt;</a:t>
+            </a:r>
+          </a:p>
+        </p:txBody>
+      </p:sp>
+      <p:sp>
+        <p:nvSpPr>
+          <p:cNvPr id="91" name="오각형[P] 68"/>
+          <p:cNvSpPr/>
+          <p:nvPr/>
+        </p:nvSpPr>
+        <p:spPr>
+          <a:xfrm>
+            <a:off x="7066050" y="2460873"/>
+            <a:ext cx="1348691" cy="221752"/>
+          </a:xfrm>
+          <a:prstGeom prst="homePlate">
+            <a:avLst>
+              <a:gd name="adj" fmla="val 50000"/>
+            </a:avLst>
+          </a:prstGeom>
+          <a:solidFill>
+            <a:schemeClr val="accent1">
+              <a:lumMod val="10000"/>
+              <a:lumOff val="90000"/>
+            </a:schemeClr>
+          </a:solidFill>
+          <a:ln w="3175" algn="ctr">
+            <a:solidFill>
+              <a:schemeClr val="bg1">
+                <a:lumMod val="60000"/>
+              </a:schemeClr>
+            </a:solidFill>
+          </a:ln>
+        </p:spPr>
+        <p:style>
+          <a:lnRef idx="2">
+            <a:schemeClr val="accent6"/>
+          </a:lnRef>
+          <a:fillRef idx="1">
+            <a:schemeClr val="lt1"/>
+          </a:fillRef>
+          <a:effectRef idx="0">
+            <a:schemeClr val="accent6"/>
+          </a:effectRef>
+          <a:fontRef idx="minor">
+            <a:schemeClr val="dk1"/>
+          </a:fontRef>
+        </p:style>
+        <p:txBody>
+          <a:bodyPr vert="horz" wrap="square" lIns="91440" tIns="45720" rIns="91440" bIns="45720" anchor="ctr">
+            <a:noAutofit/>
+          </a:bodyPr>
+          <a:lstStyle/>
+          <a:p>
+            <a:pPr algn="ctr">
+              <a:defRPr lang="ko-KR" altLang="en-US"/>
+            </a:pPr>
+            <a:r>
+              <a:rPr lang="en-US" altLang="ko-KR" sz="1000">
+                <a:solidFill>
+                  <a:schemeClr val="bg1">
+                    <a:lumMod val="70000"/>
+                  </a:schemeClr>
+                </a:solidFill>
+                <a:cs typeface="함초롬돋움"/>
+              </a:rPr>
+              <a:t>queue.deal.sticker</a:t>
+            </a:r>
+          </a:p>
+        </p:txBody>
+      </p:sp>
+      <p:sp>
+        <p:nvSpPr>
+          <p:cNvPr id="104" name="직사각형 7"/>
+          <p:cNvSpPr/>
+          <p:nvPr/>
+        </p:nvSpPr>
+        <p:spPr>
+          <a:xfrm>
+            <a:off x="4090809" y="1120578"/>
+            <a:ext cx="962381" cy="146447"/>
+          </a:xfrm>
+          <a:prstGeom prst="rect">
+            <a:avLst/>
+          </a:prstGeom>
+          <a:noFill/>
+          <a:ln w="3175" algn="ctr">
+            <a:noFill/>
+          </a:ln>
+        </p:spPr>
+        <p:style>
+          <a:lnRef idx="2">
+            <a:schemeClr val="accent6"/>
+          </a:lnRef>
+          <a:fillRef idx="1">
+            <a:schemeClr val="lt1"/>
+          </a:fillRef>
+          <a:effectRef idx="0">
+            <a:schemeClr val="accent6"/>
+          </a:effectRef>
+          <a:fontRef idx="minor">
+            <a:schemeClr val="dk1"/>
+          </a:fontRef>
+        </p:style>
+        <p:txBody>
+          <a:bodyPr vert="horz" wrap="square" lIns="91440" tIns="45720" rIns="91440" bIns="45720" anchor="ctr">
+            <a:noAutofit/>
+          </a:bodyPr>
+          <a:lstStyle/>
+          <a:p>
+            <a:pPr algn="ctr">
+              <a:defRPr lang="ko-KR" altLang="en-US"/>
+            </a:pPr>
+            <a:r>
+              <a:rPr lang="ko-KR" altLang="en-US" sz="1000">
+                <a:solidFill>
+                  <a:schemeClr val="bg1">
+                    <a:lumMod val="70000"/>
+                  </a:schemeClr>
+                </a:solidFill>
+              </a:rPr>
+              <a:t>딜인포 버킷</a:t>
+            </a:r>
+          </a:p>
+        </p:txBody>
+      </p:sp>
+      <p:pic>
+        <p:nvPicPr>
+          <p:cNvPr id="132" name="그림 131"/>
+          <p:cNvPicPr>
+            <a:picLocks noChangeAspect="1"/>
+          </p:cNvPicPr>
+          <p:nvPr/>
+        </p:nvPicPr>
+        <p:blipFill rotWithShape="1">
+          <a:blip r:embed="rId2"/>
+          <a:stretch>
+            <a:fillRect/>
+          </a:stretch>
+        </p:blipFill>
+        <p:spPr>
+          <a:xfrm>
+            <a:off x="4281553" y="539684"/>
+            <a:ext cx="580894" cy="580894"/>
+          </a:xfrm>
+          <a:prstGeom prst="rect">
+            <a:avLst/>
+          </a:prstGeom>
+        </p:spPr>
+      </p:pic>
+      <p:pic>
+        <p:nvPicPr>
+          <p:cNvPr id="133" name="그림 132"/>
+          <p:cNvPicPr>
+            <a:picLocks noChangeAspect="1"/>
+          </p:cNvPicPr>
+          <p:nvPr/>
+        </p:nvPicPr>
+        <p:blipFill rotWithShape="1">
+          <a:blip r:embed="rId2"/>
+          <a:stretch>
+            <a:fillRect/>
+          </a:stretch>
+        </p:blipFill>
+        <p:spPr>
+          <a:xfrm>
+            <a:off x="7452360" y="539684"/>
+            <a:ext cx="580894" cy="580894"/>
+          </a:xfrm>
+          <a:prstGeom prst="rect">
+            <a:avLst/>
+          </a:prstGeom>
+        </p:spPr>
+      </p:pic>
+      <p:sp>
+        <p:nvSpPr>
+          <p:cNvPr id="101" name="직사각형 7"/>
+          <p:cNvSpPr/>
+          <p:nvPr/>
+        </p:nvSpPr>
+        <p:spPr>
+          <a:xfrm>
+            <a:off x="7281278" y="1120578"/>
+            <a:ext cx="962381" cy="146447"/>
+          </a:xfrm>
+          <a:prstGeom prst="rect">
+            <a:avLst/>
+          </a:prstGeom>
+          <a:noFill/>
+          <a:ln w="3175" algn="ctr">
+            <a:noFill/>
+          </a:ln>
+        </p:spPr>
+        <p:style>
+          <a:lnRef idx="2">
+            <a:schemeClr val="accent6"/>
+          </a:lnRef>
+          <a:fillRef idx="1">
+            <a:schemeClr val="lt1"/>
+          </a:fillRef>
+          <a:effectRef idx="0">
+            <a:schemeClr val="accent6"/>
+          </a:effectRef>
+          <a:fontRef idx="minor">
+            <a:schemeClr val="dk1"/>
+          </a:fontRef>
+        </p:style>
+        <p:txBody>
+          <a:bodyPr vert="horz" wrap="square" lIns="91440" tIns="45720" rIns="91440" bIns="45720" anchor="ctr">
+            <a:noAutofit/>
+          </a:bodyPr>
+          <a:lstStyle/>
+          <a:p>
+            <a:pPr algn="ctr">
+              <a:defRPr lang="ko-KR" altLang="en-US"/>
+            </a:pPr>
+            <a:r>
+              <a:rPr lang="ko-KR" altLang="en-US" sz="1000">
+                <a:solidFill>
+                  <a:schemeClr val="bg1">
+                    <a:lumMod val="70000"/>
+                  </a:schemeClr>
+                </a:solidFill>
+              </a:rPr>
+              <a:t>스티커 버킷</a:t>
+            </a:r>
+          </a:p>
+        </p:txBody>
+      </p:sp>
+      <p:cxnSp>
+        <p:nvCxnSpPr>
+          <p:cNvPr id="137" name="꺾인 연결선[E] 72"/>
+          <p:cNvCxnSpPr>
+            <a:stCxn id="90" idx="0"/>
+            <a:endCxn id="101" idx="2"/>
+          </p:cNvCxnSpPr>
+          <p:nvPr/>
+        </p:nvCxnSpPr>
+        <p:spPr>
+          <a:xfrm rot="5400000" flipH="1" flipV="1">
+            <a:off x="6308185" y="899010"/>
+            <a:ext cx="1086268" cy="1822299"/>
+          </a:xfrm>
+          <a:prstGeom prst="bentConnector3">
+            <a:avLst>
+              <a:gd name="adj1" fmla="val 50000"/>
+            </a:avLst>
+          </a:prstGeom>
+          <a:ln w="28575" algn="ctr">
+            <a:solidFill>
+              <a:schemeClr val="bg1">
+                <a:lumMod val="70000"/>
+              </a:schemeClr>
+            </a:solidFill>
+            <a:tailEnd type="triangle"/>
+          </a:ln>
+        </p:spPr>
+        <p:style>
+          <a:lnRef idx="1">
+            <a:schemeClr val="accent2"/>
+          </a:lnRef>
+          <a:fillRef idx="0">
+            <a:schemeClr val="accent2"/>
+          </a:fillRef>
+          <a:effectRef idx="0">
+            <a:schemeClr val="accent2"/>
+          </a:effectRef>
+          <a:fontRef idx="minor">
+            <a:schemeClr val="tx1"/>
+          </a:fontRef>
+        </p:style>
+      </p:cxnSp>
+      <p:sp>
+        <p:nvSpPr>
+          <p:cNvPr id="139" name="타원 138"/>
+          <p:cNvSpPr/>
+          <p:nvPr/>
+        </p:nvSpPr>
+        <p:spPr>
+          <a:xfrm>
+            <a:off x="4310814" y="568945"/>
+            <a:ext cx="522372" cy="522372"/>
+          </a:xfrm>
+          <a:prstGeom prst="ellipse">
+            <a:avLst/>
+          </a:prstGeom>
+          <a:solidFill>
+            <a:schemeClr val="bg1">
+              <a:lumMod val="60000"/>
+              <a:alpha val="70000"/>
+            </a:schemeClr>
+          </a:solidFill>
+          <a:ln algn="ctr">
+            <a:noFill/>
+          </a:ln>
+        </p:spPr>
+        <p:style>
+          <a:lnRef idx="2">
+            <a:schemeClr val="accent1">
+              <a:shade val="20000"/>
+            </a:schemeClr>
+          </a:lnRef>
+          <a:fillRef idx="1">
+            <a:schemeClr val="accent1"/>
+          </a:fillRef>
+          <a:effectRef idx="0">
+            <a:schemeClr val="accent1"/>
+          </a:effectRef>
+          <a:fontRef idx="minor">
+            <a:schemeClr val="lt1"/>
+          </a:fontRef>
+        </p:style>
+        <p:txBody>
+          <a:bodyPr vert="horz" wrap="square" lIns="91440" tIns="45720" rIns="91440" bIns="45720" anchor="ctr">
+            <a:noAutofit/>
+          </a:bodyPr>
+          <a:lstStyle/>
+          <a:p>
+            <a:pPr algn="ctr">
+              <a:defRPr lang="ko-KR" altLang="en-US"/>
+            </a:pPr>
+            <a:endParaRPr lang="en-US" altLang="ko-KR"/>
+          </a:p>
+        </p:txBody>
+      </p:sp>
+      <p:sp>
+        <p:nvSpPr>
+          <p:cNvPr id="140" name="타원 139"/>
+          <p:cNvSpPr/>
+          <p:nvPr/>
+        </p:nvSpPr>
+        <p:spPr>
+          <a:xfrm>
+            <a:off x="7480935" y="568945"/>
+            <a:ext cx="522372" cy="522372"/>
+          </a:xfrm>
+          <a:prstGeom prst="ellipse">
+            <a:avLst/>
+          </a:prstGeom>
+          <a:solidFill>
+            <a:schemeClr val="bg1">
+              <a:lumMod val="60000"/>
+              <a:alpha val="70000"/>
+            </a:schemeClr>
+          </a:solidFill>
+          <a:ln algn="ctr">
+            <a:noFill/>
+          </a:ln>
+        </p:spPr>
+        <p:style>
+          <a:lnRef idx="2">
+            <a:schemeClr val="accent1">
+              <a:shade val="20000"/>
+            </a:schemeClr>
+          </a:lnRef>
+          <a:fillRef idx="1">
+            <a:schemeClr val="accent1"/>
+          </a:fillRef>
+          <a:effectRef idx="0">
+            <a:schemeClr val="accent1"/>
+          </a:effectRef>
+          <a:fontRef idx="minor">
+            <a:schemeClr val="lt1"/>
+          </a:fontRef>
+        </p:style>
+        <p:txBody>
+          <a:bodyPr vert="horz" wrap="square" lIns="91440" tIns="45720" rIns="91440" bIns="45720" anchor="ctr">
+            <a:noAutofit/>
+          </a:bodyPr>
+          <a:lstStyle/>
+          <a:p>
+            <a:pPr algn="ctr">
+              <a:defRPr lang="ko-KR" altLang="en-US"/>
+            </a:pPr>
+            <a:endParaRPr lang="en-US" altLang="ko-KR"/>
+          </a:p>
+        </p:txBody>
+      </p:sp>
+      <p:sp>
+        <p:nvSpPr>
+          <p:cNvPr id="141" name="TextBox 140"/>
+          <p:cNvSpPr txBox="1"/>
+          <p:nvPr/>
+        </p:nvSpPr>
+        <p:spPr>
+          <a:xfrm>
+            <a:off x="5851441" y="3437072"/>
+            <a:ext cx="2859673" cy="670561"/>
+          </a:xfrm>
+          <a:prstGeom prst="rect">
+            <a:avLst/>
+          </a:prstGeom>
+          <a:solidFill>
+            <a:schemeClr val="bg1">
+              <a:lumMod val="95000"/>
+            </a:schemeClr>
+          </a:solidFill>
+          <a:ln w="12700" cap="flat" cmpd="sng" algn="ctr">
+            <a:solidFill>
+              <a:schemeClr val="tx1"/>
+            </a:solidFill>
+            <a:prstDash val="solid"/>
+            <a:round/>
+          </a:ln>
+        </p:spPr>
+        <p:txBody>
+          <a:bodyPr vert="horz" wrap="square" lIns="91440" tIns="45720" rIns="91440" bIns="45720" anchor="t">
+            <a:spAutoFit/>
+          </a:bodyPr>
+          <a:lstStyle/>
+          <a:p>
+            <a:pPr algn="ctr">
+              <a:defRPr lang="ko-KR" altLang="en-US"/>
+            </a:pPr>
+            <a:r>
+              <a:rPr lang="ko-KR" altLang="en-US" sz="1900" b="1" u="sng">
+                <a:solidFill>
+                  <a:srgbClr val="0000FF"/>
+                </a:solidFill>
+              </a:rPr>
+              <a:t>핵심 로직</a:t>
+            </a:r>
+            <a:r>
+              <a:rPr lang="ko-KR" altLang="en-US" sz="1900" b="1">
+                <a:solidFill>
+                  <a:srgbClr val="0000FF"/>
+                </a:solidFill>
+              </a:rPr>
+              <a:t>만 추출해서 </a:t>
+            </a:r>
+          </a:p>
+          <a:p>
+            <a:pPr algn="ctr">
+              <a:defRPr lang="ko-KR" altLang="en-US"/>
+            </a:pPr>
+            <a:r>
+              <a:rPr lang="ko-KR" altLang="en-US" sz="1900" b="1">
+                <a:solidFill>
+                  <a:srgbClr val="0000FF"/>
+                </a:solidFill>
+              </a:rPr>
+              <a:t>모듈로 제공!! </a:t>
+            </a:r>
+          </a:p>
+        </p:txBody>
+      </p:sp>
+    </p:spTree>
+  </p:cSld>
+  <p:clrMapOvr>
+    <a:masterClrMapping/>
+  </p:clrMapOvr>
+  <mc:AlternateContent xmlns:mc="http://schemas.openxmlformats.org/markup-compatibility/2006" xmlns:p14="http://schemas.microsoft.com/office/powerpoint/2010/main">
+    <mc:Choice Requires="p14">
+      <p:transition/>
+    </mc:Choice>
+    <mc:Fallback xmlns:dsp="http://schemas.microsoft.com/office/drawing/2008/diagram" xmlns:dgm="http://schemas.openxmlformats.org/drawingml/2006/diagram" xmlns:c="http://schemas.openxmlformats.org/drawingml/2006/chart" xmlns="">
+      <p:transition/>
+    </mc:Fallback>
+  </mc:AlternateContent>
+</p:sld>
+</file>
+
+<file path=ppt/slides/slide11.xml><?xml version="1.0" encoding="utf-8"?>
 <p:sld xmlns:a="http://schemas.openxmlformats.org/drawingml/2006/main" xmlns:r="http://schemas.openxmlformats.org/officeDocument/2006/relationships" xmlns:p="http://schemas.openxmlformats.org/presentationml/2006/main">
   <p:cSld>
     <p:spTree>
@@ -6003,7 +8883,7 @@
 </p:sld>
 </file>
 
-<file path=ppt/slides/slide11.xml><?xml version="1.0" encoding="utf-8"?>
+<file path=ppt/slides/slide12.xml><?xml version="1.0" encoding="utf-8"?>
 <p:sld xmlns:a="http://schemas.openxmlformats.org/drawingml/2006/main" xmlns:r="http://schemas.openxmlformats.org/officeDocument/2006/relationships" xmlns:p="http://schemas.openxmlformats.org/presentationml/2006/main">
   <p:cSld>
     <p:spTree>
@@ -6060,7 +8940,7 @@
 </p:sld>
 </file>
 
-<file path=ppt/slides/slide12.xml><?xml version="1.0" encoding="utf-8"?>
+<file path=ppt/slides/slide13.xml><?xml version="1.0" encoding="utf-8"?>
 <p:sld xmlns:a="http://schemas.openxmlformats.org/drawingml/2006/main" xmlns:r="http://schemas.openxmlformats.org/officeDocument/2006/relationships" xmlns:p="http://schemas.openxmlformats.org/presentationml/2006/main">
   <p:cSld>
     <p:spTree>
@@ -8285,7 +11165,7 @@
 </p:sld>
 </file>
 
-<file path=ppt/slides/slide13.xml><?xml version="1.0" encoding="utf-8"?>
+<file path=ppt/slides/slide14.xml><?xml version="1.0" encoding="utf-8"?>
 <p:sld xmlns:a="http://schemas.openxmlformats.org/drawingml/2006/main" xmlns:r="http://schemas.openxmlformats.org/officeDocument/2006/relationships" xmlns:p="http://schemas.openxmlformats.org/presentationml/2006/main">
   <p:cSld>
     <p:spTree>
@@ -10661,7 +13541,7 @@
 </p:sld>
 </file>
 
-<file path=ppt/slides/slide14.xml><?xml version="1.0" encoding="utf-8"?>
+<file path=ppt/slides/slide15.xml><?xml version="1.0" encoding="utf-8"?>
 <p:sld xmlns:a="http://schemas.openxmlformats.org/drawingml/2006/main" xmlns:r="http://schemas.openxmlformats.org/officeDocument/2006/relationships" xmlns:p="http://schemas.openxmlformats.org/presentationml/2006/main">
   <p:cSld>
     <p:spTree>
@@ -13035,7 +15915,7 @@
 </p:sld>
 </file>
 
-<file path=ppt/slides/slide15.xml><?xml version="1.0" encoding="utf-8"?>
+<file path=ppt/slides/slide16.xml><?xml version="1.0" encoding="utf-8"?>
 <p:sld xmlns:a="http://schemas.openxmlformats.org/drawingml/2006/main" xmlns:r="http://schemas.openxmlformats.org/officeDocument/2006/relationships" xmlns:p="http://schemas.openxmlformats.org/presentationml/2006/main">
   <p:cSld>
     <p:spTree>
@@ -15422,70 +18302,6 @@
 </p:sld>
 </file>
 
-<file path=ppt/slides/slide16.xml><?xml version="1.0" encoding="utf-8"?>
-<p:sld xmlns:a="http://schemas.openxmlformats.org/drawingml/2006/main" xmlns:r="http://schemas.openxmlformats.org/officeDocument/2006/relationships" xmlns:p="http://schemas.openxmlformats.org/presentationml/2006/main">
-  <p:cSld>
-    <p:spTree>
-      <p:nvGrpSpPr>
-        <p:cNvPr id="1" name=""/>
-        <p:cNvGrpSpPr/>
-        <p:nvPr/>
-      </p:nvGrpSpPr>
-      <p:grpSpPr>
-        <a:xfrm>
-          <a:off x="0" y="0"/>
-          <a:ext cx="0" cy="0"/>
-          <a:chOff x="0" y="0"/>
-          <a:chExt cx="0" cy="0"/>
-        </a:xfrm>
-      </p:grpSpPr>
-      <p:sp>
-        <p:nvSpPr>
-          <p:cNvPr id="4" name="TextBox 3"/>
-          <p:cNvSpPr txBox="1"/>
-          <p:nvPr/>
-        </p:nvSpPr>
-        <p:spPr>
-          <a:xfrm>
-            <a:off x="3131818" y="2421630"/>
-            <a:ext cx="2880364" cy="367290"/>
-          </a:xfrm>
-          <a:prstGeom prst="rect">
-            <a:avLst/>
-          </a:prstGeom>
-        </p:spPr>
-        <p:txBody>
-          <a:bodyPr wrap="square">
-            <a:spAutoFit/>
-          </a:bodyPr>
-          <a:lstStyle/>
-          <a:p>
-            <a:pPr algn="ctr">
-              <a:defRPr lang="ko-KR" altLang="en-US"/>
-            </a:pPr>
-            <a:r>
-              <a:rPr lang="ko-KR" altLang="en-US" b="1"/>
-              <a:t>썸네일 스티커 어드민 단</a:t>
-            </a:r>
-          </a:p>
-        </p:txBody>
-      </p:sp>
-    </p:spTree>
-  </p:cSld>
-  <p:clrMapOvr>
-    <a:masterClrMapping/>
-  </p:clrMapOvr>
-  <mc:AlternateContent xmlns:mc="http://schemas.openxmlformats.org/markup-compatibility/2006" xmlns:p14="http://schemas.microsoft.com/office/powerpoint/2010/main">
-    <mc:Choice Requires="p14">
-      <p:transition/>
-    </mc:Choice>
-    <mc:Fallback xmlns:dsp="http://schemas.microsoft.com/office/drawing/2008/diagram" xmlns:dgm="http://schemas.openxmlformats.org/drawingml/2006/diagram" xmlns:c="http://schemas.openxmlformats.org/drawingml/2006/chart" xmlns="">
-      <p:transition/>
-    </mc:Fallback>
-  </mc:AlternateContent>
-</p:sld>
-</file>
-
 <file path=ppt/slides/slide17.xml><?xml version="1.0" encoding="utf-8"?>
 <p:sld xmlns:a="http://schemas.openxmlformats.org/drawingml/2006/main" xmlns:r="http://schemas.openxmlformats.org/officeDocument/2006/relationships" xmlns:p="http://schemas.openxmlformats.org/presentationml/2006/main">
   <p:cSld>
@@ -15511,8 +18327,8 @@
         </p:nvSpPr>
         <p:spPr>
           <a:xfrm>
-            <a:off x="323464" y="191255"/>
-            <a:ext cx="7272914" cy="664090"/>
+            <a:off x="3131818" y="2421630"/>
+            <a:ext cx="2880364" cy="367290"/>
           </a:xfrm>
           <a:prstGeom prst="rect">
             <a:avLst/>
@@ -15524,121 +18340,16 @@
           </a:bodyPr>
           <a:lstStyle/>
           <a:p>
-            <a:pPr>
+            <a:pPr algn="ctr">
               <a:defRPr lang="ko-KR" altLang="en-US"/>
             </a:pPr>
             <a:r>
               <a:rPr lang="ko-KR" altLang="en-US" b="1"/>
-              <a:t>썸네일 스티커 어드민 </a:t>
-            </a:r>
-            <a:endParaRPr lang="ko-KR" altLang="en-US" sz="1000" b="1"/>
-          </a:p>
-          <a:p>
-            <a:pPr>
-              <a:defRPr lang="ko-KR" altLang="en-US"/>
-            </a:pPr>
-            <a:r>
-              <a:rPr lang="ko-KR" altLang="en-US" sz="1000" b="1"/>
-              <a:t>어드민은 단순 </a:t>
-            </a:r>
-            <a:r>
-              <a:rPr lang="en-US" altLang="ko-KR" sz="1000" b="1"/>
-              <a:t>CRUD</a:t>
-            </a:r>
-            <a:r>
-              <a:rPr lang="ko-KR" altLang="en-US" sz="1000" b="1"/>
-              <a:t>와 전문 분야가 아닌 </a:t>
-            </a:r>
-            <a:r>
-              <a:rPr lang="en-US" altLang="ko-KR" sz="1000" b="1"/>
-              <a:t>React</a:t>
-            </a:r>
-            <a:r>
-              <a:rPr lang="ko-KR" altLang="en-US" sz="1000" b="1"/>
-              <a:t>로 개발하였기에 이미지만 첨부</a:t>
-            </a:r>
-          </a:p>
-          <a:p>
-            <a:pPr>
-              <a:defRPr lang="ko-KR" altLang="en-US"/>
-            </a:pPr>
-            <a:r>
-              <a:rPr lang="ko-KR" altLang="en-US" sz="1000" b="1"/>
-              <a:t>(어드민의 경우 보통 서버 개발자가 프론트단까지 개발함. </a:t>
-            </a:r>
-            <a:r>
-              <a:rPr lang="en-US" altLang="ko-KR" sz="1000" b="1"/>
-              <a:t>React</a:t>
-            </a:r>
-            <a:r>
-              <a:rPr lang="ko-KR" altLang="en-US" sz="1000" b="1"/>
-              <a:t>를 선택한 이유는 경험 취지)</a:t>
+              <a:t>썸네일 스티커 어드민 단</a:t>
             </a:r>
           </a:p>
         </p:txBody>
       </p:sp>
-      <p:sp>
-        <p:nvSpPr>
-          <p:cNvPr id="6" name="TextBox 5"/>
-          <p:cNvSpPr txBox="1"/>
-          <p:nvPr/>
-        </p:nvSpPr>
-        <p:spPr>
-          <a:xfrm>
-            <a:off x="323464" y="918401"/>
-            <a:ext cx="3456437" cy="298894"/>
-          </a:xfrm>
-          <a:prstGeom prst="rect">
-            <a:avLst/>
-          </a:prstGeom>
-        </p:spPr>
-        <p:txBody>
-          <a:bodyPr wrap="square">
-            <a:spAutoFit/>
-          </a:bodyPr>
-          <a:lstStyle/>
-          <a:p>
-            <a:pPr>
-              <a:defRPr lang="ko-KR" altLang="en-US"/>
-            </a:pPr>
-            <a:r>
-              <a:rPr lang="ko-KR" altLang="en-US" sz="1400"/>
-              <a:t>썸네일 스티커 리스트 화면</a:t>
-            </a:r>
-          </a:p>
-        </p:txBody>
-      </p:sp>
-      <p:pic>
-        <p:nvPicPr>
-          <p:cNvPr id="12" name="그림 11"/>
-          <p:cNvPicPr>
-            <a:picLocks noChangeAspect="1"/>
-          </p:cNvPicPr>
-          <p:nvPr/>
-        </p:nvPicPr>
-        <p:blipFill rotWithShape="1">
-          <a:blip r:embed="rId2"/>
-          <a:stretch>
-            <a:fillRect/>
-          </a:stretch>
-        </p:blipFill>
-        <p:spPr>
-          <a:xfrm>
-            <a:off x="323464" y="1217295"/>
-            <a:ext cx="7452360" cy="3736095"/>
-          </a:xfrm>
-          <a:prstGeom prst="rect">
-            <a:avLst/>
-          </a:prstGeom>
-          <a:ln w="3175" cap="flat" cmpd="sng" algn="ctr">
-            <a:solidFill>
-              <a:schemeClr val="tx1"/>
-            </a:solidFill>
-            <a:prstDash val="solid"/>
-            <a:round/>
-          </a:ln>
-        </p:spPr>
-      </p:pic>
     </p:spTree>
   </p:cSld>
   <p:clrMapOvr>
@@ -15772,14 +18483,14 @@
             </a:pPr>
             <a:r>
               <a:rPr lang="ko-KR" altLang="en-US" sz="1400"/>
-              <a:t>썸네일 스티커 수정 및 등록</a:t>
+              <a:t>썸네일 스티커 리스트 화면</a:t>
             </a:r>
           </a:p>
         </p:txBody>
       </p:sp>
       <p:pic>
         <p:nvPicPr>
-          <p:cNvPr id="13" name="그림 12"/>
+          <p:cNvPr id="12" name="그림 11"/>
           <p:cNvPicPr>
             <a:picLocks noChangeAspect="1"/>
           </p:cNvPicPr>
@@ -15794,12 +18505,12 @@
         <p:spPr>
           <a:xfrm>
             <a:off x="323464" y="1217295"/>
-            <a:ext cx="5904743" cy="3809511"/>
+            <a:ext cx="7452360" cy="3736095"/>
           </a:xfrm>
           <a:prstGeom prst="rect">
             <a:avLst/>
           </a:prstGeom>
-          <a:ln w="3175" cap="flat" cmpd="sng">
+          <a:ln w="3175" cap="flat" cmpd="sng" algn="ctr">
             <a:solidFill>
               <a:schemeClr val="tx1"/>
             </a:solidFill>
@@ -15941,14 +18652,14 @@
             </a:pPr>
             <a:r>
               <a:rPr lang="ko-KR" altLang="en-US" sz="1400"/>
-              <a:t>썸네일 스티커 대상 등록 화면</a:t>
+              <a:t>썸네일 스티커 수정 및 등록</a:t>
             </a:r>
           </a:p>
         </p:txBody>
       </p:sp>
       <p:pic>
         <p:nvPicPr>
-          <p:cNvPr id="14" name="그림 13"/>
+          <p:cNvPr id="13" name="그림 12"/>
           <p:cNvPicPr>
             <a:picLocks noChangeAspect="1"/>
           </p:cNvPicPr>
@@ -15963,7 +18674,7 @@
         <p:spPr>
           <a:xfrm>
             <a:off x="323464" y="1217295"/>
-            <a:ext cx="7092317" cy="3186470"/>
+            <a:ext cx="5904743" cy="3809511"/>
           </a:xfrm>
           <a:prstGeom prst="rect">
             <a:avLst/>
@@ -16557,7 +19268,7 @@
         <p:spPr>
           <a:xfrm>
             <a:off x="323464" y="918401"/>
-            <a:ext cx="4741923" cy="298894"/>
+            <a:ext cx="3456437" cy="298894"/>
           </a:xfrm>
           <a:prstGeom prst="rect">
             <a:avLst/>
@@ -16574,14 +19285,14 @@
             </a:pPr>
             <a:r>
               <a:rPr lang="ko-KR" altLang="en-US" sz="1400"/>
-              <a:t>썸네일 스티커 대상 등록 화면 - 카테고리 추가</a:t>
+              <a:t>썸네일 스티커 대상 등록 화면</a:t>
             </a:r>
           </a:p>
         </p:txBody>
       </p:sp>
       <p:pic>
         <p:nvPicPr>
-          <p:cNvPr id="15" name="그림 14"/>
+          <p:cNvPr id="14" name="그림 13"/>
           <p:cNvPicPr>
             <a:picLocks noChangeAspect="1"/>
           </p:cNvPicPr>
@@ -16596,7 +19307,7 @@
         <p:spPr>
           <a:xfrm>
             <a:off x="323464" y="1217295"/>
-            <a:ext cx="4741923" cy="3330351"/>
+            <a:ext cx="7092317" cy="3186470"/>
           </a:xfrm>
           <a:prstGeom prst="rect">
             <a:avLst/>
@@ -16627,6 +19338,175 @@
 </file>
 
 <file path=ppt/slides/slide21.xml><?xml version="1.0" encoding="utf-8"?>
+<p:sld xmlns:a="http://schemas.openxmlformats.org/drawingml/2006/main" xmlns:r="http://schemas.openxmlformats.org/officeDocument/2006/relationships" xmlns:p="http://schemas.openxmlformats.org/presentationml/2006/main">
+  <p:cSld>
+    <p:spTree>
+      <p:nvGrpSpPr>
+        <p:cNvPr id="1" name=""/>
+        <p:cNvGrpSpPr/>
+        <p:nvPr/>
+      </p:nvGrpSpPr>
+      <p:grpSpPr>
+        <a:xfrm>
+          <a:off x="0" y="0"/>
+          <a:ext cx="0" cy="0"/>
+          <a:chOff x="0" y="0"/>
+          <a:chExt cx="0" cy="0"/>
+        </a:xfrm>
+      </p:grpSpPr>
+      <p:sp>
+        <p:nvSpPr>
+          <p:cNvPr id="4" name="TextBox 3"/>
+          <p:cNvSpPr txBox="1"/>
+          <p:nvPr/>
+        </p:nvSpPr>
+        <p:spPr>
+          <a:xfrm>
+            <a:off x="323464" y="191255"/>
+            <a:ext cx="7272914" cy="664090"/>
+          </a:xfrm>
+          <a:prstGeom prst="rect">
+            <a:avLst/>
+          </a:prstGeom>
+        </p:spPr>
+        <p:txBody>
+          <a:bodyPr wrap="square">
+            <a:spAutoFit/>
+          </a:bodyPr>
+          <a:lstStyle/>
+          <a:p>
+            <a:pPr>
+              <a:defRPr lang="ko-KR" altLang="en-US"/>
+            </a:pPr>
+            <a:r>
+              <a:rPr lang="ko-KR" altLang="en-US" b="1"/>
+              <a:t>썸네일 스티커 어드민 </a:t>
+            </a:r>
+            <a:endParaRPr lang="ko-KR" altLang="en-US" sz="1000" b="1"/>
+          </a:p>
+          <a:p>
+            <a:pPr>
+              <a:defRPr lang="ko-KR" altLang="en-US"/>
+            </a:pPr>
+            <a:r>
+              <a:rPr lang="ko-KR" altLang="en-US" sz="1000" b="1"/>
+              <a:t>어드민은 단순 </a:t>
+            </a:r>
+            <a:r>
+              <a:rPr lang="en-US" altLang="ko-KR" sz="1000" b="1"/>
+              <a:t>CRUD</a:t>
+            </a:r>
+            <a:r>
+              <a:rPr lang="ko-KR" altLang="en-US" sz="1000" b="1"/>
+              <a:t>와 전문 분야가 아닌 </a:t>
+            </a:r>
+            <a:r>
+              <a:rPr lang="en-US" altLang="ko-KR" sz="1000" b="1"/>
+              <a:t>React</a:t>
+            </a:r>
+            <a:r>
+              <a:rPr lang="ko-KR" altLang="en-US" sz="1000" b="1"/>
+              <a:t>로 개발하였기에 이미지만 첨부</a:t>
+            </a:r>
+          </a:p>
+          <a:p>
+            <a:pPr>
+              <a:defRPr lang="ko-KR" altLang="en-US"/>
+            </a:pPr>
+            <a:r>
+              <a:rPr lang="ko-KR" altLang="en-US" sz="1000" b="1"/>
+              <a:t>(어드민의 경우 보통 서버 개발자가 프론트단까지 개발함. </a:t>
+            </a:r>
+            <a:r>
+              <a:rPr lang="en-US" altLang="ko-KR" sz="1000" b="1"/>
+              <a:t>React</a:t>
+            </a:r>
+            <a:r>
+              <a:rPr lang="ko-KR" altLang="en-US" sz="1000" b="1"/>
+              <a:t>를 선택한 이유는 경험 취지)</a:t>
+            </a:r>
+          </a:p>
+        </p:txBody>
+      </p:sp>
+      <p:sp>
+        <p:nvSpPr>
+          <p:cNvPr id="6" name="TextBox 5"/>
+          <p:cNvSpPr txBox="1"/>
+          <p:nvPr/>
+        </p:nvSpPr>
+        <p:spPr>
+          <a:xfrm>
+            <a:off x="323464" y="918401"/>
+            <a:ext cx="4741923" cy="298894"/>
+          </a:xfrm>
+          <a:prstGeom prst="rect">
+            <a:avLst/>
+          </a:prstGeom>
+        </p:spPr>
+        <p:txBody>
+          <a:bodyPr wrap="square">
+            <a:spAutoFit/>
+          </a:bodyPr>
+          <a:lstStyle/>
+          <a:p>
+            <a:pPr>
+              <a:defRPr lang="ko-KR" altLang="en-US"/>
+            </a:pPr>
+            <a:r>
+              <a:rPr lang="ko-KR" altLang="en-US" sz="1400"/>
+              <a:t>썸네일 스티커 대상 등록 화면 - 카테고리 추가</a:t>
+            </a:r>
+          </a:p>
+        </p:txBody>
+      </p:sp>
+      <p:pic>
+        <p:nvPicPr>
+          <p:cNvPr id="15" name="그림 14"/>
+          <p:cNvPicPr>
+            <a:picLocks noChangeAspect="1"/>
+          </p:cNvPicPr>
+          <p:nvPr/>
+        </p:nvPicPr>
+        <p:blipFill rotWithShape="1">
+          <a:blip r:embed="rId2"/>
+          <a:stretch>
+            <a:fillRect/>
+          </a:stretch>
+        </p:blipFill>
+        <p:spPr>
+          <a:xfrm>
+            <a:off x="323464" y="1217295"/>
+            <a:ext cx="4741923" cy="3330351"/>
+          </a:xfrm>
+          <a:prstGeom prst="rect">
+            <a:avLst/>
+          </a:prstGeom>
+          <a:ln w="3175" cap="flat" cmpd="sng">
+            <a:solidFill>
+              <a:schemeClr val="tx1"/>
+            </a:solidFill>
+            <a:prstDash val="solid"/>
+            <a:round/>
+          </a:ln>
+        </p:spPr>
+      </p:pic>
+    </p:spTree>
+  </p:cSld>
+  <p:clrMapOvr>
+    <a:masterClrMapping/>
+  </p:clrMapOvr>
+  <mc:AlternateContent xmlns:mc="http://schemas.openxmlformats.org/markup-compatibility/2006" xmlns:p14="http://schemas.microsoft.com/office/powerpoint/2010/main">
+    <mc:Choice Requires="p14">
+      <p:transition/>
+    </mc:Choice>
+    <mc:Fallback xmlns:dsp="http://schemas.microsoft.com/office/drawing/2008/diagram" xmlns:dgm="http://schemas.openxmlformats.org/drawingml/2006/diagram" xmlns:c="http://schemas.openxmlformats.org/drawingml/2006/chart" xmlns="">
+      <p:transition/>
+    </mc:Fallback>
+  </mc:AlternateContent>
+</p:sld>
+</file>
+
+<file path=ppt/slides/slide22.xml><?xml version="1.0" encoding="utf-8"?>
 <p:sld xmlns:a="http://schemas.openxmlformats.org/drawingml/2006/main" xmlns:r="http://schemas.openxmlformats.org/officeDocument/2006/relationships" xmlns:p="http://schemas.openxmlformats.org/presentationml/2006/main">
   <p:cSld>
     <p:spTree>
@@ -18284,7 +21164,7 @@
 </file>
 
 <file path=ppt/slides/slide6.xml><?xml version="1.0" encoding="utf-8"?>
-<p:sld xmlns:a="http://schemas.openxmlformats.org/drawingml/2006/main" xmlns:r="http://schemas.openxmlformats.org/officeDocument/2006/relationships" xmlns:p="http://schemas.openxmlformats.org/presentationml/2006/main">
+<p:sld xmlns:r="http://schemas.openxmlformats.org/officeDocument/2006/relationships" xmlns:c="http://schemas.openxmlformats.org/drawingml/2006/chart" xmlns:a="http://schemas.openxmlformats.org/drawingml/2006/main" xmlns:dgm="http://schemas.openxmlformats.org/drawingml/2006/diagram" xmlns:dsp="http://schemas.microsoft.com/office/drawing/2008/diagram" xmlns:p="http://schemas.openxmlformats.org/presentationml/2006/main">
   <p:cSld>
     <p:spTree>
       <p:nvGrpSpPr>
@@ -18314,8 +21194,10 @@
           <a:prstGeom prst="rect">
             <a:avLst/>
           </a:prstGeom>
-          <a:ln w="3175" algn="ctr">
-            <a:noFill/>
+          <a:ln w="0" algn="ctr">
+            <a:solidFill>
+              <a:schemeClr val="tx1"/>
+            </a:solidFill>
           </a:ln>
         </p:spPr>
         <p:style>
@@ -18344,13 +21226,16 @@
             <a:r>
               <a:rPr lang="en-US" altLang="ko-KR" sz="1000">
                 <a:solidFill>
-                  <a:schemeClr val="bg1">
-                    <a:lumMod val="70000"/>
-                  </a:schemeClr>
+                  <a:schemeClr val="tx1"/>
                 </a:solidFill>
               </a:rPr>
               <a:t>listener</a:t>
             </a:r>
+            <a:endParaRPr lang="en-US" altLang="ko-KR" sz="1000">
+              <a:solidFill>
+                <a:schemeClr val="tx1"/>
+              </a:solidFill>
+            </a:endParaRPr>
           </a:p>
         </p:txBody>
       </p:sp>
@@ -18388,8 +21273,9 @@
             </a:r>
             <a:r>
               <a:rPr lang="ko-KR" altLang="en-US" b="1"/>
-              <a:t>구조 개선</a:t>
-            </a:r>
+              <a:t>구조</a:t>
+            </a:r>
+            <a:endParaRPr lang="ko-KR" altLang="en-US" b="1"/>
           </a:p>
         </p:txBody>
       </p:sp>
@@ -18410,9 +21296,7 @@
           <a:noFill/>
           <a:ln w="0" algn="ctr">
             <a:solidFill>
-              <a:schemeClr val="bg1">
-                <a:lumMod val="70000"/>
-              </a:schemeClr>
+              <a:schemeClr val="tx1"/>
             </a:solidFill>
           </a:ln>
         </p:spPr>
@@ -18442,6 +21326,2675 @@
             <a:r>
               <a:rPr lang="en-US" altLang="ko-KR" sz="1000" b="1">
                 <a:solidFill>
+                  <a:schemeClr val="tx1"/>
+                </a:solidFill>
+              </a:rPr>
+              <a:t>service_tmon_marketing_api</a:t>
+            </a:r>
+            <a:endParaRPr lang="en-US" altLang="ko-KR" sz="1000" b="1">
+              <a:solidFill>
+                <a:schemeClr val="tx1"/>
+              </a:solidFill>
+            </a:endParaRPr>
+          </a:p>
+        </p:txBody>
+      </p:sp>
+      <p:grpSp>
+        <p:nvGrpSpPr>
+          <p:cNvPr id="72" name="그룹 71"/>
+          <p:cNvGrpSpPr/>
+          <p:nvPr/>
+        </p:nvGrpSpPr>
+        <p:grpSpPr>
+          <a:xfrm rot="0">
+            <a:off x="181876" y="3034538"/>
+            <a:ext cx="576072" cy="566912"/>
+            <a:chOff x="181876" y="2425303"/>
+            <a:chExt cx="576072" cy="566912"/>
+          </a:xfrm>
+        </p:grpSpPr>
+        <p:sp>
+          <p:nvSpPr>
+            <p:cNvPr id="65" name="직사각형 7"/>
+            <p:cNvSpPr/>
+            <p:nvPr/>
+          </p:nvSpPr>
+          <p:spPr>
+            <a:xfrm>
+              <a:off x="181876" y="2699321"/>
+              <a:ext cx="576072" cy="292894"/>
+            </a:xfrm>
+            <a:prstGeom prst="rect">
+              <a:avLst/>
+            </a:prstGeom>
+            <a:ln w="0" algn="ctr">
+              <a:solidFill>
+                <a:schemeClr val="tx1"/>
+              </a:solidFill>
+            </a:ln>
+          </p:spPr>
+          <p:style>
+            <a:lnRef idx="2">
+              <a:schemeClr val="accent6"/>
+            </a:lnRef>
+            <a:fillRef idx="1">
+              <a:schemeClr val="lt1"/>
+            </a:fillRef>
+            <a:effectRef idx="0">
+              <a:schemeClr val="accent6"/>
+            </a:effectRef>
+            <a:fontRef idx="minor">
+              <a:schemeClr val="dk1"/>
+            </a:fontRef>
+          </p:style>
+          <p:txBody>
+            <a:bodyPr vert="horz" wrap="square" lIns="91440" tIns="45720" rIns="91440" bIns="45720" anchor="ctr">
+              <a:noAutofit/>
+            </a:bodyPr>
+            <a:lstStyle/>
+            <a:p>
+              <a:pPr algn="ctr">
+                <a:defRPr lang="ko-KR" altLang="en-US"/>
+              </a:pPr>
+              <a:r>
+                <a:rPr lang="ko-KR" altLang="en-US" sz="1000">
+                  <a:solidFill>
+                    <a:schemeClr val="tx1"/>
+                  </a:solidFill>
+                </a:rPr>
+                <a:t>어드민</a:t>
+              </a:r>
+              <a:endParaRPr lang="ko-KR" altLang="en-US" sz="1000">
+                <a:solidFill>
+                  <a:schemeClr val="tx1"/>
+                </a:solidFill>
+              </a:endParaRPr>
+            </a:p>
+          </p:txBody>
+        </p:sp>
+        <p:sp>
+          <p:nvSpPr>
+            <p:cNvPr id="64" name="웃는 얼굴[S] 1"/>
+            <p:cNvSpPr/>
+            <p:nvPr/>
+          </p:nvSpPr>
+          <p:spPr>
+            <a:xfrm>
+              <a:off x="323465" y="2425303"/>
+              <a:ext cx="292894" cy="292894"/>
+            </a:xfrm>
+            <a:prstGeom prst="smileyFace">
+              <a:avLst>
+                <a:gd name="adj" fmla="val 4653"/>
+              </a:avLst>
+            </a:prstGeom>
+            <a:ln w="0" algn="ctr">
+              <a:solidFill>
+                <a:schemeClr val="tx1"/>
+              </a:solidFill>
+            </a:ln>
+          </p:spPr>
+          <p:style>
+            <a:lnRef idx="2">
+              <a:schemeClr val="accent6"/>
+            </a:lnRef>
+            <a:fillRef idx="1">
+              <a:schemeClr val="lt1"/>
+            </a:fillRef>
+            <a:effectRef idx="0">
+              <a:schemeClr val="accent6"/>
+            </a:effectRef>
+            <a:fontRef idx="minor">
+              <a:schemeClr val="dk1"/>
+            </a:fontRef>
+          </p:style>
+          <p:txBody>
+            <a:bodyPr vert="horz" wrap="square" lIns="91440" tIns="45720" rIns="91440" bIns="45720" anchor="ctr">
+              <a:noAutofit/>
+            </a:bodyPr>
+            <a:lstStyle/>
+            <a:p>
+              <a:pPr algn="ctr">
+                <a:defRPr lang="ko-KR" altLang="en-US"/>
+              </a:pPr>
+              <a:endParaRPr lang="ko-KR" altLang="en-US">
+                <a:solidFill>
+                  <a:schemeClr val="tx1"/>
+                </a:solidFill>
+              </a:endParaRPr>
+            </a:p>
+          </p:txBody>
+        </p:sp>
+      </p:grpSp>
+      <p:cxnSp>
+        <p:nvCxnSpPr>
+          <p:cNvPr id="66" name="직선 화살표 연결선 9"/>
+          <p:cNvCxnSpPr>
+            <a:endCxn id="63" idx="1"/>
+          </p:cNvCxnSpPr>
+          <p:nvPr/>
+        </p:nvCxnSpPr>
+        <p:spPr>
+          <a:xfrm flipV="1">
+            <a:off x="757948" y="3180600"/>
+            <a:ext cx="2834852" cy="385"/>
+          </a:xfrm>
+          <a:prstGeom prst="straightConnector1">
+            <a:avLst/>
+          </a:prstGeom>
+          <a:ln w="0" algn="ctr">
+            <a:solidFill>
+              <a:schemeClr val="tx1"/>
+            </a:solidFill>
+            <a:tailEnd type="triangle"/>
+          </a:ln>
+        </p:spPr>
+        <p:style>
+          <a:lnRef idx="1">
+            <a:schemeClr val="accent2"/>
+          </a:lnRef>
+          <a:fillRef idx="0">
+            <a:schemeClr val="accent2"/>
+          </a:fillRef>
+          <a:effectRef idx="0">
+            <a:schemeClr val="accent2"/>
+          </a:effectRef>
+          <a:fontRef idx="minor">
+            <a:schemeClr val="tx1"/>
+          </a:fontRef>
+        </p:style>
+      </p:cxnSp>
+      <p:sp>
+        <p:nvSpPr>
+          <p:cNvPr id="67" name="직사각형 7"/>
+          <p:cNvSpPr/>
+          <p:nvPr/>
+        </p:nvSpPr>
+        <p:spPr>
+          <a:xfrm>
+            <a:off x="1010983" y="3219831"/>
+            <a:ext cx="2192846" cy="783717"/>
+          </a:xfrm>
+          <a:prstGeom prst="rect">
+            <a:avLst/>
+          </a:prstGeom>
+          <a:ln w="0" algn="ctr">
+            <a:solidFill>
+              <a:schemeClr val="tx1"/>
+            </a:solidFill>
+          </a:ln>
+        </p:spPr>
+        <p:style>
+          <a:lnRef idx="2">
+            <a:schemeClr val="accent6"/>
+          </a:lnRef>
+          <a:fillRef idx="1">
+            <a:schemeClr val="lt1"/>
+          </a:fillRef>
+          <a:effectRef idx="0">
+            <a:schemeClr val="accent6"/>
+          </a:effectRef>
+          <a:fontRef idx="minor">
+            <a:schemeClr val="dk1"/>
+          </a:fontRef>
+        </p:style>
+        <p:txBody>
+          <a:bodyPr vert="horz" wrap="square" lIns="91440" tIns="45720" rIns="91440" bIns="45720" anchor="ctr">
+            <a:noAutofit/>
+          </a:bodyPr>
+          <a:lstStyle/>
+          <a:p>
+            <a:pPr>
+              <a:defRPr lang="ko-KR" altLang="en-US"/>
+            </a:pPr>
+            <a:r>
+              <a:rPr lang="ko-KR" altLang="en-US" sz="900">
+                <a:solidFill>
+                  <a:schemeClr val="tx1"/>
+                </a:solidFill>
+              </a:rPr>
+              <a:t>1. 카테고리에 카테고리 번호 추가</a:t>
+            </a:r>
+            <a:endParaRPr lang="ko-KR" altLang="en-US" sz="900">
+              <a:solidFill>
+                <a:schemeClr val="tx1"/>
+              </a:solidFill>
+            </a:endParaRPr>
+          </a:p>
+          <a:p>
+            <a:pPr>
+              <a:defRPr lang="ko-KR" altLang="en-US"/>
+            </a:pPr>
+            <a:r>
+              <a:rPr lang="ko-KR" altLang="en-US" sz="900">
+                <a:solidFill>
+                  <a:schemeClr val="tx1"/>
+                </a:solidFill>
+              </a:rPr>
+              <a:t>2. 딜팩에 딜팩 번호 추가</a:t>
+            </a:r>
+            <a:endParaRPr lang="ko-KR" altLang="en-US" sz="900">
+              <a:solidFill>
+                <a:schemeClr val="tx1"/>
+              </a:solidFill>
+            </a:endParaRPr>
+          </a:p>
+          <a:p>
+            <a:pPr>
+              <a:defRPr lang="ko-KR" altLang="en-US"/>
+            </a:pPr>
+            <a:r>
+              <a:rPr lang="ko-KR" altLang="en-US" sz="900">
+                <a:solidFill>
+                  <a:schemeClr val="tx1"/>
+                </a:solidFill>
+              </a:rPr>
+              <a:t>3. 제외 딜팩에 딜팩 번호 추가</a:t>
+            </a:r>
+            <a:endParaRPr lang="ko-KR" altLang="en-US" sz="900">
+              <a:solidFill>
+                <a:schemeClr val="tx1"/>
+              </a:solidFill>
+            </a:endParaRPr>
+          </a:p>
+          <a:p>
+            <a:pPr>
+              <a:defRPr lang="ko-KR" altLang="en-US"/>
+            </a:pPr>
+            <a:r>
+              <a:rPr lang="ko-KR" altLang="en-US" sz="900">
+                <a:solidFill>
+                  <a:schemeClr val="tx1"/>
+                </a:solidFill>
+              </a:rPr>
+              <a:t>4. 스티커 정보 수정</a:t>
+            </a:r>
+            <a:endParaRPr lang="ko-KR" altLang="en-US" sz="900">
+              <a:solidFill>
+                <a:schemeClr val="tx1"/>
+              </a:solidFill>
+            </a:endParaRPr>
+          </a:p>
+        </p:txBody>
+      </p:sp>
+      <p:sp>
+        <p:nvSpPr>
+          <p:cNvPr id="69" name="직사각형 7"/>
+          <p:cNvSpPr/>
+          <p:nvPr/>
+        </p:nvSpPr>
+        <p:spPr>
+          <a:xfrm>
+            <a:off x="827532" y="4350420"/>
+            <a:ext cx="1642276" cy="309591"/>
+          </a:xfrm>
+          <a:prstGeom prst="rect">
+            <a:avLst/>
+          </a:prstGeom>
+          <a:ln w="0" algn="ctr">
+            <a:solidFill>
+              <a:schemeClr val="tx1"/>
+            </a:solidFill>
+          </a:ln>
+        </p:spPr>
+        <p:style>
+          <a:lnRef idx="2">
+            <a:schemeClr val="accent6"/>
+          </a:lnRef>
+          <a:fillRef idx="1">
+            <a:schemeClr val="lt1"/>
+          </a:fillRef>
+          <a:effectRef idx="0">
+            <a:schemeClr val="accent6"/>
+          </a:effectRef>
+          <a:fontRef idx="minor">
+            <a:schemeClr val="dk1"/>
+          </a:fontRef>
+        </p:style>
+        <p:txBody>
+          <a:bodyPr vert="horz" wrap="square" lIns="91440" tIns="45720" rIns="91440" bIns="45720" anchor="ctr">
+            <a:noAutofit/>
+          </a:bodyPr>
+          <a:lstStyle/>
+          <a:p>
+            <a:pPr algn="ctr">
+              <a:defRPr lang="ko-KR" altLang="en-US"/>
+            </a:pPr>
+            <a:r>
+              <a:rPr lang="ko-KR" altLang="en-US" sz="900">
+                <a:solidFill>
+                  <a:schemeClr val="tx1"/>
+                </a:solidFill>
+              </a:rPr>
+              <a:t>딜코어 파트에서 </a:t>
+            </a:r>
+            <a:endParaRPr lang="ko-KR" altLang="en-US" sz="900">
+              <a:solidFill>
+                <a:schemeClr val="tx1"/>
+              </a:solidFill>
+            </a:endParaRPr>
+          </a:p>
+          <a:p>
+            <a:pPr algn="ctr">
+              <a:defRPr lang="ko-KR" altLang="en-US"/>
+            </a:pPr>
+            <a:r>
+              <a:rPr lang="ko-KR" altLang="en-US" sz="900">
+                <a:solidFill>
+                  <a:schemeClr val="tx1"/>
+                </a:solidFill>
+              </a:rPr>
+              <a:t>딜팩 변경 이벤트 발생</a:t>
+            </a:r>
+            <a:endParaRPr lang="ko-KR" altLang="en-US" sz="900">
+              <a:solidFill>
+                <a:schemeClr val="tx1"/>
+              </a:solidFill>
+            </a:endParaRPr>
+          </a:p>
+        </p:txBody>
+      </p:sp>
+      <p:sp>
+        <p:nvSpPr>
+          <p:cNvPr id="74" name="직사각형 7"/>
+          <p:cNvSpPr/>
+          <p:nvPr/>
+        </p:nvSpPr>
+        <p:spPr>
+          <a:xfrm>
+            <a:off x="181876" y="4439126"/>
+            <a:ext cx="576072" cy="292894"/>
+          </a:xfrm>
+          <a:prstGeom prst="rect">
+            <a:avLst/>
+          </a:prstGeom>
+          <a:ln w="0" algn="ctr">
+            <a:solidFill>
+              <a:schemeClr val="tx1"/>
+            </a:solidFill>
+          </a:ln>
+        </p:spPr>
+        <p:style>
+          <a:lnRef idx="2">
+            <a:schemeClr val="accent6"/>
+          </a:lnRef>
+          <a:fillRef idx="1">
+            <a:schemeClr val="lt1"/>
+          </a:fillRef>
+          <a:effectRef idx="0">
+            <a:schemeClr val="accent6"/>
+          </a:effectRef>
+          <a:fontRef idx="minor">
+            <a:schemeClr val="dk1"/>
+          </a:fontRef>
+        </p:style>
+        <p:txBody>
+          <a:bodyPr vert="horz" wrap="square" lIns="91440" tIns="45720" rIns="91440" bIns="45720" anchor="ctr">
+            <a:noAutofit/>
+          </a:bodyPr>
+          <a:lstStyle/>
+          <a:p>
+            <a:pPr algn="ctr">
+              <a:defRPr lang="ko-KR" altLang="en-US"/>
+            </a:pPr>
+            <a:r>
+              <a:rPr lang="ko-KR" altLang="en-US" sz="1000">
+                <a:solidFill>
+                  <a:schemeClr val="tx1"/>
+                </a:solidFill>
+              </a:rPr>
+              <a:t>딜코어</a:t>
+            </a:r>
+            <a:endParaRPr lang="ko-KR" altLang="en-US" sz="1000">
+              <a:solidFill>
+                <a:schemeClr val="tx1"/>
+              </a:solidFill>
+            </a:endParaRPr>
+          </a:p>
+        </p:txBody>
+      </p:sp>
+      <p:sp>
+        <p:nvSpPr>
+          <p:cNvPr id="75" name="웃는 얼굴[S] 1"/>
+          <p:cNvSpPr/>
+          <p:nvPr/>
+        </p:nvSpPr>
+        <p:spPr>
+          <a:xfrm>
+            <a:off x="323465" y="4165107"/>
+            <a:ext cx="292894" cy="292894"/>
+          </a:xfrm>
+          <a:prstGeom prst="smileyFace">
+            <a:avLst>
+              <a:gd name="adj" fmla="val 4653"/>
+            </a:avLst>
+          </a:prstGeom>
+          <a:ln w="0" algn="ctr">
+            <a:solidFill>
+              <a:schemeClr val="tx1"/>
+            </a:solidFill>
+          </a:ln>
+        </p:spPr>
+        <p:style>
+          <a:lnRef idx="2">
+            <a:schemeClr val="accent6"/>
+          </a:lnRef>
+          <a:fillRef idx="1">
+            <a:schemeClr val="lt1"/>
+          </a:fillRef>
+          <a:effectRef idx="0">
+            <a:schemeClr val="accent6"/>
+          </a:effectRef>
+          <a:fontRef idx="minor">
+            <a:schemeClr val="dk1"/>
+          </a:fontRef>
+        </p:style>
+        <p:txBody>
+          <a:bodyPr vert="horz" wrap="square" lIns="91440" tIns="45720" rIns="91440" bIns="45720" anchor="ctr">
+            <a:noAutofit/>
+          </a:bodyPr>
+          <a:lstStyle/>
+          <a:p>
+            <a:pPr algn="ctr">
+              <a:defRPr lang="ko-KR" altLang="en-US"/>
+            </a:pPr>
+            <a:endParaRPr lang="ko-KR" altLang="en-US">
+              <a:solidFill>
+                <a:schemeClr val="tx1"/>
+              </a:solidFill>
+            </a:endParaRPr>
+          </a:p>
+        </p:txBody>
+      </p:sp>
+      <p:sp>
+        <p:nvSpPr>
+          <p:cNvPr id="76" name="오각형[P] 68"/>
+          <p:cNvSpPr/>
+          <p:nvPr/>
+        </p:nvSpPr>
+        <p:spPr>
+          <a:xfrm>
+            <a:off x="2815923" y="4200677"/>
+            <a:ext cx="2736342" cy="221752"/>
+          </a:xfrm>
+          <a:prstGeom prst="homePlate">
+            <a:avLst>
+              <a:gd name="adj" fmla="val 50000"/>
+            </a:avLst>
+          </a:prstGeom>
+          <a:solidFill>
+            <a:schemeClr val="accent1">
+              <a:lumMod val="10000"/>
+              <a:lumOff val="90000"/>
+            </a:schemeClr>
+          </a:solidFill>
+          <a:ln w="0" algn="ctr">
+            <a:solidFill>
+              <a:schemeClr val="tx1"/>
+            </a:solidFill>
+          </a:ln>
+        </p:spPr>
+        <p:style>
+          <a:lnRef idx="2">
+            <a:schemeClr val="accent6"/>
+          </a:lnRef>
+          <a:fillRef idx="1">
+            <a:schemeClr val="lt1"/>
+          </a:fillRef>
+          <a:effectRef idx="0">
+            <a:schemeClr val="accent6"/>
+          </a:effectRef>
+          <a:fontRef idx="minor">
+            <a:schemeClr val="dk1"/>
+          </a:fontRef>
+        </p:style>
+        <p:txBody>
+          <a:bodyPr vert="horz" wrap="square" lIns="91440" tIns="45720" rIns="91440" bIns="45720" anchor="ctr">
+            <a:noAutofit/>
+          </a:bodyPr>
+          <a:lstStyle/>
+          <a:p>
+            <a:pPr algn="ctr">
+              <a:defRPr lang="ko-KR" altLang="en-US"/>
+            </a:pPr>
+            <a:r>
+              <a:rPr lang="en" altLang="ko-KR" sz="1000">
+                <a:solidFill>
+                  <a:schemeClr val="tx1"/>
+                </a:solidFill>
+                <a:cs typeface="함초롬돋움"/>
+              </a:rPr>
+              <a:t>tmon.service.queue.dealpack.sync.sticker</a:t>
+            </a:r>
+            <a:endParaRPr lang="ko-KR" altLang="en-US" sz="1000">
+              <a:solidFill>
+                <a:schemeClr val="tx1"/>
+              </a:solidFill>
+              <a:cs typeface="함초롬돋움"/>
+            </a:endParaRPr>
+          </a:p>
+        </p:txBody>
+      </p:sp>
+      <p:cxnSp>
+        <p:nvCxnSpPr>
+          <p:cNvPr id="77" name="직선 화살표 연결선 9"/>
+          <p:cNvCxnSpPr>
+            <a:endCxn id="76" idx="1"/>
+          </p:cNvCxnSpPr>
+          <p:nvPr/>
+        </p:nvCxnSpPr>
+        <p:spPr>
+          <a:xfrm flipV="1">
+            <a:off x="683514" y="4311553"/>
+            <a:ext cx="2132409" cy="2"/>
+          </a:xfrm>
+          <a:prstGeom prst="straightConnector1">
+            <a:avLst/>
+          </a:prstGeom>
+          <a:ln w="0" algn="ctr">
+            <a:solidFill>
+              <a:schemeClr val="tx1"/>
+            </a:solidFill>
+            <a:tailEnd type="triangle"/>
+          </a:ln>
+        </p:spPr>
+        <p:style>
+          <a:lnRef idx="1">
+            <a:schemeClr val="accent2"/>
+          </a:lnRef>
+          <a:fillRef idx="0">
+            <a:schemeClr val="accent2"/>
+          </a:fillRef>
+          <a:effectRef idx="0">
+            <a:schemeClr val="accent2"/>
+          </a:effectRef>
+          <a:fontRef idx="minor">
+            <a:schemeClr val="tx1"/>
+          </a:fontRef>
+        </p:style>
+      </p:cxnSp>
+      <p:cxnSp>
+        <p:nvCxnSpPr>
+          <p:cNvPr id="79" name="꺾인 연결선[E] 72"/>
+          <p:cNvCxnSpPr>
+            <a:stCxn id="76" idx="3"/>
+            <a:endCxn id="63" idx="2"/>
+          </p:cNvCxnSpPr>
+          <p:nvPr/>
+        </p:nvCxnSpPr>
+        <p:spPr>
+          <a:xfrm flipH="1" flipV="1">
+            <a:off x="4573800" y="3326400"/>
+            <a:ext cx="978465" cy="985153"/>
+          </a:xfrm>
+          <a:prstGeom prst="bentConnector4">
+            <a:avLst>
+              <a:gd name="adj1" fmla="val -14001"/>
+              <a:gd name="adj2" fmla="val 55631"/>
+            </a:avLst>
+          </a:prstGeom>
+          <a:ln w="0" algn="ctr">
+            <a:solidFill>
+              <a:schemeClr val="tx1"/>
+            </a:solidFill>
+            <a:tailEnd type="triangle"/>
+          </a:ln>
+        </p:spPr>
+        <p:style>
+          <a:lnRef idx="1">
+            <a:schemeClr val="accent2"/>
+          </a:lnRef>
+          <a:fillRef idx="0">
+            <a:schemeClr val="accent2"/>
+          </a:fillRef>
+          <a:effectRef idx="0">
+            <a:schemeClr val="accent2"/>
+          </a:effectRef>
+          <a:fontRef idx="minor">
+            <a:schemeClr val="tx1"/>
+          </a:fontRef>
+        </p:style>
+      </p:cxnSp>
+      <p:grpSp>
+        <p:nvGrpSpPr>
+          <p:cNvPr id="81" name="그룹 80"/>
+          <p:cNvGrpSpPr/>
+          <p:nvPr/>
+        </p:nvGrpSpPr>
+        <p:grpSpPr>
+          <a:xfrm rot="0">
+            <a:off x="7596378" y="4302116"/>
+            <a:ext cx="576072" cy="566913"/>
+            <a:chOff x="181876" y="2425303"/>
+            <a:chExt cx="576072" cy="566913"/>
+          </a:xfrm>
+        </p:grpSpPr>
+        <p:sp>
+          <p:nvSpPr>
+            <p:cNvPr id="82" name="직사각형 7"/>
+            <p:cNvSpPr/>
+            <p:nvPr/>
+          </p:nvSpPr>
+          <p:spPr>
+            <a:xfrm>
+              <a:off x="181876" y="2699322"/>
+              <a:ext cx="576072" cy="292894"/>
+            </a:xfrm>
+            <a:prstGeom prst="rect">
+              <a:avLst/>
+            </a:prstGeom>
+            <a:ln w="0" algn="ctr">
+              <a:solidFill>
+                <a:schemeClr val="tx1"/>
+              </a:solidFill>
+            </a:ln>
+          </p:spPr>
+          <p:style>
+            <a:lnRef idx="2">
+              <a:schemeClr val="accent6"/>
+            </a:lnRef>
+            <a:fillRef idx="1">
+              <a:schemeClr val="lt1"/>
+            </a:fillRef>
+            <a:effectRef idx="0">
+              <a:schemeClr val="accent6"/>
+            </a:effectRef>
+            <a:fontRef idx="minor">
+              <a:schemeClr val="dk1"/>
+            </a:fontRef>
+          </p:style>
+          <p:txBody>
+            <a:bodyPr vert="horz" wrap="square" lIns="91440" tIns="45720" rIns="91440" bIns="45720" anchor="ctr">
+              <a:noAutofit/>
+            </a:bodyPr>
+            <a:lstStyle/>
+            <a:p>
+              <a:pPr algn="ctr">
+                <a:defRPr lang="ko-KR" altLang="en-US"/>
+              </a:pPr>
+              <a:r>
+                <a:rPr lang="ko-KR" altLang="en-US" sz="1000">
+                  <a:solidFill>
+                    <a:schemeClr val="tx1"/>
+                  </a:solidFill>
+                </a:rPr>
+                <a:t>배치</a:t>
+              </a:r>
+              <a:endParaRPr lang="ko-KR" altLang="en-US" sz="1000">
+                <a:solidFill>
+                  <a:schemeClr val="tx1"/>
+                </a:solidFill>
+              </a:endParaRPr>
+            </a:p>
+          </p:txBody>
+        </p:sp>
+        <p:sp>
+          <p:nvSpPr>
+            <p:cNvPr id="83" name="웃는 얼굴[S] 1"/>
+            <p:cNvSpPr/>
+            <p:nvPr/>
+          </p:nvSpPr>
+          <p:spPr>
+            <a:xfrm>
+              <a:off x="323465" y="2425303"/>
+              <a:ext cx="292894" cy="292894"/>
+            </a:xfrm>
+            <a:prstGeom prst="smileyFace">
+              <a:avLst>
+                <a:gd name="adj" fmla="val 4653"/>
+              </a:avLst>
+            </a:prstGeom>
+            <a:ln w="0" algn="ctr">
+              <a:solidFill>
+                <a:schemeClr val="tx1"/>
+              </a:solidFill>
+            </a:ln>
+          </p:spPr>
+          <p:style>
+            <a:lnRef idx="2">
+              <a:schemeClr val="accent6"/>
+            </a:lnRef>
+            <a:fillRef idx="1">
+              <a:schemeClr val="lt1"/>
+            </a:fillRef>
+            <a:effectRef idx="0">
+              <a:schemeClr val="accent6"/>
+            </a:effectRef>
+            <a:fontRef idx="minor">
+              <a:schemeClr val="dk1"/>
+            </a:fontRef>
+          </p:style>
+          <p:txBody>
+            <a:bodyPr vert="horz" wrap="square" lIns="91440" tIns="45720" rIns="91440" bIns="45720" anchor="ctr">
+              <a:noAutofit/>
+            </a:bodyPr>
+            <a:lstStyle/>
+            <a:p>
+              <a:pPr algn="ctr">
+                <a:defRPr lang="ko-KR" altLang="en-US"/>
+              </a:pPr>
+              <a:endParaRPr lang="ko-KR" altLang="en-US">
+                <a:solidFill>
+                  <a:schemeClr val="tx1"/>
+                </a:solidFill>
+              </a:endParaRPr>
+            </a:p>
+          </p:txBody>
+        </p:sp>
+      </p:grpSp>
+      <p:cxnSp>
+        <p:nvCxnSpPr>
+          <p:cNvPr id="85" name="꺾인 연결선[E] 72"/>
+          <p:cNvCxnSpPr>
+            <a:endCxn id="63" idx="3"/>
+          </p:cNvCxnSpPr>
+          <p:nvPr/>
+        </p:nvCxnSpPr>
+        <p:spPr>
+          <a:xfrm rot="10800000">
+            <a:off x="5554800" y="3180600"/>
+            <a:ext cx="2329615" cy="1020077"/>
+          </a:xfrm>
+          <a:prstGeom prst="bentConnector3">
+            <a:avLst>
+              <a:gd name="adj1" fmla="val 50000"/>
+            </a:avLst>
+          </a:prstGeom>
+          <a:ln w="0" algn="ctr">
+            <a:solidFill>
+              <a:schemeClr val="tx1"/>
+            </a:solidFill>
+            <a:tailEnd type="triangle"/>
+          </a:ln>
+        </p:spPr>
+        <p:style>
+          <a:lnRef idx="1">
+            <a:schemeClr val="accent2"/>
+          </a:lnRef>
+          <a:fillRef idx="0">
+            <a:schemeClr val="accent2"/>
+          </a:fillRef>
+          <a:effectRef idx="0">
+            <a:schemeClr val="accent2"/>
+          </a:effectRef>
+          <a:fontRef idx="minor">
+            <a:schemeClr val="tx1"/>
+          </a:fontRef>
+        </p:style>
+      </p:cxnSp>
+      <p:sp>
+        <p:nvSpPr>
+          <p:cNvPr id="86" name="직사각형 7"/>
+          <p:cNvSpPr/>
+          <p:nvPr/>
+        </p:nvSpPr>
+        <p:spPr>
+          <a:xfrm>
+            <a:off x="5796153" y="3222260"/>
+            <a:ext cx="1944243" cy="429625"/>
+          </a:xfrm>
+          <a:prstGeom prst="rect">
+            <a:avLst/>
+          </a:prstGeom>
+          <a:ln w="0" algn="ctr">
+            <a:solidFill>
+              <a:schemeClr val="tx1"/>
+            </a:solidFill>
+          </a:ln>
+        </p:spPr>
+        <p:style>
+          <a:lnRef idx="2">
+            <a:schemeClr val="accent6"/>
+          </a:lnRef>
+          <a:fillRef idx="1">
+            <a:schemeClr val="lt1"/>
+          </a:fillRef>
+          <a:effectRef idx="0">
+            <a:schemeClr val="accent6"/>
+          </a:effectRef>
+          <a:fontRef idx="minor">
+            <a:schemeClr val="dk1"/>
+          </a:fontRef>
+        </p:style>
+        <p:txBody>
+          <a:bodyPr vert="horz" wrap="square" lIns="91440" tIns="45720" rIns="91440" bIns="45720" anchor="ctr">
+            <a:noAutofit/>
+          </a:bodyPr>
+          <a:lstStyle/>
+          <a:p>
+            <a:pPr algn="ctr">
+              <a:defRPr lang="ko-KR" altLang="en-US"/>
+            </a:pPr>
+            <a:r>
+              <a:rPr lang="ko-KR" altLang="en-US" sz="900">
+                <a:solidFill>
+                  <a:schemeClr val="tx1"/>
+                </a:solidFill>
+              </a:rPr>
+              <a:t>기간이 지난 스티커 정보에 </a:t>
+            </a:r>
+            <a:endParaRPr lang="ko-KR" altLang="en-US" sz="900">
+              <a:solidFill>
+                <a:schemeClr val="tx1"/>
+              </a:solidFill>
+            </a:endParaRPr>
+          </a:p>
+          <a:p>
+            <a:pPr algn="ctr">
+              <a:defRPr lang="ko-KR" altLang="en-US"/>
+            </a:pPr>
+            <a:r>
+              <a:rPr lang="ko-KR" altLang="en-US" sz="900">
+                <a:solidFill>
+                  <a:schemeClr val="tx1"/>
+                </a:solidFill>
+              </a:rPr>
+              <a:t>대해서 노출 제거하는 5분 배치</a:t>
+            </a:r>
+            <a:endParaRPr lang="ko-KR" altLang="en-US" sz="900">
+              <a:solidFill>
+                <a:schemeClr val="tx1"/>
+              </a:solidFill>
+            </a:endParaRPr>
+          </a:p>
+        </p:txBody>
+      </p:sp>
+      <p:sp>
+        <p:nvSpPr>
+          <p:cNvPr id="87" name="직사각형 7"/>
+          <p:cNvSpPr/>
+          <p:nvPr/>
+        </p:nvSpPr>
+        <p:spPr>
+          <a:xfrm>
+            <a:off x="157375" y="2353294"/>
+            <a:ext cx="764238" cy="436912"/>
+          </a:xfrm>
+          <a:prstGeom prst="rect">
+            <a:avLst/>
+          </a:prstGeom>
+          <a:ln w="0" algn="ctr">
+            <a:solidFill>
+              <a:schemeClr val="tx1"/>
+            </a:solidFill>
+          </a:ln>
+        </p:spPr>
+        <p:style>
+          <a:lnRef idx="2">
+            <a:schemeClr val="accent6"/>
+          </a:lnRef>
+          <a:fillRef idx="1">
+            <a:schemeClr val="lt1"/>
+          </a:fillRef>
+          <a:effectRef idx="0">
+            <a:schemeClr val="accent6"/>
+          </a:effectRef>
+          <a:fontRef idx="minor">
+            <a:schemeClr val="dk1"/>
+          </a:fontRef>
+        </p:style>
+        <p:txBody>
+          <a:bodyPr vert="horz" wrap="square" lIns="91440" tIns="45720" rIns="91440" bIns="45720" anchor="ctr">
+            <a:noAutofit/>
+          </a:bodyPr>
+          <a:lstStyle/>
+          <a:p>
+            <a:pPr algn="ctr">
+              <a:defRPr lang="ko-KR" altLang="en-US"/>
+            </a:pPr>
+            <a:r>
+              <a:rPr lang="ko-KR" altLang="en-US" sz="1000">
+                <a:solidFill>
+                  <a:schemeClr val="tx1"/>
+                </a:solidFill>
+              </a:rPr>
+              <a:t>딜 리스트</a:t>
+            </a:r>
+            <a:endParaRPr lang="ko-KR" altLang="en-US" sz="1000">
+              <a:solidFill>
+                <a:schemeClr val="tx1"/>
+              </a:solidFill>
+            </a:endParaRPr>
+          </a:p>
+          <a:p>
+            <a:pPr algn="ctr">
+              <a:defRPr lang="ko-KR" altLang="en-US"/>
+            </a:pPr>
+            <a:r>
+              <a:rPr lang="ko-KR" altLang="en-US" sz="1000">
+                <a:solidFill>
+                  <a:schemeClr val="tx1"/>
+                </a:solidFill>
+              </a:rPr>
+              <a:t>획득</a:t>
+            </a:r>
+            <a:endParaRPr lang="ko-KR" altLang="en-US" sz="1000">
+              <a:solidFill>
+                <a:schemeClr val="tx1"/>
+              </a:solidFill>
+            </a:endParaRPr>
+          </a:p>
+        </p:txBody>
+      </p:sp>
+      <p:sp>
+        <p:nvSpPr>
+          <p:cNvPr id="88" name="직사각형 7"/>
+          <p:cNvSpPr/>
+          <p:nvPr/>
+        </p:nvSpPr>
+        <p:spPr>
+          <a:xfrm>
+            <a:off x="1245655" y="2353294"/>
+            <a:ext cx="1282223" cy="436912"/>
+          </a:xfrm>
+          <a:prstGeom prst="rect">
+            <a:avLst/>
+          </a:prstGeom>
+          <a:ln w="0" algn="ctr">
+            <a:solidFill>
+              <a:schemeClr val="tx1"/>
+            </a:solidFill>
+          </a:ln>
+        </p:spPr>
+        <p:style>
+          <a:lnRef idx="2">
+            <a:schemeClr val="accent6"/>
+          </a:lnRef>
+          <a:fillRef idx="1">
+            <a:schemeClr val="lt1"/>
+          </a:fillRef>
+          <a:effectRef idx="0">
+            <a:schemeClr val="accent6"/>
+          </a:effectRef>
+          <a:fontRef idx="minor">
+            <a:schemeClr val="dk1"/>
+          </a:fontRef>
+        </p:style>
+        <p:txBody>
+          <a:bodyPr vert="horz" wrap="square" lIns="91440" tIns="45720" rIns="91440" bIns="45720" anchor="ctr">
+            <a:noAutofit/>
+          </a:bodyPr>
+          <a:lstStyle/>
+          <a:p>
+            <a:pPr algn="ctr">
+              <a:defRPr lang="ko-KR" altLang="en-US"/>
+            </a:pPr>
+            <a:r>
+              <a:rPr lang="en-US" altLang="ko-KR" sz="1000">
+                <a:solidFill>
+                  <a:schemeClr val="tx1"/>
+                </a:solidFill>
+              </a:rPr>
+              <a:t>DB</a:t>
+            </a:r>
+            <a:r>
+              <a:rPr lang="ko-KR" altLang="en-US" sz="1000">
+                <a:solidFill>
+                  <a:schemeClr val="tx1"/>
+                </a:solidFill>
+              </a:rPr>
+              <a:t>에서 유효한 </a:t>
+            </a:r>
+            <a:endParaRPr lang="ko-KR" altLang="en-US" sz="1000">
+              <a:solidFill>
+                <a:schemeClr val="tx1"/>
+              </a:solidFill>
+            </a:endParaRPr>
+          </a:p>
+          <a:p>
+            <a:pPr algn="ctr">
+              <a:defRPr lang="ko-KR" altLang="en-US"/>
+            </a:pPr>
+            <a:r>
+              <a:rPr lang="ko-KR" altLang="en-US" sz="1000">
+                <a:solidFill>
+                  <a:schemeClr val="tx1"/>
+                </a:solidFill>
+              </a:rPr>
+              <a:t>스티커 리스트조회</a:t>
+            </a:r>
+            <a:endParaRPr lang="ko-KR" altLang="en-US" sz="1000">
+              <a:solidFill>
+                <a:schemeClr val="tx1"/>
+              </a:solidFill>
+            </a:endParaRPr>
+          </a:p>
+        </p:txBody>
+      </p:sp>
+      <p:sp>
+        <p:nvSpPr>
+          <p:cNvPr id="89" name="직사각형 7"/>
+          <p:cNvSpPr/>
+          <p:nvPr/>
+        </p:nvSpPr>
+        <p:spPr>
+          <a:xfrm>
+            <a:off x="2785704" y="2353294"/>
+            <a:ext cx="1988392" cy="436912"/>
+          </a:xfrm>
+          <a:prstGeom prst="rect">
+            <a:avLst/>
+          </a:prstGeom>
+          <a:ln w="0" algn="ctr">
+            <a:solidFill>
+              <a:schemeClr val="tx1"/>
+            </a:solidFill>
+          </a:ln>
+        </p:spPr>
+        <p:style>
+          <a:lnRef idx="2">
+            <a:schemeClr val="accent6"/>
+          </a:lnRef>
+          <a:fillRef idx="1">
+            <a:schemeClr val="lt1"/>
+          </a:fillRef>
+          <a:effectRef idx="0">
+            <a:schemeClr val="accent6"/>
+          </a:effectRef>
+          <a:fontRef idx="minor">
+            <a:schemeClr val="dk1"/>
+          </a:fontRef>
+        </p:style>
+        <p:txBody>
+          <a:bodyPr vert="horz" wrap="square" lIns="91440" tIns="45720" rIns="91440" bIns="45720" anchor="ctr">
+            <a:noAutofit/>
+          </a:bodyPr>
+          <a:lstStyle/>
+          <a:p>
+            <a:pPr algn="ctr">
+              <a:defRPr lang="ko-KR" altLang="en-US"/>
+            </a:pPr>
+            <a:r>
+              <a:rPr lang="ko-KR" altLang="en-US" sz="1000">
+                <a:solidFill>
+                  <a:schemeClr val="tx1"/>
+                </a:solidFill>
+              </a:rPr>
+              <a:t>딜 번호가 어떤 딜팩/카테고리에 속하는지 조회</a:t>
+            </a:r>
+            <a:endParaRPr lang="ko-KR" altLang="en-US" sz="1000">
+              <a:solidFill>
+                <a:schemeClr val="tx1"/>
+              </a:solidFill>
+            </a:endParaRPr>
+          </a:p>
+        </p:txBody>
+      </p:sp>
+      <p:sp>
+        <p:nvSpPr>
+          <p:cNvPr id="90" name="직사각형 7"/>
+          <p:cNvSpPr/>
+          <p:nvPr/>
+        </p:nvSpPr>
+        <p:spPr>
+          <a:xfrm>
+            <a:off x="5089992" y="2353294"/>
+            <a:ext cx="1700356" cy="436912"/>
+          </a:xfrm>
+          <a:prstGeom prst="rect">
+            <a:avLst/>
+          </a:prstGeom>
+          <a:ln w="0" algn="ctr">
+            <a:solidFill>
+              <a:schemeClr val="tx1"/>
+            </a:solidFill>
+          </a:ln>
+        </p:spPr>
+        <p:style>
+          <a:lnRef idx="2">
+            <a:schemeClr val="accent6"/>
+          </a:lnRef>
+          <a:fillRef idx="1">
+            <a:schemeClr val="lt1"/>
+          </a:fillRef>
+          <a:effectRef idx="0">
+            <a:schemeClr val="accent6"/>
+          </a:effectRef>
+          <a:fontRef idx="minor">
+            <a:schemeClr val="dk1"/>
+          </a:fontRef>
+        </p:style>
+        <p:txBody>
+          <a:bodyPr vert="horz" wrap="square" lIns="91440" tIns="45720" rIns="91440" bIns="45720" anchor="ctr">
+            <a:noAutofit/>
+          </a:bodyPr>
+          <a:lstStyle/>
+          <a:p>
+            <a:pPr algn="ctr">
+              <a:defRPr lang="ko-KR" altLang="en-US"/>
+            </a:pPr>
+            <a:r>
+              <a:rPr lang="ko-KR" altLang="en-US" sz="1000">
+                <a:solidFill>
+                  <a:schemeClr val="tx1"/>
+                </a:solidFill>
+              </a:rPr>
+              <a:t>스티커 우선순위에 따라 </a:t>
+            </a:r>
+            <a:endParaRPr lang="ko-KR" altLang="en-US" sz="1000">
+              <a:solidFill>
+                <a:schemeClr val="tx1"/>
+              </a:solidFill>
+            </a:endParaRPr>
+          </a:p>
+          <a:p>
+            <a:pPr algn="ctr">
+              <a:defRPr lang="ko-KR" altLang="en-US"/>
+            </a:pPr>
+            <a:r>
+              <a:rPr lang="ko-KR" altLang="en-US" sz="1000">
+                <a:solidFill>
+                  <a:schemeClr val="tx1"/>
+                </a:solidFill>
+              </a:rPr>
+              <a:t>딜 번호와 스티커를 매핑</a:t>
+            </a:r>
+            <a:endParaRPr lang="ko-KR" altLang="en-US" sz="1000">
+              <a:solidFill>
+                <a:schemeClr val="tx1"/>
+              </a:solidFill>
+            </a:endParaRPr>
+          </a:p>
+        </p:txBody>
+      </p:sp>
+      <p:sp>
+        <p:nvSpPr>
+          <p:cNvPr id="99" name="직사각형 7"/>
+          <p:cNvSpPr/>
+          <p:nvPr/>
+        </p:nvSpPr>
+        <p:spPr>
+          <a:xfrm>
+            <a:off x="6768273" y="1820947"/>
+            <a:ext cx="1988391" cy="292894"/>
+          </a:xfrm>
+          <a:prstGeom prst="rect">
+            <a:avLst/>
+          </a:prstGeom>
+          <a:ln w="0" algn="ctr">
+            <a:solidFill>
+              <a:schemeClr val="tx1"/>
+            </a:solidFill>
+          </a:ln>
+        </p:spPr>
+        <p:style>
+          <a:lnRef idx="2">
+            <a:schemeClr val="accent6"/>
+          </a:lnRef>
+          <a:fillRef idx="1">
+            <a:schemeClr val="lt1"/>
+          </a:fillRef>
+          <a:effectRef idx="0">
+            <a:schemeClr val="accent6"/>
+          </a:effectRef>
+          <a:fontRef idx="minor">
+            <a:schemeClr val="dk1"/>
+          </a:fontRef>
+        </p:style>
+        <p:txBody>
+          <a:bodyPr vert="horz" wrap="square" lIns="91440" tIns="45720" rIns="91440" bIns="45720" anchor="ctr">
+            <a:noAutofit/>
+          </a:bodyPr>
+          <a:lstStyle/>
+          <a:p>
+            <a:pPr algn="ctr">
+              <a:defRPr lang="ko-KR" altLang="en-US"/>
+            </a:pPr>
+            <a:r>
+              <a:rPr lang="en-US" altLang="ko-KR" sz="1000">
+                <a:solidFill>
+                  <a:schemeClr val="tx1"/>
+                </a:solidFill>
+              </a:rPr>
+              <a:t>service_tmon_dealbuilder_api</a:t>
+            </a:r>
+            <a:endParaRPr lang="en-US" altLang="ko-KR" sz="1000">
+              <a:solidFill>
+                <a:schemeClr val="tx1"/>
+              </a:solidFill>
+            </a:endParaRPr>
+          </a:p>
+        </p:txBody>
+      </p:sp>
+      <p:sp>
+        <p:nvSpPr>
+          <p:cNvPr id="106" name="직사각형 7"/>
+          <p:cNvSpPr/>
+          <p:nvPr/>
+        </p:nvSpPr>
+        <p:spPr>
+          <a:xfrm>
+            <a:off x="5190659" y="267462"/>
+            <a:ext cx="1988391" cy="292894"/>
+          </a:xfrm>
+          <a:prstGeom prst="rect">
+            <a:avLst/>
+          </a:prstGeom>
+          <a:ln w="3175" algn="ctr">
+            <a:solidFill>
+              <a:schemeClr val="tx1"/>
+            </a:solidFill>
+          </a:ln>
+        </p:spPr>
+        <p:style>
+          <a:lnRef idx="2">
+            <a:schemeClr val="accent6"/>
+          </a:lnRef>
+          <a:fillRef idx="1">
+            <a:schemeClr val="lt1"/>
+          </a:fillRef>
+          <a:effectRef idx="0">
+            <a:schemeClr val="accent6"/>
+          </a:effectRef>
+          <a:fontRef idx="minor">
+            <a:schemeClr val="dk1"/>
+          </a:fontRef>
+        </p:style>
+        <p:txBody>
+          <a:bodyPr vert="horz" wrap="square" lIns="91440" tIns="45720" rIns="91440" bIns="45720" anchor="ctr">
+            <a:noAutofit/>
+          </a:bodyPr>
+          <a:lstStyle/>
+          <a:p>
+            <a:pPr algn="ctr">
+              <a:defRPr lang="ko-KR" altLang="en-US"/>
+            </a:pPr>
+            <a:r>
+              <a:rPr lang="en-US" altLang="ko-KR" sz="1000"/>
+              <a:t>service_tmon_dealinfo_api</a:t>
+            </a:r>
+            <a:endParaRPr lang="en-US" altLang="ko-KR" sz="1000"/>
+          </a:p>
+        </p:txBody>
+      </p:sp>
+      <p:sp>
+        <p:nvSpPr>
+          <p:cNvPr id="107" name="직사각형 7"/>
+          <p:cNvSpPr/>
+          <p:nvPr/>
+        </p:nvSpPr>
+        <p:spPr>
+          <a:xfrm>
+            <a:off x="5190658" y="598206"/>
+            <a:ext cx="2189731" cy="783717"/>
+          </a:xfrm>
+          <a:prstGeom prst="rect">
+            <a:avLst/>
+          </a:prstGeom>
+          <a:noFill/>
+          <a:ln w="3175" algn="ctr">
+            <a:noFill/>
+          </a:ln>
+        </p:spPr>
+        <p:style>
+          <a:lnRef idx="2">
+            <a:schemeClr val="accent6"/>
+          </a:lnRef>
+          <a:fillRef idx="1">
+            <a:schemeClr val="lt1"/>
+          </a:fillRef>
+          <a:effectRef idx="0">
+            <a:schemeClr val="accent6"/>
+          </a:effectRef>
+          <a:fontRef idx="minor">
+            <a:schemeClr val="dk1"/>
+          </a:fontRef>
+        </p:style>
+        <p:txBody>
+          <a:bodyPr vert="horz" wrap="square" lIns="91440" tIns="45720" rIns="91440" bIns="45720" anchor="ctr">
+            <a:noAutofit/>
+          </a:bodyPr>
+          <a:lstStyle/>
+          <a:p>
+            <a:pPr>
+              <a:defRPr lang="ko-KR" altLang="en-US"/>
+            </a:pPr>
+            <a:r>
+              <a:rPr lang="ko-KR" altLang="en-US" sz="900"/>
+              <a:t>1. 딜 변경 이벤트 생성</a:t>
+            </a:r>
+            <a:endParaRPr lang="ko-KR" altLang="en-US" sz="900"/>
+          </a:p>
+          <a:p>
+            <a:pPr>
+              <a:defRPr lang="ko-KR" altLang="en-US"/>
+            </a:pPr>
+            <a:r>
+              <a:rPr lang="ko-KR" altLang="en-US" sz="900"/>
+              <a:t>2. 스키터 버킷에서 스티커 조회</a:t>
+            </a:r>
+            <a:endParaRPr lang="ko-KR" altLang="en-US" sz="900"/>
+          </a:p>
+          <a:p>
+            <a:pPr>
+              <a:defRPr lang="ko-KR" altLang="en-US"/>
+            </a:pPr>
+            <a:r>
+              <a:rPr lang="ko-KR" altLang="en-US" sz="900"/>
+              <a:t>3. 딜 정보에 포함</a:t>
+            </a:r>
+            <a:endParaRPr lang="ko-KR" altLang="en-US" sz="900"/>
+          </a:p>
+          <a:p>
+            <a:pPr>
+              <a:defRPr lang="ko-KR" altLang="en-US"/>
+            </a:pPr>
+            <a:r>
+              <a:rPr lang="ko-KR" altLang="en-US" sz="900"/>
+              <a:t>4. 딜인포 버킷에 완전한 딜 정보 저장</a:t>
+            </a:r>
+            <a:endParaRPr lang="ko-KR" altLang="en-US" sz="900"/>
+          </a:p>
+        </p:txBody>
+      </p:sp>
+      <p:cxnSp>
+        <p:nvCxnSpPr>
+          <p:cNvPr id="110" name="꺾인 연결선[E] 72"/>
+          <p:cNvCxnSpPr>
+            <a:stCxn id="87" idx="0"/>
+            <a:endCxn id="114" idx="2"/>
+          </p:cNvCxnSpPr>
+          <p:nvPr/>
+        </p:nvCxnSpPr>
+        <p:spPr>
+          <a:xfrm rot="5400000" flipH="1" flipV="1">
+            <a:off x="201892" y="1849601"/>
+            <a:ext cx="841294" cy="166091"/>
+          </a:xfrm>
+          <a:prstGeom prst="bentConnector2">
+            <a:avLst/>
+          </a:prstGeom>
+          <a:ln w="0" algn="ctr">
+            <a:solidFill>
+              <a:schemeClr val="tx1"/>
+            </a:solidFill>
+            <a:tailEnd type="triangle"/>
+          </a:ln>
+        </p:spPr>
+        <p:style>
+          <a:lnRef idx="1">
+            <a:schemeClr val="accent2"/>
+          </a:lnRef>
+          <a:fillRef idx="0">
+            <a:schemeClr val="accent2"/>
+          </a:fillRef>
+          <a:effectRef idx="0">
+            <a:schemeClr val="accent2"/>
+          </a:effectRef>
+          <a:fontRef idx="minor">
+            <a:schemeClr val="tx1"/>
+          </a:fontRef>
+        </p:style>
+      </p:cxnSp>
+      <p:grpSp>
+        <p:nvGrpSpPr>
+          <p:cNvPr id="116" name="그룹 115"/>
+          <p:cNvGrpSpPr/>
+          <p:nvPr/>
+        </p:nvGrpSpPr>
+        <p:grpSpPr>
+          <a:xfrm rot="0">
+            <a:off x="705585" y="1142465"/>
+            <a:ext cx="2315792" cy="738188"/>
+            <a:chOff x="705585" y="1142465"/>
+            <a:chExt cx="2315792" cy="738188"/>
+          </a:xfrm>
+        </p:grpSpPr>
+        <p:grpSp>
+          <p:nvGrpSpPr>
+            <p:cNvPr id="113" name="그룹 112"/>
+            <p:cNvGrpSpPr/>
+            <p:nvPr/>
+          </p:nvGrpSpPr>
+          <p:grpSpPr>
+            <a:xfrm rot="0">
+              <a:off x="863536" y="1142465"/>
+              <a:ext cx="1989979" cy="738188"/>
+              <a:chOff x="863536" y="1142465"/>
+              <a:chExt cx="1989979" cy="738188"/>
+            </a:xfrm>
+          </p:grpSpPr>
+          <p:sp>
+            <p:nvSpPr>
+              <p:cNvPr id="108" name="직사각형 7"/>
+              <p:cNvSpPr/>
+              <p:nvPr/>
+            </p:nvSpPr>
+            <p:spPr>
+              <a:xfrm>
+                <a:off x="863536" y="1142465"/>
+                <a:ext cx="1988391" cy="292894"/>
+              </a:xfrm>
+              <a:prstGeom prst="rect">
+                <a:avLst/>
+              </a:prstGeom>
+              <a:ln w="0" algn="ctr">
+                <a:solidFill>
+                  <a:schemeClr val="tx1"/>
+                </a:solidFill>
+              </a:ln>
+            </p:spPr>
+            <p:style>
+              <a:lnRef idx="2">
+                <a:schemeClr val="accent6"/>
+              </a:lnRef>
+              <a:fillRef idx="1">
+                <a:schemeClr val="lt1"/>
+              </a:fillRef>
+              <a:effectRef idx="0">
+                <a:schemeClr val="accent6"/>
+              </a:effectRef>
+              <a:fontRef idx="minor">
+                <a:schemeClr val="dk1"/>
+              </a:fontRef>
+            </p:style>
+            <p:txBody>
+              <a:bodyPr vert="horz" wrap="square" lIns="91440" tIns="45720" rIns="91440" bIns="45720" anchor="ctr">
+                <a:noAutofit/>
+              </a:bodyPr>
+              <a:lstStyle/>
+              <a:p>
+                <a:pPr algn="ctr">
+                  <a:defRPr lang="ko-KR" altLang="en-US"/>
+                </a:pPr>
+                <a:r>
+                  <a:rPr lang="en-US" altLang="ko-KR" sz="1000">
+                    <a:solidFill>
+                      <a:schemeClr val="tx1"/>
+                    </a:solidFill>
+                  </a:rPr>
+                  <a:t>service_tmon_dealpack_api</a:t>
+                </a:r>
+                <a:endParaRPr lang="en-US" altLang="ko-KR" sz="1000">
+                  <a:solidFill>
+                    <a:schemeClr val="tx1"/>
+                  </a:solidFill>
+                </a:endParaRPr>
+              </a:p>
+            </p:txBody>
+          </p:sp>
+          <p:sp>
+            <p:nvSpPr>
+              <p:cNvPr id="109" name="직사각형 7"/>
+              <p:cNvSpPr/>
+              <p:nvPr/>
+            </p:nvSpPr>
+            <p:spPr>
+              <a:xfrm>
+                <a:off x="863536" y="1587759"/>
+                <a:ext cx="1988391" cy="292894"/>
+              </a:xfrm>
+              <a:prstGeom prst="rect">
+                <a:avLst/>
+              </a:prstGeom>
+              <a:ln w="0" algn="ctr">
+                <a:solidFill>
+                  <a:schemeClr val="tx1"/>
+                </a:solidFill>
+              </a:ln>
+            </p:spPr>
+            <p:style>
+              <a:lnRef idx="2">
+                <a:schemeClr val="accent6"/>
+              </a:lnRef>
+              <a:fillRef idx="1">
+                <a:schemeClr val="lt1"/>
+              </a:fillRef>
+              <a:effectRef idx="0">
+                <a:schemeClr val="accent6"/>
+              </a:effectRef>
+              <a:fontRef idx="minor">
+                <a:schemeClr val="dk1"/>
+              </a:fontRef>
+            </p:style>
+            <p:txBody>
+              <a:bodyPr vert="horz" wrap="square" lIns="91440" tIns="45720" rIns="91440" bIns="45720" anchor="ctr">
+                <a:noAutofit/>
+              </a:bodyPr>
+              <a:lstStyle/>
+              <a:p>
+                <a:pPr algn="ctr">
+                  <a:defRPr lang="ko-KR" altLang="en-US"/>
+                </a:pPr>
+                <a:r>
+                  <a:rPr lang="en-US" altLang="ko-KR" sz="1000">
+                    <a:solidFill>
+                      <a:schemeClr val="tx1"/>
+                    </a:solidFill>
+                  </a:rPr>
+                  <a:t>service_tmon_dealinter_api</a:t>
+                </a:r>
+                <a:endParaRPr lang="en-US" altLang="ko-KR" sz="1000">
+                  <a:solidFill>
+                    <a:schemeClr val="tx1"/>
+                  </a:solidFill>
+                </a:endParaRPr>
+              </a:p>
+            </p:txBody>
+          </p:sp>
+          <p:cxnSp>
+            <p:nvCxnSpPr>
+              <p:cNvPr id="111" name="꺾인 연결선[E] 72"/>
+              <p:cNvCxnSpPr>
+                <a:stCxn id="109" idx="1"/>
+                <a:endCxn id="108" idx="1"/>
+              </p:cNvCxnSpPr>
+              <p:nvPr/>
+            </p:nvCxnSpPr>
+            <p:spPr>
+              <a:xfrm flipV="1">
+                <a:off x="863536" y="1288912"/>
+                <a:ext cx="1588" cy="445294"/>
+              </a:xfrm>
+              <a:prstGeom prst="bentConnector3">
+                <a:avLst>
+                  <a:gd name="adj1" fmla="val -8338803"/>
+                </a:avLst>
+              </a:prstGeom>
+              <a:ln w="0" algn="ctr">
+                <a:solidFill>
+                  <a:schemeClr val="tx1"/>
+                </a:solidFill>
+              </a:ln>
+            </p:spPr>
+            <p:style>
+              <a:lnRef idx="1">
+                <a:schemeClr val="accent2"/>
+              </a:lnRef>
+              <a:fillRef idx="0">
+                <a:schemeClr val="accent2"/>
+              </a:fillRef>
+              <a:effectRef idx="0">
+                <a:schemeClr val="accent2"/>
+              </a:effectRef>
+              <a:fontRef idx="minor">
+                <a:schemeClr val="tx1"/>
+              </a:fontRef>
+            </p:style>
+          </p:cxnSp>
+          <p:cxnSp>
+            <p:nvCxnSpPr>
+              <p:cNvPr id="112" name="꺾인 연결선[E] 72"/>
+              <p:cNvCxnSpPr>
+                <a:stCxn id="109" idx="3"/>
+                <a:endCxn id="108" idx="3"/>
+              </p:cNvCxnSpPr>
+              <p:nvPr/>
+            </p:nvCxnSpPr>
+            <p:spPr>
+              <a:xfrm flipV="1">
+                <a:off x="2851927" y="1288912"/>
+                <a:ext cx="1588" cy="445294"/>
+              </a:xfrm>
+              <a:prstGeom prst="bentConnector3">
+                <a:avLst>
+                  <a:gd name="adj1" fmla="val 8438413"/>
+                </a:avLst>
+              </a:prstGeom>
+              <a:ln w="0" algn="ctr">
+                <a:solidFill>
+                  <a:schemeClr val="tx1"/>
+                </a:solidFill>
+              </a:ln>
+            </p:spPr>
+            <p:style>
+              <a:lnRef idx="1">
+                <a:schemeClr val="accent2"/>
+              </a:lnRef>
+              <a:fillRef idx="0">
+                <a:schemeClr val="accent2"/>
+              </a:fillRef>
+              <a:effectRef idx="0">
+                <a:schemeClr val="accent2"/>
+              </a:effectRef>
+              <a:fontRef idx="minor">
+                <a:schemeClr val="tx1"/>
+              </a:fontRef>
+            </p:style>
+          </p:cxnSp>
+        </p:grpSp>
+        <p:sp>
+          <p:nvSpPr>
+            <p:cNvPr id="114" name="타원 113"/>
+            <p:cNvSpPr/>
+            <p:nvPr/>
+          </p:nvSpPr>
+          <p:spPr>
+            <a:xfrm>
+              <a:off x="705585" y="1494000"/>
+              <a:ext cx="36000" cy="36000"/>
+            </a:xfrm>
+            <a:prstGeom prst="ellipse">
+              <a:avLst/>
+            </a:prstGeom>
+            <a:noFill/>
+            <a:ln w="0" algn="ctr">
+              <a:solidFill>
+                <a:schemeClr val="tx1"/>
+              </a:solidFill>
+            </a:ln>
+          </p:spPr>
+          <p:style>
+            <a:lnRef idx="2">
+              <a:schemeClr val="accent1">
+                <a:shade val="20000"/>
+              </a:schemeClr>
+            </a:lnRef>
+            <a:fillRef idx="1">
+              <a:schemeClr val="accent1"/>
+            </a:fillRef>
+            <a:effectRef idx="0">
+              <a:schemeClr val="accent1"/>
+            </a:effectRef>
+            <a:fontRef idx="minor">
+              <a:schemeClr val="lt1"/>
+            </a:fontRef>
+          </p:style>
+          <p:txBody>
+            <a:bodyPr vert="horz" wrap="square" lIns="91440" tIns="45720" rIns="91440" bIns="45720" anchor="ctr">
+              <a:noAutofit/>
+            </a:bodyPr>
+            <a:lstStyle/>
+            <a:p>
+              <a:pPr algn="ctr">
+                <a:defRPr lang="ko-KR" altLang="en-US"/>
+              </a:pPr>
+              <a:endParaRPr lang="en-US" altLang="ko-KR">
+                <a:solidFill>
+                  <a:schemeClr val="tx1"/>
+                </a:solidFill>
+              </a:endParaRPr>
+            </a:p>
+          </p:txBody>
+        </p:sp>
+        <p:sp>
+          <p:nvSpPr>
+            <p:cNvPr id="115" name="타원 114"/>
+            <p:cNvSpPr/>
+            <p:nvPr/>
+          </p:nvSpPr>
+          <p:spPr>
+            <a:xfrm>
+              <a:off x="2985377" y="1494000"/>
+              <a:ext cx="36000" cy="36000"/>
+            </a:xfrm>
+            <a:prstGeom prst="ellipse">
+              <a:avLst/>
+            </a:prstGeom>
+            <a:noFill/>
+            <a:ln w="0" algn="ctr">
+              <a:solidFill>
+                <a:schemeClr val="tx1"/>
+              </a:solidFill>
+            </a:ln>
+          </p:spPr>
+          <p:style>
+            <a:lnRef idx="2">
+              <a:schemeClr val="accent1">
+                <a:shade val="20000"/>
+              </a:schemeClr>
+            </a:lnRef>
+            <a:fillRef idx="1">
+              <a:schemeClr val="accent1"/>
+            </a:fillRef>
+            <a:effectRef idx="0">
+              <a:schemeClr val="accent1"/>
+            </a:effectRef>
+            <a:fontRef idx="minor">
+              <a:schemeClr val="lt1"/>
+            </a:fontRef>
+          </p:style>
+          <p:txBody>
+            <a:bodyPr vert="horz" wrap="square" lIns="91440" tIns="45720" rIns="91440" bIns="45720" anchor="ctr">
+              <a:noAutofit/>
+            </a:bodyPr>
+            <a:lstStyle/>
+            <a:p>
+              <a:pPr algn="ctr">
+                <a:defRPr lang="ko-KR" altLang="en-US"/>
+              </a:pPr>
+              <a:endParaRPr lang="en-US" altLang="ko-KR">
+                <a:solidFill>
+                  <a:schemeClr val="tx1"/>
+                </a:solidFill>
+              </a:endParaRPr>
+            </a:p>
+          </p:txBody>
+        </p:sp>
+      </p:grpSp>
+      <p:cxnSp>
+        <p:nvCxnSpPr>
+          <p:cNvPr id="117" name="꺾인 연결선[E] 72"/>
+          <p:cNvCxnSpPr>
+            <a:endCxn id="115" idx="6"/>
+          </p:cNvCxnSpPr>
+          <p:nvPr/>
+        </p:nvCxnSpPr>
+        <p:spPr>
+          <a:xfrm rot="16200000" flipV="1">
+            <a:off x="3015996" y="1517380"/>
+            <a:ext cx="841293" cy="830532"/>
+          </a:xfrm>
+          <a:prstGeom prst="bentConnector2">
+            <a:avLst/>
+          </a:prstGeom>
+          <a:ln w="0" algn="ctr">
+            <a:solidFill>
+              <a:schemeClr val="tx1"/>
+            </a:solidFill>
+            <a:tailEnd type="triangle"/>
+          </a:ln>
+        </p:spPr>
+        <p:style>
+          <a:lnRef idx="1">
+            <a:schemeClr val="accent2"/>
+          </a:lnRef>
+          <a:fillRef idx="0">
+            <a:schemeClr val="accent2"/>
+          </a:fillRef>
+          <a:effectRef idx="0">
+            <a:schemeClr val="accent2"/>
+          </a:effectRef>
+          <a:fontRef idx="minor">
+            <a:schemeClr val="tx1"/>
+          </a:fontRef>
+        </p:style>
+      </p:cxnSp>
+      <p:cxnSp>
+        <p:nvCxnSpPr>
+          <p:cNvPr id="118" name="꺾인 연결선[E] 72"/>
+          <p:cNvCxnSpPr>
+            <a:stCxn id="63" idx="0"/>
+            <a:endCxn id="87" idx="2"/>
+          </p:cNvCxnSpPr>
+          <p:nvPr/>
+        </p:nvCxnSpPr>
+        <p:spPr>
+          <a:xfrm rot="5400000" flipH="1">
+            <a:off x="2434350" y="895350"/>
+            <a:ext cx="244594" cy="4034306"/>
+          </a:xfrm>
+          <a:prstGeom prst="bentConnector3">
+            <a:avLst>
+              <a:gd name="adj1" fmla="val 50000"/>
+            </a:avLst>
+          </a:prstGeom>
+          <a:ln w="0" algn="ctr">
+            <a:solidFill>
+              <a:schemeClr val="tx1"/>
+            </a:solidFill>
+            <a:tailEnd type="triangle"/>
+          </a:ln>
+        </p:spPr>
+        <p:style>
+          <a:lnRef idx="1">
+            <a:schemeClr val="accent2"/>
+          </a:lnRef>
+          <a:fillRef idx="0">
+            <a:schemeClr val="accent2"/>
+          </a:fillRef>
+          <a:effectRef idx="0">
+            <a:schemeClr val="accent2"/>
+          </a:effectRef>
+          <a:fontRef idx="minor">
+            <a:schemeClr val="tx1"/>
+          </a:fontRef>
+        </p:style>
+      </p:cxnSp>
+      <p:cxnSp>
+        <p:nvCxnSpPr>
+          <p:cNvPr id="119" name="직선 화살표 연결선 9"/>
+          <p:cNvCxnSpPr>
+            <a:stCxn id="87" idx="3"/>
+            <a:endCxn id="88" idx="1"/>
+          </p:cNvCxnSpPr>
+          <p:nvPr/>
+        </p:nvCxnSpPr>
+        <p:spPr>
+          <a:xfrm>
+            <a:off x="921613" y="2571750"/>
+            <a:ext cx="324042" cy="0"/>
+          </a:xfrm>
+          <a:prstGeom prst="straightConnector1">
+            <a:avLst/>
+          </a:prstGeom>
+          <a:ln w="0" algn="ctr">
+            <a:solidFill>
+              <a:schemeClr val="tx1"/>
+            </a:solidFill>
+            <a:tailEnd type="triangle"/>
+          </a:ln>
+        </p:spPr>
+        <p:style>
+          <a:lnRef idx="1">
+            <a:schemeClr val="accent2"/>
+          </a:lnRef>
+          <a:fillRef idx="0">
+            <a:schemeClr val="accent2"/>
+          </a:fillRef>
+          <a:effectRef idx="0">
+            <a:schemeClr val="accent2"/>
+          </a:effectRef>
+          <a:fontRef idx="minor">
+            <a:schemeClr val="tx1"/>
+          </a:fontRef>
+        </p:style>
+      </p:cxnSp>
+      <p:cxnSp>
+        <p:nvCxnSpPr>
+          <p:cNvPr id="120" name="직선 화살표 연결선 9"/>
+          <p:cNvCxnSpPr>
+            <a:stCxn id="88" idx="3"/>
+            <a:endCxn id="89" idx="1"/>
+          </p:cNvCxnSpPr>
+          <p:nvPr/>
+        </p:nvCxnSpPr>
+        <p:spPr>
+          <a:xfrm>
+            <a:off x="2527878" y="2571750"/>
+            <a:ext cx="257826" cy="0"/>
+          </a:xfrm>
+          <a:prstGeom prst="straightConnector1">
+            <a:avLst/>
+          </a:prstGeom>
+          <a:ln w="0" algn="ctr">
+            <a:solidFill>
+              <a:schemeClr val="tx1"/>
+            </a:solidFill>
+            <a:tailEnd type="triangle"/>
+          </a:ln>
+        </p:spPr>
+        <p:style>
+          <a:lnRef idx="1">
+            <a:schemeClr val="accent2"/>
+          </a:lnRef>
+          <a:fillRef idx="0">
+            <a:schemeClr val="accent2"/>
+          </a:fillRef>
+          <a:effectRef idx="0">
+            <a:schemeClr val="accent2"/>
+          </a:effectRef>
+          <a:fontRef idx="minor">
+            <a:schemeClr val="tx1"/>
+          </a:fontRef>
+        </p:style>
+      </p:cxnSp>
+      <p:cxnSp>
+        <p:nvCxnSpPr>
+          <p:cNvPr id="121" name="직선 화살표 연결선 9"/>
+          <p:cNvCxnSpPr>
+            <a:stCxn id="89" idx="3"/>
+            <a:endCxn id="90" idx="1"/>
+          </p:cNvCxnSpPr>
+          <p:nvPr/>
+        </p:nvCxnSpPr>
+        <p:spPr>
+          <a:xfrm>
+            <a:off x="4774096" y="2571750"/>
+            <a:ext cx="315896" cy="0"/>
+          </a:xfrm>
+          <a:prstGeom prst="straightConnector1">
+            <a:avLst/>
+          </a:prstGeom>
+          <a:ln w="0" algn="ctr">
+            <a:solidFill>
+              <a:schemeClr val="tx1"/>
+            </a:solidFill>
+            <a:tailEnd type="triangle"/>
+          </a:ln>
+        </p:spPr>
+        <p:style>
+          <a:lnRef idx="1">
+            <a:schemeClr val="accent2"/>
+          </a:lnRef>
+          <a:fillRef idx="0">
+            <a:schemeClr val="accent2"/>
+          </a:fillRef>
+          <a:effectRef idx="0">
+            <a:schemeClr val="accent2"/>
+          </a:effectRef>
+          <a:fontRef idx="minor">
+            <a:schemeClr val="tx1"/>
+          </a:fontRef>
+        </p:style>
+      </p:cxnSp>
+      <p:cxnSp>
+        <p:nvCxnSpPr>
+          <p:cNvPr id="122" name="직선 화살표 연결선 9"/>
+          <p:cNvCxnSpPr>
+            <a:stCxn id="90" idx="3"/>
+            <a:endCxn id="91" idx="1"/>
+          </p:cNvCxnSpPr>
+          <p:nvPr/>
+        </p:nvCxnSpPr>
+        <p:spPr>
+          <a:xfrm flipV="1">
+            <a:off x="6790348" y="2571749"/>
+            <a:ext cx="275702" cy="1"/>
+          </a:xfrm>
+          <a:prstGeom prst="straightConnector1">
+            <a:avLst/>
+          </a:prstGeom>
+          <a:ln w="0" algn="ctr">
+            <a:solidFill>
+              <a:schemeClr val="tx1"/>
+            </a:solidFill>
+            <a:tailEnd type="triangle"/>
+          </a:ln>
+        </p:spPr>
+        <p:style>
+          <a:lnRef idx="1">
+            <a:schemeClr val="accent2"/>
+          </a:lnRef>
+          <a:fillRef idx="0">
+            <a:schemeClr val="accent2"/>
+          </a:fillRef>
+          <a:effectRef idx="0">
+            <a:schemeClr val="accent2"/>
+          </a:effectRef>
+          <a:fontRef idx="minor">
+            <a:schemeClr val="tx1"/>
+          </a:fontRef>
+        </p:style>
+      </p:cxnSp>
+      <p:cxnSp>
+        <p:nvCxnSpPr>
+          <p:cNvPr id="123" name="꺾인 연결선[E] 72"/>
+          <p:cNvCxnSpPr>
+            <a:stCxn id="91" idx="3"/>
+            <a:endCxn id="99" idx="2"/>
+          </p:cNvCxnSpPr>
+          <p:nvPr/>
+        </p:nvCxnSpPr>
+        <p:spPr>
+          <a:xfrm flipH="1" flipV="1">
+            <a:off x="7762468" y="2113841"/>
+            <a:ext cx="652272" cy="457908"/>
+          </a:xfrm>
+          <a:prstGeom prst="bentConnector4">
+            <a:avLst>
+              <a:gd name="adj1" fmla="val -21681"/>
+              <a:gd name="adj2" fmla="val 62287"/>
+            </a:avLst>
+          </a:prstGeom>
+          <a:ln w="0" algn="ctr">
+            <a:solidFill>
+              <a:schemeClr val="tx1"/>
+            </a:solidFill>
+            <a:tailEnd type="triangle"/>
+          </a:ln>
+        </p:spPr>
+        <p:style>
+          <a:lnRef idx="1">
+            <a:schemeClr val="accent2"/>
+          </a:lnRef>
+          <a:fillRef idx="0">
+            <a:schemeClr val="accent2"/>
+          </a:fillRef>
+          <a:effectRef idx="0">
+            <a:schemeClr val="accent2"/>
+          </a:effectRef>
+          <a:fontRef idx="minor">
+            <a:schemeClr val="tx1"/>
+          </a:fontRef>
+        </p:style>
+      </p:cxnSp>
+      <p:cxnSp>
+        <p:nvCxnSpPr>
+          <p:cNvPr id="124" name="직선 화살표 연결선 9"/>
+          <p:cNvCxnSpPr>
+            <a:stCxn id="99" idx="0"/>
+            <a:endCxn id="101" idx="2"/>
+          </p:cNvCxnSpPr>
+          <p:nvPr/>
+        </p:nvCxnSpPr>
+        <p:spPr>
+          <a:xfrm rot="16200000">
+            <a:off x="7485507" y="1543986"/>
+            <a:ext cx="553922" cy="0"/>
+          </a:xfrm>
+          <a:prstGeom prst="straightConnector1">
+            <a:avLst/>
+          </a:prstGeom>
+          <a:ln w="0" algn="ctr">
+            <a:solidFill>
+              <a:schemeClr val="tx1"/>
+            </a:solidFill>
+            <a:tailEnd type="triangle"/>
+          </a:ln>
+        </p:spPr>
+        <p:style>
+          <a:lnRef idx="1">
+            <a:schemeClr val="accent2"/>
+          </a:lnRef>
+          <a:fillRef idx="0">
+            <a:schemeClr val="accent2"/>
+          </a:fillRef>
+          <a:effectRef idx="0">
+            <a:schemeClr val="accent2"/>
+          </a:effectRef>
+          <a:fontRef idx="minor">
+            <a:schemeClr val="tx1"/>
+          </a:fontRef>
+        </p:style>
+      </p:cxnSp>
+      <p:cxnSp>
+        <p:nvCxnSpPr>
+          <p:cNvPr id="126" name="꺾인 연결선[E] 72"/>
+          <p:cNvCxnSpPr>
+            <a:stCxn id="133" idx="0"/>
+            <a:endCxn id="106" idx="3"/>
+          </p:cNvCxnSpPr>
+          <p:nvPr/>
+        </p:nvCxnSpPr>
+        <p:spPr>
+          <a:xfrm rot="5400000" flipH="1">
+            <a:off x="7398040" y="194917"/>
+            <a:ext cx="125777" cy="563756"/>
+          </a:xfrm>
+          <a:prstGeom prst="bentConnector2">
+            <a:avLst/>
+          </a:prstGeom>
+          <a:ln w="3175" algn="ctr">
+            <a:solidFill>
+              <a:schemeClr val="tx1"/>
+            </a:solidFill>
+            <a:tailEnd type="triangle"/>
+          </a:ln>
+        </p:spPr>
+        <p:style>
+          <a:lnRef idx="1">
+            <a:schemeClr val="accent2"/>
+          </a:lnRef>
+          <a:fillRef idx="0">
+            <a:schemeClr val="accent2"/>
+          </a:fillRef>
+          <a:effectRef idx="0">
+            <a:schemeClr val="accent2"/>
+          </a:effectRef>
+          <a:fontRef idx="minor">
+            <a:schemeClr val="tx1"/>
+          </a:fontRef>
+        </p:style>
+      </p:cxnSp>
+      <p:cxnSp>
+        <p:nvCxnSpPr>
+          <p:cNvPr id="127" name="꺾인 연결선[E] 72"/>
+          <p:cNvCxnSpPr>
+            <a:stCxn id="106" idx="1"/>
+            <a:endCxn id="132" idx="0"/>
+          </p:cNvCxnSpPr>
+          <p:nvPr/>
+        </p:nvCxnSpPr>
+        <p:spPr>
+          <a:xfrm flipH="1">
+            <a:off x="4572000" y="413908"/>
+            <a:ext cx="618661" cy="125776"/>
+          </a:xfrm>
+          <a:prstGeom prst="bentConnector2">
+            <a:avLst/>
+          </a:prstGeom>
+          <a:ln w="3175" algn="ctr">
+            <a:solidFill>
+              <a:schemeClr val="tx1"/>
+            </a:solidFill>
+            <a:tailEnd type="triangle"/>
+          </a:ln>
+        </p:spPr>
+        <p:style>
+          <a:lnRef idx="1">
+            <a:schemeClr val="accent2"/>
+          </a:lnRef>
+          <a:fillRef idx="0">
+            <a:schemeClr val="accent2"/>
+          </a:fillRef>
+          <a:effectRef idx="0">
+            <a:schemeClr val="accent2"/>
+          </a:effectRef>
+          <a:fontRef idx="minor">
+            <a:schemeClr val="tx1"/>
+          </a:fontRef>
+        </p:style>
+      </p:cxnSp>
+      <p:sp>
+        <p:nvSpPr>
+          <p:cNvPr id="128" name="직사각형 7"/>
+          <p:cNvSpPr/>
+          <p:nvPr/>
+        </p:nvSpPr>
+        <p:spPr>
+          <a:xfrm>
+            <a:off x="3563874" y="4443984"/>
+            <a:ext cx="922185" cy="154795"/>
+          </a:xfrm>
+          <a:prstGeom prst="rect">
+            <a:avLst/>
+          </a:prstGeom>
+          <a:ln w="0" algn="ctr">
+            <a:solidFill>
+              <a:schemeClr val="tx1"/>
+            </a:solidFill>
+          </a:ln>
+        </p:spPr>
+        <p:style>
+          <a:lnRef idx="2">
+            <a:schemeClr val="accent6"/>
+          </a:lnRef>
+          <a:fillRef idx="1">
+            <a:schemeClr val="lt1"/>
+          </a:fillRef>
+          <a:effectRef idx="0">
+            <a:schemeClr val="accent6"/>
+          </a:effectRef>
+          <a:fontRef idx="minor">
+            <a:schemeClr val="dk1"/>
+          </a:fontRef>
+        </p:style>
+        <p:txBody>
+          <a:bodyPr vert="horz" wrap="square" lIns="91440" tIns="45720" rIns="91440" bIns="45720" anchor="ctr">
+            <a:noAutofit/>
+          </a:bodyPr>
+          <a:lstStyle/>
+          <a:p>
+            <a:pPr algn="ctr">
+              <a:defRPr lang="ko-KR" altLang="en-US"/>
+            </a:pPr>
+            <a:r>
+              <a:rPr lang="en-US" altLang="ko-KR" sz="700">
+                <a:solidFill>
+                  <a:schemeClr val="tx1"/>
+                </a:solidFill>
+              </a:rPr>
+              <a:t>&lt;RabbitMQ&gt;</a:t>
+            </a:r>
+            <a:endParaRPr lang="en-US" altLang="ko-KR" sz="700">
+              <a:solidFill>
+                <a:schemeClr val="tx1"/>
+              </a:solidFill>
+            </a:endParaRPr>
+          </a:p>
+        </p:txBody>
+      </p:sp>
+      <p:sp>
+        <p:nvSpPr>
+          <p:cNvPr id="129" name="직사각형 7"/>
+          <p:cNvSpPr/>
+          <p:nvPr/>
+        </p:nvSpPr>
+        <p:spPr>
+          <a:xfrm>
+            <a:off x="7250264" y="2704990"/>
+            <a:ext cx="922185" cy="154795"/>
+          </a:xfrm>
+          <a:prstGeom prst="rect">
+            <a:avLst/>
+          </a:prstGeom>
+          <a:noFill/>
+          <a:ln w="0" algn="ctr">
+            <a:solidFill>
+              <a:schemeClr val="tx1"/>
+            </a:solidFill>
+          </a:ln>
+        </p:spPr>
+        <p:style>
+          <a:lnRef idx="2">
+            <a:schemeClr val="accent6"/>
+          </a:lnRef>
+          <a:fillRef idx="1">
+            <a:schemeClr val="lt1"/>
+          </a:fillRef>
+          <a:effectRef idx="0">
+            <a:schemeClr val="accent6"/>
+          </a:effectRef>
+          <a:fontRef idx="minor">
+            <a:schemeClr val="dk1"/>
+          </a:fontRef>
+        </p:style>
+        <p:txBody>
+          <a:bodyPr vert="horz" wrap="square" lIns="91440" tIns="45720" rIns="91440" bIns="45720" anchor="ctr">
+            <a:noAutofit/>
+          </a:bodyPr>
+          <a:lstStyle/>
+          <a:p>
+            <a:pPr algn="ctr">
+              <a:defRPr lang="ko-KR" altLang="en-US"/>
+            </a:pPr>
+            <a:r>
+              <a:rPr lang="en-US" altLang="ko-KR" sz="700">
+                <a:solidFill>
+                  <a:schemeClr val="tx1"/>
+                </a:solidFill>
+              </a:rPr>
+              <a:t>&lt;RabbitMQ&gt;</a:t>
+            </a:r>
+            <a:endParaRPr lang="en-US" altLang="ko-KR" sz="700">
+              <a:solidFill>
+                <a:schemeClr val="tx1"/>
+              </a:solidFill>
+            </a:endParaRPr>
+          </a:p>
+        </p:txBody>
+      </p:sp>
+      <p:sp>
+        <p:nvSpPr>
+          <p:cNvPr id="91" name="오각형[P] 68"/>
+          <p:cNvSpPr/>
+          <p:nvPr/>
+        </p:nvSpPr>
+        <p:spPr>
+          <a:xfrm>
+            <a:off x="7066050" y="2460873"/>
+            <a:ext cx="1348691" cy="221752"/>
+          </a:xfrm>
+          <a:prstGeom prst="homePlate">
+            <a:avLst>
+              <a:gd name="adj" fmla="val 50000"/>
+            </a:avLst>
+          </a:prstGeom>
+          <a:solidFill>
+            <a:schemeClr val="accent1">
+              <a:lumMod val="10000"/>
+              <a:lumOff val="90000"/>
+            </a:schemeClr>
+          </a:solidFill>
+          <a:ln w="0" algn="ctr">
+            <a:solidFill>
+              <a:schemeClr val="tx1"/>
+            </a:solidFill>
+          </a:ln>
+        </p:spPr>
+        <p:style>
+          <a:lnRef idx="2">
+            <a:schemeClr val="accent6"/>
+          </a:lnRef>
+          <a:fillRef idx="1">
+            <a:schemeClr val="lt1"/>
+          </a:fillRef>
+          <a:effectRef idx="0">
+            <a:schemeClr val="accent6"/>
+          </a:effectRef>
+          <a:fontRef idx="minor">
+            <a:schemeClr val="dk1"/>
+          </a:fontRef>
+        </p:style>
+        <p:txBody>
+          <a:bodyPr vert="horz" wrap="square" lIns="91440" tIns="45720" rIns="91440" bIns="45720" anchor="ctr">
+            <a:noAutofit/>
+          </a:bodyPr>
+          <a:lstStyle/>
+          <a:p>
+            <a:pPr algn="ctr">
+              <a:defRPr lang="ko-KR" altLang="en-US"/>
+            </a:pPr>
+            <a:r>
+              <a:rPr lang="en-US" altLang="ko-KR" sz="1000">
+                <a:solidFill>
+                  <a:schemeClr val="tx1"/>
+                </a:solidFill>
+                <a:cs typeface="함초롬돋움"/>
+              </a:rPr>
+              <a:t>queue.deal.sticker</a:t>
+            </a:r>
+            <a:endParaRPr lang="en-US" altLang="ko-KR" sz="1000">
+              <a:solidFill>
+                <a:schemeClr val="tx1"/>
+              </a:solidFill>
+              <a:cs typeface="함초롬돋움"/>
+            </a:endParaRPr>
+          </a:p>
+        </p:txBody>
+      </p:sp>
+      <p:sp>
+        <p:nvSpPr>
+          <p:cNvPr id="104" name="직사각형 7"/>
+          <p:cNvSpPr/>
+          <p:nvPr/>
+        </p:nvSpPr>
+        <p:spPr>
+          <a:xfrm>
+            <a:off x="4090809" y="1120578"/>
+            <a:ext cx="962381" cy="146447"/>
+          </a:xfrm>
+          <a:prstGeom prst="rect">
+            <a:avLst/>
+          </a:prstGeom>
+          <a:noFill/>
+          <a:ln w="0" algn="ctr">
+            <a:solidFill>
+              <a:schemeClr val="tx1"/>
+            </a:solidFill>
+          </a:ln>
+        </p:spPr>
+        <p:style>
+          <a:lnRef idx="2">
+            <a:schemeClr val="accent6"/>
+          </a:lnRef>
+          <a:fillRef idx="1">
+            <a:schemeClr val="lt1"/>
+          </a:fillRef>
+          <a:effectRef idx="0">
+            <a:schemeClr val="accent6"/>
+          </a:effectRef>
+          <a:fontRef idx="minor">
+            <a:schemeClr val="dk1"/>
+          </a:fontRef>
+        </p:style>
+        <p:txBody>
+          <a:bodyPr vert="horz" wrap="square" lIns="91440" tIns="45720" rIns="91440" bIns="45720" anchor="ctr">
+            <a:noAutofit/>
+          </a:bodyPr>
+          <a:lstStyle/>
+          <a:p>
+            <a:pPr algn="ctr">
+              <a:defRPr lang="ko-KR" altLang="en-US"/>
+            </a:pPr>
+            <a:r>
+              <a:rPr lang="ko-KR" altLang="en-US" sz="1000">
+                <a:solidFill>
+                  <a:schemeClr val="tx1"/>
+                </a:solidFill>
+              </a:rPr>
+              <a:t>딜인포 버킷</a:t>
+            </a:r>
+            <a:endParaRPr lang="ko-KR" altLang="en-US" sz="1000">
+              <a:solidFill>
+                <a:schemeClr val="tx1"/>
+              </a:solidFill>
+            </a:endParaRPr>
+          </a:p>
+        </p:txBody>
+      </p:sp>
+      <p:pic>
+        <p:nvPicPr>
+          <p:cNvPr id="132" name="그림 131"/>
+          <p:cNvPicPr>
+            <a:picLocks noChangeAspect="1"/>
+          </p:cNvPicPr>
+          <p:nvPr/>
+        </p:nvPicPr>
+        <p:blipFill rotWithShape="1">
+          <a:blip r:embed="rId2"/>
+          <a:stretch>
+            <a:fillRect/>
+          </a:stretch>
+        </p:blipFill>
+        <p:spPr>
+          <a:xfrm>
+            <a:off x="4281553" y="539684"/>
+            <a:ext cx="580894" cy="580894"/>
+          </a:xfrm>
+          <a:prstGeom prst="rect">
+            <a:avLst/>
+          </a:prstGeom>
+        </p:spPr>
+      </p:pic>
+      <p:pic>
+        <p:nvPicPr>
+          <p:cNvPr id="133" name="그림 132"/>
+          <p:cNvPicPr>
+            <a:picLocks noChangeAspect="1"/>
+          </p:cNvPicPr>
+          <p:nvPr/>
+        </p:nvPicPr>
+        <p:blipFill rotWithShape="1">
+          <a:blip r:embed="rId2"/>
+          <a:stretch>
+            <a:fillRect/>
+          </a:stretch>
+        </p:blipFill>
+        <p:spPr>
+          <a:xfrm>
+            <a:off x="7452360" y="539684"/>
+            <a:ext cx="580894" cy="580894"/>
+          </a:xfrm>
+          <a:prstGeom prst="rect">
+            <a:avLst/>
+          </a:prstGeom>
+        </p:spPr>
+      </p:pic>
+      <p:sp>
+        <p:nvSpPr>
+          <p:cNvPr id="101" name="직사각형 7"/>
+          <p:cNvSpPr/>
+          <p:nvPr/>
+        </p:nvSpPr>
+        <p:spPr>
+          <a:xfrm>
+            <a:off x="7281278" y="1120578"/>
+            <a:ext cx="962381" cy="146447"/>
+          </a:xfrm>
+          <a:prstGeom prst="rect">
+            <a:avLst/>
+          </a:prstGeom>
+          <a:noFill/>
+          <a:ln w="0" algn="ctr">
+            <a:solidFill>
+              <a:schemeClr val="tx1"/>
+            </a:solidFill>
+          </a:ln>
+        </p:spPr>
+        <p:style>
+          <a:lnRef idx="2">
+            <a:schemeClr val="accent6"/>
+          </a:lnRef>
+          <a:fillRef idx="1">
+            <a:schemeClr val="lt1"/>
+          </a:fillRef>
+          <a:effectRef idx="0">
+            <a:schemeClr val="accent6"/>
+          </a:effectRef>
+          <a:fontRef idx="minor">
+            <a:schemeClr val="dk1"/>
+          </a:fontRef>
+        </p:style>
+        <p:txBody>
+          <a:bodyPr vert="horz" wrap="square" lIns="91440" tIns="45720" rIns="91440" bIns="45720" anchor="ctr">
+            <a:noAutofit/>
+          </a:bodyPr>
+          <a:lstStyle/>
+          <a:p>
+            <a:pPr algn="ctr">
+              <a:defRPr lang="ko-KR" altLang="en-US"/>
+            </a:pPr>
+            <a:r>
+              <a:rPr lang="ko-KR" altLang="en-US" sz="1000">
+                <a:solidFill>
+                  <a:schemeClr val="tx1"/>
+                </a:solidFill>
+              </a:rPr>
+              <a:t>스티커 버킷</a:t>
+            </a:r>
+            <a:endParaRPr lang="ko-KR" altLang="en-US" sz="1000">
+              <a:solidFill>
+                <a:schemeClr val="tx1"/>
+              </a:solidFill>
+            </a:endParaRPr>
+          </a:p>
+        </p:txBody>
+      </p:sp>
+    </p:spTree>
+  </p:cSld>
+  <p:clrMapOvr>
+    <a:masterClrMapping/>
+  </p:clrMapOvr>
+  <mc:AlternateContent xmlns:mc="http://schemas.openxmlformats.org/markup-compatibility/2006">
+    <mc:Choice xmlns:p14="http://schemas.microsoft.com/office/powerpoint/2010/main" Requires="p14">
+      <p:transition xmlns:mc="http://schemas.openxmlformats.org/markup-compatibility/2006" xmlns:p14="http://schemas.microsoft.com/office/powerpoint/2010/main" mc:Ignorable="p14" p14:dur="500"/>
+    </mc:Choice>
+    <mc:Fallback>
+      <p:transition/>
+    </mc:Fallback>
+  </mc:AlternateContent>
+</p:sld>
+</file>
+
+<file path=ppt/slides/slide7.xml><?xml version="1.0" encoding="utf-8"?>
+<p:sld xmlns:r="http://schemas.openxmlformats.org/officeDocument/2006/relationships" xmlns:c="http://schemas.openxmlformats.org/drawingml/2006/chart" xmlns:a="http://schemas.openxmlformats.org/drawingml/2006/main" xmlns:dgm="http://schemas.openxmlformats.org/drawingml/2006/diagram" xmlns:dsp="http://schemas.microsoft.com/office/drawing/2008/diagram" xmlns:p="http://schemas.openxmlformats.org/presentationml/2006/main">
+  <p:cSld>
+    <p:spTree>
+      <p:nvGrpSpPr>
+        <p:cNvPr id="1" name=""/>
+        <p:cNvGrpSpPr/>
+        <p:nvPr/>
+      </p:nvGrpSpPr>
+      <p:grpSpPr>
+        <a:xfrm>
+          <a:off x="0" y="0"/>
+          <a:ext cx="0" cy="0"/>
+          <a:chOff x="0" y="0"/>
+          <a:chExt cx="0" cy="0"/>
+        </a:xfrm>
+      </p:grpSpPr>
+      <p:sp>
+        <p:nvSpPr>
+          <p:cNvPr id="80" name="직사각형 7"/>
+          <p:cNvSpPr/>
+          <p:nvPr/>
+        </p:nvSpPr>
+        <p:spPr>
+          <a:xfrm>
+            <a:off x="4572000" y="3918442"/>
+            <a:ext cx="950047" cy="146447"/>
+          </a:xfrm>
+          <a:prstGeom prst="rect">
+            <a:avLst/>
+          </a:prstGeom>
+          <a:ln w="3175" algn="ctr">
+            <a:noFill/>
+          </a:ln>
+        </p:spPr>
+        <p:style>
+          <a:lnRef idx="2">
+            <a:schemeClr val="accent6"/>
+          </a:lnRef>
+          <a:fillRef idx="1">
+            <a:schemeClr val="lt1"/>
+          </a:fillRef>
+          <a:effectRef idx="0">
+            <a:schemeClr val="accent6"/>
+          </a:effectRef>
+          <a:fontRef idx="minor">
+            <a:schemeClr val="dk1"/>
+          </a:fontRef>
+        </p:style>
+        <p:txBody>
+          <a:bodyPr vert="horz" wrap="square" lIns="91440" tIns="45720" rIns="91440" bIns="45720" anchor="ctr">
+            <a:noAutofit/>
+          </a:bodyPr>
+          <a:lstStyle/>
+          <a:p>
+            <a:pPr algn="ctr">
+              <a:defRPr lang="ko-KR" altLang="en-US"/>
+            </a:pPr>
+            <a:r>
+              <a:rPr lang="en-US" altLang="ko-KR" sz="1000">
+                <a:solidFill>
+                  <a:schemeClr val="bg1">
+                    <a:lumMod val="70000"/>
+                  </a:schemeClr>
+                </a:solidFill>
+              </a:rPr>
+              <a:t>listener</a:t>
+            </a:r>
+            <a:endParaRPr lang="en-US" altLang="ko-KR" sz="1000">
+              <a:solidFill>
+                <a:schemeClr val="bg1">
+                  <a:lumMod val="70000"/>
+                </a:schemeClr>
+              </a:solidFill>
+            </a:endParaRPr>
+          </a:p>
+        </p:txBody>
+      </p:sp>
+      <p:sp>
+        <p:nvSpPr>
+          <p:cNvPr id="4" name="TextBox 3"/>
+          <p:cNvSpPr txBox="1"/>
+          <p:nvPr/>
+        </p:nvSpPr>
+        <p:spPr>
+          <a:xfrm>
+            <a:off x="323465" y="191256"/>
+            <a:ext cx="3528445" cy="359289"/>
+          </a:xfrm>
+          <a:prstGeom prst="rect">
+            <a:avLst/>
+          </a:prstGeom>
+        </p:spPr>
+        <p:txBody>
+          <a:bodyPr wrap="square">
+            <a:spAutoFit/>
+          </a:bodyPr>
+          <a:lstStyle/>
+          <a:p>
+            <a:pPr>
+              <a:defRPr lang="ko-KR" altLang="en-US"/>
+            </a:pPr>
+            <a:r>
+              <a:rPr lang="ko-KR" altLang="en-US" b="1"/>
+              <a:t>썸네일 스티커 </a:t>
+            </a:r>
+            <a:r>
+              <a:rPr lang="en-US" altLang="ko-KR" b="1"/>
+              <a:t>Legacy </a:t>
+            </a:r>
+            <a:r>
+              <a:rPr lang="ko-KR" altLang="en-US" b="1"/>
+              <a:t>구조 개선</a:t>
+            </a:r>
+            <a:endParaRPr lang="ko-KR" altLang="en-US" b="1"/>
+          </a:p>
+        </p:txBody>
+      </p:sp>
+      <p:sp>
+        <p:nvSpPr>
+          <p:cNvPr id="63" name="직사각형 7"/>
+          <p:cNvSpPr/>
+          <p:nvPr/>
+        </p:nvSpPr>
+        <p:spPr>
+          <a:xfrm>
+            <a:off x="3592800" y="3034800"/>
+            <a:ext cx="1962000" cy="291600"/>
+          </a:xfrm>
+          <a:prstGeom prst="rect">
+            <a:avLst/>
+          </a:prstGeom>
+          <a:noFill/>
+          <a:ln w="0" algn="ctr">
+            <a:solidFill>
+              <a:schemeClr val="bg1">
+                <a:lumMod val="70000"/>
+              </a:schemeClr>
+            </a:solidFill>
+          </a:ln>
+        </p:spPr>
+        <p:style>
+          <a:lnRef idx="2">
+            <a:schemeClr val="accent6"/>
+          </a:lnRef>
+          <a:fillRef idx="1">
+            <a:schemeClr val="lt1"/>
+          </a:fillRef>
+          <a:effectRef idx="0">
+            <a:schemeClr val="accent6"/>
+          </a:effectRef>
+          <a:fontRef idx="minor">
+            <a:schemeClr val="dk1"/>
+          </a:fontRef>
+        </p:style>
+        <p:txBody>
+          <a:bodyPr vert="horz" wrap="square" lIns="91440" tIns="45720" rIns="91440" bIns="45720" anchor="ctr">
+            <a:noAutofit/>
+          </a:bodyPr>
+          <a:lstStyle/>
+          <a:p>
+            <a:pPr algn="ctr">
+              <a:defRPr lang="ko-KR" altLang="en-US"/>
+            </a:pPr>
+            <a:r>
+              <a:rPr lang="en-US" altLang="ko-KR" sz="1000" b="1">
+                <a:solidFill>
                   <a:schemeClr val="bg1">
                     <a:lumMod val="70000"/>
                   </a:schemeClr>
@@ -18449,6 +24002,13 @@
               </a:rPr>
               <a:t>service_tmon_marketing_api</a:t>
             </a:r>
+            <a:endParaRPr lang="en-US" altLang="ko-KR" sz="1000" b="1">
+              <a:solidFill>
+                <a:schemeClr val="bg1">
+                  <a:lumMod val="70000"/>
+                </a:schemeClr>
+              </a:solidFill>
+            </a:endParaRPr>
           </a:p>
         </p:txBody>
       </p:sp>
@@ -18459,7 +24019,7 @@
           <p:nvPr/>
         </p:nvGrpSpPr>
         <p:grpSpPr>
-          <a:xfrm>
+          <a:xfrm rot="0">
             <a:off x="181876" y="3034538"/>
             <a:ext cx="576072" cy="566912"/>
             <a:chOff x="181876" y="2425303"/>
@@ -18521,6 +24081,13 @@
                 </a:rPr>
                 <a:t>어드민</a:t>
               </a:r>
+              <a:endParaRPr lang="ko-KR" altLang="en-US" sz="1000">
+                <a:solidFill>
+                  <a:schemeClr val="bg1">
+                    <a:lumMod val="70000"/>
+                  </a:schemeClr>
+                </a:solidFill>
+              </a:endParaRPr>
             </a:p>
           </p:txBody>
         </p:sp>
@@ -18667,6 +24234,13 @@
               </a:rPr>
               <a:t>1. 카테고리에 카테고리 번호 추가</a:t>
             </a:r>
+            <a:endParaRPr lang="ko-KR" altLang="en-US" sz="900">
+              <a:solidFill>
+                <a:schemeClr val="bg1">
+                  <a:lumMod val="70000"/>
+                </a:schemeClr>
+              </a:solidFill>
+            </a:endParaRPr>
           </a:p>
           <a:p>
             <a:pPr>
@@ -18682,6 +24256,13 @@
               </a:rPr>
               <a:t>2. 딜팩에 딜팩 번호 추가</a:t>
             </a:r>
+            <a:endParaRPr lang="ko-KR" altLang="en-US" sz="900">
+              <a:solidFill>
+                <a:schemeClr val="bg1">
+                  <a:lumMod val="70000"/>
+                </a:schemeClr>
+              </a:solidFill>
+            </a:endParaRPr>
           </a:p>
           <a:p>
             <a:pPr>
@@ -18697,6 +24278,13 @@
               </a:rPr>
               <a:t>3. 제외 딜팩에 딜팩 번호 추가</a:t>
             </a:r>
+            <a:endParaRPr lang="ko-KR" altLang="en-US" sz="900">
+              <a:solidFill>
+                <a:schemeClr val="bg1">
+                  <a:lumMod val="70000"/>
+                </a:schemeClr>
+              </a:solidFill>
+            </a:endParaRPr>
           </a:p>
           <a:p>
             <a:pPr>
@@ -18712,6 +24300,13 @@
               </a:rPr>
               <a:t>4. 스티커 정보 수정</a:t>
             </a:r>
+            <a:endParaRPr lang="ko-KR" altLang="en-US" sz="900">
+              <a:solidFill>
+                <a:schemeClr val="bg1">
+                  <a:lumMod val="70000"/>
+                </a:schemeClr>
+              </a:solidFill>
+            </a:endParaRPr>
           </a:p>
         </p:txBody>
       </p:sp>
@@ -18766,6 +24361,13 @@
               </a:rPr>
               <a:t>딜코어 파트에서 </a:t>
             </a:r>
+            <a:endParaRPr lang="ko-KR" altLang="en-US" sz="900">
+              <a:solidFill>
+                <a:schemeClr val="bg1">
+                  <a:lumMod val="70000"/>
+                </a:schemeClr>
+              </a:solidFill>
+            </a:endParaRPr>
           </a:p>
           <a:p>
             <a:pPr algn="ctr">
@@ -18781,6 +24383,13 @@
               </a:rPr>
               <a:t>딜팩 변경 이벤트 발생</a:t>
             </a:r>
+            <a:endParaRPr lang="ko-KR" altLang="en-US" sz="900">
+              <a:solidFill>
+                <a:schemeClr val="bg1">
+                  <a:lumMod val="70000"/>
+                </a:schemeClr>
+              </a:solidFill>
+            </a:endParaRPr>
           </a:p>
         </p:txBody>
       </p:sp>
@@ -18835,6 +24444,13 @@
               </a:rPr>
               <a:t>딜코어</a:t>
             </a:r>
+            <a:endParaRPr lang="ko-KR" altLang="en-US" sz="1000">
+              <a:solidFill>
+                <a:schemeClr val="bg1">
+                  <a:lumMod val="70000"/>
+                </a:schemeClr>
+              </a:solidFill>
+            </a:endParaRPr>
           </a:p>
         </p:txBody>
       </p:sp>
@@ -19055,7 +24671,7 @@
           <p:nvPr/>
         </p:nvGrpSpPr>
         <p:grpSpPr>
-          <a:xfrm>
+          <a:xfrm rot="0">
             <a:off x="7596378" y="4302116"/>
             <a:ext cx="576072" cy="566913"/>
             <a:chOff x="181876" y="2425303"/>
@@ -19117,6 +24733,13 @@
                 </a:rPr>
                 <a:t>배치</a:t>
               </a:r>
+              <a:endParaRPr lang="ko-KR" altLang="en-US" sz="1000">
+                <a:solidFill>
+                  <a:schemeClr val="bg1">
+                    <a:lumMod val="70000"/>
+                  </a:schemeClr>
+                </a:solidFill>
+              </a:endParaRPr>
             </a:p>
           </p:txBody>
         </p:sp>
@@ -19265,6 +24888,13 @@
               </a:rPr>
               <a:t>기간이 지난 스티커 정보에 </a:t>
             </a:r>
+            <a:endParaRPr lang="ko-KR" altLang="en-US" sz="900">
+              <a:solidFill>
+                <a:schemeClr val="bg1">
+                  <a:lumMod val="70000"/>
+                </a:schemeClr>
+              </a:solidFill>
+            </a:endParaRPr>
           </a:p>
           <a:p>
             <a:pPr algn="ctr">
@@ -19280,6 +24910,13 @@
               </a:rPr>
               <a:t>대해서 노출 제거하는 5분 배치</a:t>
             </a:r>
+            <a:endParaRPr lang="ko-KR" altLang="en-US" sz="900">
+              <a:solidFill>
+                <a:schemeClr val="bg1">
+                  <a:lumMod val="70000"/>
+                </a:schemeClr>
+              </a:solidFill>
+            </a:endParaRPr>
           </a:p>
         </p:txBody>
       </p:sp>
@@ -19338,6 +24975,13 @@
               </a:rPr>
               <a:t>딜 리스트</a:t>
             </a:r>
+            <a:endParaRPr lang="ko-KR" altLang="en-US" sz="1000">
+              <a:solidFill>
+                <a:schemeClr val="bg1">
+                  <a:lumMod val="70000"/>
+                </a:schemeClr>
+              </a:solidFill>
+            </a:endParaRPr>
           </a:p>
           <a:p>
             <a:pPr algn="ctr">
@@ -19353,6 +24997,13 @@
               </a:rPr>
               <a:t>획득</a:t>
             </a:r>
+            <a:endParaRPr lang="ko-KR" altLang="en-US" sz="1000">
+              <a:solidFill>
+                <a:schemeClr val="bg1">
+                  <a:lumMod val="70000"/>
+                </a:schemeClr>
+              </a:solidFill>
+            </a:endParaRPr>
           </a:p>
         </p:txBody>
       </p:sp>
@@ -19402,7 +25053,7 @@
               <a:defRPr lang="ko-KR" altLang="en-US"/>
             </a:pPr>
             <a:r>
-              <a:rPr lang="en-US" altLang="ko-KR" sz="1000" dirty="0">
+              <a:rPr lang="en-US" altLang="ko-KR" sz="1000">
                 <a:solidFill>
                   <a:schemeClr val="bg1">
                     <a:lumMod val="70000"/>
@@ -19412,7 +25063,7 @@
               <a:t>DB</a:t>
             </a:r>
             <a:r>
-              <a:rPr lang="ko-KR" altLang="en-US" sz="1000" dirty="0">
+              <a:rPr lang="ko-KR" altLang="en-US" sz="1000">
                 <a:solidFill>
                   <a:schemeClr val="bg1">
                     <a:lumMod val="70000"/>
@@ -19421,32 +25072,29 @@
               </a:rPr>
               <a:t>에서 유효한 </a:t>
             </a:r>
+            <a:endParaRPr lang="ko-KR" altLang="en-US" sz="1000">
+              <a:solidFill>
+                <a:schemeClr val="bg1">
+                  <a:lumMod val="70000"/>
+                </a:schemeClr>
+              </a:solidFill>
+            </a:endParaRPr>
           </a:p>
           <a:p>
             <a:pPr algn="ctr">
               <a:defRPr lang="ko-KR" altLang="en-US"/>
             </a:pPr>
             <a:r>
-              <a:rPr lang="ko-KR" altLang="en-US" sz="1000" dirty="0">
+              <a:rPr lang="ko-KR" altLang="en-US" sz="1000">
                 <a:solidFill>
                   <a:schemeClr val="bg1">
                     <a:lumMod val="70000"/>
                   </a:schemeClr>
                 </a:solidFill>
               </a:rPr>
-              <a:t>스티커 </a:t>
-            </a:r>
-            <a:r>
-              <a:rPr lang="ko-KR" altLang="en-US" sz="1000" dirty="0" err="1">
-                <a:solidFill>
-                  <a:schemeClr val="bg1">
-                    <a:lumMod val="70000"/>
-                  </a:schemeClr>
-                </a:solidFill>
-              </a:rPr>
-              <a:t>리스트조회</a:t>
-            </a:r>
-            <a:endParaRPr lang="ko-KR" altLang="en-US" sz="1000" dirty="0">
+              <a:t>스티커 리스트조회</a:t>
+            </a:r>
+            <a:endParaRPr lang="ko-KR" altLang="en-US" sz="1000">
               <a:solidFill>
                 <a:schemeClr val="bg1">
                   <a:lumMod val="70000"/>
@@ -19511,6 +25159,13 @@
               </a:rPr>
               <a:t>딜 번호가 어떤 딜팩/카테고리에 속하는지 조회</a:t>
             </a:r>
+            <a:endParaRPr lang="ko-KR" altLang="en-US" sz="1000">
+              <a:solidFill>
+                <a:schemeClr val="bg1">
+                  <a:lumMod val="70000"/>
+                </a:schemeClr>
+              </a:solidFill>
+            </a:endParaRPr>
           </a:p>
         </p:txBody>
       </p:sp>
@@ -19569,6 +25224,13 @@
               </a:rPr>
               <a:t>스티커 우선순위에 따라 </a:t>
             </a:r>
+            <a:endParaRPr lang="ko-KR" altLang="en-US" sz="1000">
+              <a:solidFill>
+                <a:schemeClr val="bg1">
+                  <a:lumMod val="70000"/>
+                </a:schemeClr>
+              </a:solidFill>
+            </a:endParaRPr>
           </a:p>
           <a:p>
             <a:pPr algn="ctr">
@@ -19584,6 +25246,13 @@
               </a:rPr>
               <a:t>딜 번호와 스티커를 매핑</a:t>
             </a:r>
+            <a:endParaRPr lang="ko-KR" altLang="en-US" sz="1000">
+              <a:solidFill>
+                <a:schemeClr val="bg1">
+                  <a:lumMod val="70000"/>
+                </a:schemeClr>
+              </a:solidFill>
+            </a:endParaRPr>
           </a:p>
         </p:txBody>
       </p:sp>
@@ -19634,6 +25303,7 @@
               <a:rPr lang="en-US" altLang="ko-KR" sz="1000"/>
               <a:t>service_tmon_dealbuilder_api</a:t>
             </a:r>
+            <a:endParaRPr lang="en-US" altLang="ko-KR" sz="1000"/>
           </a:p>
         </p:txBody>
       </p:sp>
@@ -19684,6 +25354,7 @@
               <a:rPr lang="en-US" altLang="ko-KR" sz="1000"/>
               <a:t>service_tmon_dealinfo_api</a:t>
             </a:r>
+            <a:endParaRPr lang="en-US" altLang="ko-KR" sz="1000"/>
           </a:p>
         </p:txBody>
       </p:sp>
@@ -19730,68 +25401,40 @@
               <a:defRPr lang="ko-KR" altLang="en-US"/>
             </a:pPr>
             <a:r>
-              <a:rPr lang="ko-KR" altLang="en-US" sz="900" dirty="0"/>
+              <a:rPr lang="ko-KR" altLang="en-US" sz="900"/>
               <a:t>1. 딜 변경 이벤트 생성</a:t>
             </a:r>
+            <a:endParaRPr lang="ko-KR" altLang="en-US" sz="900"/>
           </a:p>
           <a:p>
             <a:pPr>
               <a:defRPr lang="ko-KR" altLang="en-US"/>
             </a:pPr>
             <a:r>
-              <a:rPr lang="ko-KR" altLang="en-US" sz="900" dirty="0"/>
-              <a:t>2. </a:t>
-            </a:r>
-            <a:r>
-              <a:rPr lang="ko-KR" altLang="en-US" sz="900" dirty="0" err="1"/>
-              <a:t>스키터</a:t>
-            </a:r>
-            <a:r>
-              <a:rPr lang="ko-KR" altLang="en-US" sz="900" dirty="0"/>
-              <a:t> </a:t>
-            </a:r>
-            <a:r>
-              <a:rPr lang="ko-KR" altLang="en-US" sz="900" dirty="0" err="1"/>
-              <a:t>버킷에서</a:t>
-            </a:r>
-            <a:r>
-              <a:rPr lang="ko-KR" altLang="en-US" sz="900" dirty="0"/>
-              <a:t> 스티커 조회</a:t>
-            </a:r>
+              <a:rPr lang="ko-KR" altLang="en-US" sz="900"/>
+              <a:t>2. 스키터 버킷에서 스티커 조회</a:t>
+            </a:r>
+            <a:endParaRPr lang="ko-KR" altLang="en-US" sz="900"/>
           </a:p>
           <a:p>
             <a:pPr>
               <a:defRPr lang="ko-KR" altLang="en-US"/>
             </a:pPr>
             <a:r>
-              <a:rPr lang="ko-KR" altLang="en-US" sz="900" dirty="0"/>
+              <a:rPr lang="ko-KR" altLang="en-US" sz="900"/>
               <a:t>3. 딜 정보에 포함</a:t>
             </a:r>
+            <a:endParaRPr lang="ko-KR" altLang="en-US" sz="900"/>
           </a:p>
           <a:p>
             <a:pPr>
               <a:defRPr lang="ko-KR" altLang="en-US"/>
             </a:pPr>
             <a:r>
-              <a:rPr lang="ko-KR" altLang="en-US" sz="900" dirty="0"/>
-              <a:t>4. </a:t>
-            </a:r>
-            <a:r>
-              <a:rPr lang="ko-KR" altLang="en-US" sz="900" dirty="0" err="1"/>
-              <a:t>딜인포</a:t>
-            </a:r>
-            <a:r>
-              <a:rPr lang="ko-KR" altLang="en-US" sz="900" dirty="0"/>
-              <a:t> </a:t>
-            </a:r>
-            <a:r>
-              <a:rPr lang="ko-KR" altLang="en-US" sz="900" dirty="0" err="1"/>
-              <a:t>버킷에</a:t>
-            </a:r>
-            <a:r>
-              <a:rPr lang="ko-KR" altLang="en-US" sz="900" dirty="0"/>
-              <a:t> 완전한 딜 정보 저장</a:t>
-            </a:r>
+              <a:rPr lang="ko-KR" altLang="en-US" sz="900"/>
+              <a:t>4. 딜인포 버킷에 완전한 딜 정보 저장</a:t>
+            </a:r>
+            <a:endParaRPr lang="ko-KR" altLang="en-US" sz="900"/>
           </a:p>
         </p:txBody>
       </p:sp>
@@ -19843,7 +25486,7 @@
           <p:nvPr/>
         </p:nvGrpSpPr>
         <p:grpSpPr>
-          <a:xfrm>
+          <a:xfrm rot="0">
             <a:off x="705585" y="1142465"/>
             <a:ext cx="2315791" cy="738188"/>
             <a:chOff x="705585" y="1142465"/>
@@ -19857,7 +25500,7 @@
             <p:nvPr/>
           </p:nvGrpSpPr>
           <p:grpSpPr>
-            <a:xfrm>
+            <a:xfrm rot="0">
               <a:off x="863536" y="1142465"/>
               <a:ext cx="1989979" cy="738188"/>
               <a:chOff x="863536" y="1142465"/>
@@ -19919,6 +25562,13 @@
                   </a:rPr>
                   <a:t>service_tmon_dealpack_api</a:t>
                 </a:r>
+                <a:endParaRPr lang="en-US" altLang="ko-KR" sz="1000">
+                  <a:solidFill>
+                    <a:schemeClr val="bg1">
+                      <a:lumMod val="70000"/>
+                    </a:schemeClr>
+                  </a:solidFill>
+                </a:endParaRPr>
               </a:p>
             </p:txBody>
           </p:sp>
@@ -19977,6 +25627,13 @@
                   </a:rPr>
                   <a:t>service_tmon_dealinter_api</a:t>
                 </a:r>
+                <a:endParaRPr lang="en-US" altLang="ko-KR" sz="1000">
+                  <a:solidFill>
+                    <a:schemeClr val="bg1">
+                      <a:lumMod val="70000"/>
+                    </a:schemeClr>
+                  </a:solidFill>
+                </a:endParaRPr>
               </a:p>
             </p:txBody>
           </p:sp>
@@ -20257,7 +25914,6 @@
         <p:nvCxnSpPr>
           <p:cNvPr id="119" name="직선 화살표 연결선 9"/>
           <p:cNvCxnSpPr>
-            <a:cxnSpLocks/>
             <a:stCxn id="87" idx="3"/>
             <a:endCxn id="88" idx="1"/>
           </p:cNvCxnSpPr>
@@ -20299,7 +25955,6 @@
         <p:nvCxnSpPr>
           <p:cNvPr id="120" name="직선 화살표 연결선 9"/>
           <p:cNvCxnSpPr>
-            <a:cxnSpLocks/>
             <a:stCxn id="88" idx="3"/>
             <a:endCxn id="89" idx="1"/>
           </p:cNvCxnSpPr>
@@ -20627,6 +26282,13 @@
               </a:rPr>
               <a:t>&lt;RabbitMQ&gt;</a:t>
             </a:r>
+            <a:endParaRPr lang="en-US" altLang="ko-KR" sz="700">
+              <a:solidFill>
+                <a:schemeClr val="bg1">
+                  <a:lumMod val="70000"/>
+                </a:schemeClr>
+              </a:solidFill>
+            </a:endParaRPr>
           </a:p>
         </p:txBody>
       </p:sp>
@@ -20676,6 +26338,7 @@
               <a:rPr lang="en-US" altLang="ko-KR" sz="700"/>
               <a:t>&lt;RabbitMQ&gt;</a:t>
             </a:r>
+            <a:endParaRPr lang="en-US" altLang="ko-KR" sz="700"/>
           </a:p>
         </p:txBody>
       </p:sp>
@@ -20736,6 +26399,9 @@
               </a:rPr>
               <a:t>queue.deal.sticker</a:t>
             </a:r>
+            <a:endParaRPr lang="en-US" altLang="ko-KR" sz="1000">
+              <a:cs typeface="함초롬돋움"/>
+            </a:endParaRPr>
           </a:p>
         </p:txBody>
       </p:sp>
@@ -20785,6 +26451,7 @@
               <a:rPr lang="ko-KR" altLang="en-US" sz="1000"/>
               <a:t>딜인포 버킷</a:t>
             </a:r>
+            <a:endParaRPr lang="ko-KR" altLang="en-US" sz="1000"/>
           </a:p>
         </p:txBody>
       </p:sp>
@@ -20882,6 +26549,7 @@
               <a:rPr lang="ko-KR" altLang="en-US" sz="1000"/>
               <a:t>스티커 버킷</a:t>
             </a:r>
+            <a:endParaRPr lang="ko-KR" altLang="en-US" sz="1000"/>
           </a:p>
         </p:txBody>
       </p:sp>
@@ -20927,11 +26595,16 @@
             <a:r>
               <a:rPr lang="ko-KR" altLang="en-US" sz="1400" b="1">
                 <a:solidFill>
-                  <a:srgbClr val="FF0000"/>
+                  <a:srgbClr val="ff0000"/>
                 </a:solidFill>
               </a:rPr>
               <a:t>장애 발생</a:t>
             </a:r>
+            <a:endParaRPr lang="ko-KR" altLang="en-US" sz="1400" b="1">
+              <a:solidFill>
+                <a:srgbClr val="ff0000"/>
+              </a:solidFill>
+            </a:endParaRPr>
           </a:p>
           <a:p>
             <a:pPr>
@@ -20961,6 +26634,11 @@
               </a:rPr>
               <a:t>가 밀리는 현상 발생 =&gt; 스티커 동기화가 실패</a:t>
             </a:r>
+            <a:endParaRPr lang="ko-KR" altLang="en-US" sz="1200">
+              <a:solidFill>
+                <a:schemeClr val="tx1"/>
+              </a:solidFill>
+            </a:endParaRPr>
           </a:p>
           <a:p>
             <a:pPr>
@@ -20975,11 +26653,16 @@
             <a:r>
               <a:rPr lang="ko-KR" altLang="en-US" sz="1400" b="1">
                 <a:solidFill>
-                  <a:srgbClr val="0000FF"/>
+                  <a:srgbClr val="0000ff"/>
                 </a:solidFill>
               </a:rPr>
               <a:t>해결책</a:t>
             </a:r>
+            <a:endParaRPr lang="ko-KR" altLang="en-US" sz="1400" b="1">
+              <a:solidFill>
+                <a:srgbClr val="0000ff"/>
+              </a:solidFill>
+            </a:endParaRPr>
           </a:p>
           <a:p>
             <a:pPr>
@@ -20997,6 +26680,7 @@
               <a:rPr lang="ko-KR" altLang="en-US" sz="1200"/>
               <a:t>에서 분리</a:t>
             </a:r>
+            <a:endParaRPr lang="ko-KR" altLang="en-US" sz="1200"/>
           </a:p>
           <a:p>
             <a:pPr>
@@ -21018,6 +26702,7 @@
               <a:rPr lang="ko-KR" altLang="en-US" sz="1200"/>
               <a:t>로 적재</a:t>
             </a:r>
+            <a:endParaRPr lang="ko-KR" altLang="en-US" sz="1200"/>
           </a:p>
         </p:txBody>
       </p:sp>
@@ -21042,7 +26727,7 @@
           </a:prstGeom>
           <a:ln w="28575" algn="ctr">
             <a:solidFill>
-              <a:srgbClr val="0000FF"/>
+              <a:srgbClr val="0000ff"/>
             </a:solidFill>
             <a:tailEnd type="triangle"/>
           </a:ln>
@@ -21067,18 +26752,18 @@
   <p:clrMapOvr>
     <a:masterClrMapping/>
   </p:clrMapOvr>
-  <mc:AlternateContent xmlns:mc="http://schemas.openxmlformats.org/markup-compatibility/2006" xmlns:p14="http://schemas.microsoft.com/office/powerpoint/2010/main">
-    <mc:Choice Requires="p14">
-      <p:transition/>
+  <mc:AlternateContent xmlns:mc="http://schemas.openxmlformats.org/markup-compatibility/2006">
+    <mc:Choice xmlns:p14="http://schemas.microsoft.com/office/powerpoint/2010/main" Requires="p14">
+      <p:transition xmlns:mc="http://schemas.openxmlformats.org/markup-compatibility/2006" xmlns:p14="http://schemas.microsoft.com/office/powerpoint/2010/main" mc:Ignorable="p14" p14:dur="500"/>
     </mc:Choice>
-    <mc:Fallback xmlns:dsp="http://schemas.microsoft.com/office/drawing/2008/diagram" xmlns:dgm="http://schemas.openxmlformats.org/drawingml/2006/diagram" xmlns:c="http://schemas.openxmlformats.org/drawingml/2006/chart" xmlns="">
+    <mc:Fallback>
       <p:transition/>
     </mc:Fallback>
   </mc:AlternateContent>
 </p:sld>
 </file>
 
-<file path=ppt/slides/slide7.xml><?xml version="1.0" encoding="utf-8"?>
+<file path=ppt/slides/slide8.xml><?xml version="1.0" encoding="utf-8"?>
 <p:sld xmlns:a="http://schemas.openxmlformats.org/drawingml/2006/main" xmlns:r="http://schemas.openxmlformats.org/officeDocument/2006/relationships" xmlns:p="http://schemas.openxmlformats.org/presentationml/2006/main">
   <p:cSld>
     <p:spTree>
@@ -23230,7 +28915,7 @@
 </p:sld>
 </file>
 
-<file path=ppt/slides/slide8.xml><?xml version="1.0" encoding="utf-8"?>
+<file path=ppt/slides/slide9.xml><?xml version="1.0" encoding="utf-8"?>
 <p:sld xmlns:a="http://schemas.openxmlformats.org/drawingml/2006/main" xmlns:r="http://schemas.openxmlformats.org/officeDocument/2006/relationships" xmlns:p="http://schemas.openxmlformats.org/presentationml/2006/main">
   <p:cSld>
     <p:spTree>
@@ -25803,2937 +31488,42 @@
 </p:sld>
 </file>
 
-<file path=ppt/slides/slide9.xml><?xml version="1.0" encoding="utf-8"?>
-<p:sld xmlns:a="http://schemas.openxmlformats.org/drawingml/2006/main" xmlns:r="http://schemas.openxmlformats.org/officeDocument/2006/relationships" xmlns:p="http://schemas.openxmlformats.org/presentationml/2006/main">
-  <p:cSld>
-    <p:spTree>
-      <p:nvGrpSpPr>
-        <p:cNvPr id="1" name=""/>
-        <p:cNvGrpSpPr/>
-        <p:nvPr/>
-      </p:nvGrpSpPr>
-      <p:grpSpPr>
-        <a:xfrm>
-          <a:off x="0" y="0"/>
-          <a:ext cx="0" cy="0"/>
-          <a:chOff x="0" y="0"/>
-          <a:chExt cx="0" cy="0"/>
-        </a:xfrm>
-      </p:grpSpPr>
-      <p:sp>
-        <p:nvSpPr>
-          <p:cNvPr id="80" name="직사각형 7"/>
-          <p:cNvSpPr/>
-          <p:nvPr/>
-        </p:nvSpPr>
-        <p:spPr>
-          <a:xfrm>
-            <a:off x="4572000" y="3918442"/>
-            <a:ext cx="950047" cy="146447"/>
-          </a:xfrm>
-          <a:prstGeom prst="rect">
-            <a:avLst/>
-          </a:prstGeom>
-          <a:ln w="3175" algn="ctr">
-            <a:noFill/>
-          </a:ln>
-        </p:spPr>
-        <p:style>
-          <a:lnRef idx="2">
-            <a:schemeClr val="accent6"/>
-          </a:lnRef>
-          <a:fillRef idx="1">
-            <a:schemeClr val="lt1"/>
-          </a:fillRef>
-          <a:effectRef idx="0">
-            <a:schemeClr val="accent6"/>
-          </a:effectRef>
-          <a:fontRef idx="minor">
-            <a:schemeClr val="dk1"/>
-          </a:fontRef>
-        </p:style>
-        <p:txBody>
-          <a:bodyPr vert="horz" wrap="square" lIns="91440" tIns="45720" rIns="91440" bIns="45720" anchor="ctr">
-            <a:noAutofit/>
-          </a:bodyPr>
-          <a:lstStyle/>
-          <a:p>
-            <a:pPr algn="ctr">
-              <a:defRPr lang="ko-KR" altLang="en-US"/>
-            </a:pPr>
-            <a:r>
-              <a:rPr lang="en-US" altLang="ko-KR" sz="1000">
-                <a:solidFill>
-                  <a:schemeClr val="bg1">
-                    <a:lumMod val="70000"/>
-                  </a:schemeClr>
-                </a:solidFill>
-              </a:rPr>
-              <a:t>listener</a:t>
-            </a:r>
-          </a:p>
-        </p:txBody>
-      </p:sp>
-      <p:sp>
-        <p:nvSpPr>
-          <p:cNvPr id="4" name="TextBox 3"/>
-          <p:cNvSpPr txBox="1"/>
-          <p:nvPr/>
-        </p:nvSpPr>
-        <p:spPr>
-          <a:xfrm>
-            <a:off x="323465" y="191256"/>
-            <a:ext cx="3528445" cy="359289"/>
-          </a:xfrm>
-          <a:prstGeom prst="rect">
-            <a:avLst/>
-          </a:prstGeom>
-        </p:spPr>
-        <p:txBody>
-          <a:bodyPr wrap="square">
-            <a:spAutoFit/>
-          </a:bodyPr>
-          <a:lstStyle/>
-          <a:p>
-            <a:pPr>
-              <a:defRPr lang="ko-KR" altLang="en-US"/>
-            </a:pPr>
-            <a:r>
-              <a:rPr lang="ko-KR" altLang="en-US" b="1"/>
-              <a:t>썸네일 스티커 </a:t>
-            </a:r>
-            <a:r>
-              <a:rPr lang="en-US" altLang="ko-KR" b="1"/>
-              <a:t>Legacy </a:t>
-            </a:r>
-            <a:r>
-              <a:rPr lang="ko-KR" altLang="en-US" b="1"/>
-              <a:t>구조 개선</a:t>
-            </a:r>
-          </a:p>
-        </p:txBody>
-      </p:sp>
-      <p:sp>
-        <p:nvSpPr>
-          <p:cNvPr id="63" name="직사각형 7"/>
-          <p:cNvSpPr/>
-          <p:nvPr/>
-        </p:nvSpPr>
-        <p:spPr>
-          <a:xfrm>
-            <a:off x="3592800" y="3034800"/>
-            <a:ext cx="1962000" cy="291600"/>
-          </a:xfrm>
-          <a:prstGeom prst="rect">
-            <a:avLst/>
-          </a:prstGeom>
-          <a:noFill/>
-          <a:ln w="19050" algn="ctr">
-            <a:solidFill>
-              <a:schemeClr val="tx1"/>
-            </a:solidFill>
-          </a:ln>
-        </p:spPr>
-        <p:style>
-          <a:lnRef idx="2">
-            <a:schemeClr val="accent6"/>
-          </a:lnRef>
-          <a:fillRef idx="1">
-            <a:schemeClr val="lt1"/>
-          </a:fillRef>
-          <a:effectRef idx="0">
-            <a:schemeClr val="accent6"/>
-          </a:effectRef>
-          <a:fontRef idx="minor">
-            <a:schemeClr val="dk1"/>
-          </a:fontRef>
-        </p:style>
-        <p:txBody>
-          <a:bodyPr vert="horz" wrap="square" lIns="91440" tIns="45720" rIns="91440" bIns="45720" anchor="ctr">
-            <a:noAutofit/>
-          </a:bodyPr>
-          <a:lstStyle/>
-          <a:p>
-            <a:pPr algn="ctr">
-              <a:defRPr lang="ko-KR" altLang="en-US"/>
-            </a:pPr>
-            <a:r>
-              <a:rPr lang="en-US" altLang="ko-KR" sz="1000" b="1">
-                <a:solidFill>
-                  <a:schemeClr val="tx1"/>
-                </a:solidFill>
-              </a:rPr>
-              <a:t>module_tmon_core_sticker</a:t>
-            </a:r>
-          </a:p>
-        </p:txBody>
-      </p:sp>
-      <p:grpSp>
-        <p:nvGrpSpPr>
-          <p:cNvPr id="72" name="그룹 71"/>
-          <p:cNvGrpSpPr/>
-          <p:nvPr/>
-        </p:nvGrpSpPr>
-        <p:grpSpPr>
-          <a:xfrm>
-            <a:off x="181876" y="3034538"/>
-            <a:ext cx="576072" cy="566912"/>
-            <a:chOff x="181876" y="2425303"/>
-            <a:chExt cx="576072" cy="566912"/>
-          </a:xfrm>
-        </p:grpSpPr>
-        <p:sp>
-          <p:nvSpPr>
-            <p:cNvPr id="65" name="직사각형 7"/>
-            <p:cNvSpPr/>
-            <p:nvPr/>
-          </p:nvSpPr>
-          <p:spPr>
-            <a:xfrm>
-              <a:off x="181876" y="2699321"/>
-              <a:ext cx="576072" cy="292894"/>
-            </a:xfrm>
-            <a:prstGeom prst="rect">
-              <a:avLst/>
-            </a:prstGeom>
-            <a:ln w="0" algn="ctr">
-              <a:solidFill>
-                <a:schemeClr val="bg1">
-                  <a:lumMod val="70000"/>
-                </a:schemeClr>
-              </a:solidFill>
-            </a:ln>
-          </p:spPr>
-          <p:style>
-            <a:lnRef idx="2">
-              <a:schemeClr val="accent6"/>
-            </a:lnRef>
-            <a:fillRef idx="1">
-              <a:schemeClr val="lt1"/>
-            </a:fillRef>
-            <a:effectRef idx="0">
-              <a:schemeClr val="accent6"/>
-            </a:effectRef>
-            <a:fontRef idx="minor">
-              <a:schemeClr val="dk1"/>
-            </a:fontRef>
-          </p:style>
-          <p:txBody>
-            <a:bodyPr vert="horz" wrap="square" lIns="91440" tIns="45720" rIns="91440" bIns="45720" anchor="ctr">
-              <a:noAutofit/>
-            </a:bodyPr>
-            <a:lstStyle/>
-            <a:p>
-              <a:pPr algn="ctr">
-                <a:defRPr lang="ko-KR" altLang="en-US"/>
-              </a:pPr>
-              <a:r>
-                <a:rPr lang="ko-KR" altLang="en-US" sz="1000">
-                  <a:solidFill>
-                    <a:schemeClr val="bg1">
-                      <a:lumMod val="70000"/>
-                    </a:schemeClr>
-                  </a:solidFill>
-                </a:rPr>
-                <a:t>어드민</a:t>
-              </a:r>
-            </a:p>
-          </p:txBody>
-        </p:sp>
-        <p:sp>
-          <p:nvSpPr>
-            <p:cNvPr id="64" name="웃는 얼굴[S] 1"/>
-            <p:cNvSpPr/>
-            <p:nvPr/>
-          </p:nvSpPr>
-          <p:spPr>
-            <a:xfrm>
-              <a:off x="323465" y="2425303"/>
-              <a:ext cx="292894" cy="292894"/>
-            </a:xfrm>
-            <a:prstGeom prst="smileyFace">
-              <a:avLst>
-                <a:gd name="adj" fmla="val 4653"/>
-              </a:avLst>
-            </a:prstGeom>
-            <a:ln w="0" algn="ctr">
-              <a:solidFill>
-                <a:schemeClr val="bg1">
-                  <a:lumMod val="70000"/>
-                </a:schemeClr>
-              </a:solidFill>
-            </a:ln>
-          </p:spPr>
-          <p:style>
-            <a:lnRef idx="2">
-              <a:schemeClr val="accent6"/>
-            </a:lnRef>
-            <a:fillRef idx="1">
-              <a:schemeClr val="lt1"/>
-            </a:fillRef>
-            <a:effectRef idx="0">
-              <a:schemeClr val="accent6"/>
-            </a:effectRef>
-            <a:fontRef idx="minor">
-              <a:schemeClr val="dk1"/>
-            </a:fontRef>
-          </p:style>
-          <p:txBody>
-            <a:bodyPr vert="horz" wrap="square" lIns="91440" tIns="45720" rIns="91440" bIns="45720" anchor="ctr">
-              <a:noAutofit/>
-            </a:bodyPr>
-            <a:lstStyle/>
-            <a:p>
-              <a:pPr algn="ctr">
-                <a:defRPr lang="ko-KR" altLang="en-US"/>
-              </a:pPr>
-              <a:endParaRPr lang="ko-KR" altLang="en-US"/>
-            </a:p>
-          </p:txBody>
-        </p:sp>
-      </p:grpSp>
-      <p:cxnSp>
-        <p:nvCxnSpPr>
-          <p:cNvPr id="66" name="직선 화살표 연결선 9"/>
-          <p:cNvCxnSpPr>
-            <a:endCxn id="63" idx="1"/>
-          </p:cNvCxnSpPr>
-          <p:nvPr/>
-        </p:nvCxnSpPr>
-        <p:spPr>
-          <a:xfrm flipV="1">
-            <a:off x="757948" y="3180600"/>
-            <a:ext cx="2834852" cy="385"/>
-          </a:xfrm>
-          <a:prstGeom prst="straightConnector1">
-            <a:avLst/>
-          </a:prstGeom>
-          <a:ln w="0" algn="ctr">
-            <a:solidFill>
-              <a:schemeClr val="bg1">
-                <a:lumMod val="70000"/>
-              </a:schemeClr>
-            </a:solidFill>
-            <a:tailEnd type="triangle"/>
-          </a:ln>
-        </p:spPr>
-        <p:style>
-          <a:lnRef idx="1">
-            <a:schemeClr val="accent2"/>
-          </a:lnRef>
-          <a:fillRef idx="0">
-            <a:schemeClr val="accent2"/>
-          </a:fillRef>
-          <a:effectRef idx="0">
-            <a:schemeClr val="accent2"/>
-          </a:effectRef>
-          <a:fontRef idx="minor">
-            <a:schemeClr val="tx1"/>
-          </a:fontRef>
-        </p:style>
-      </p:cxnSp>
-      <p:sp>
-        <p:nvSpPr>
-          <p:cNvPr id="67" name="직사각형 7"/>
-          <p:cNvSpPr/>
-          <p:nvPr/>
-        </p:nvSpPr>
-        <p:spPr>
-          <a:xfrm>
-            <a:off x="1010983" y="3219831"/>
-            <a:ext cx="2192846" cy="783717"/>
-          </a:xfrm>
-          <a:prstGeom prst="rect">
-            <a:avLst/>
-          </a:prstGeom>
-          <a:ln w="3175" algn="ctr">
-            <a:noFill/>
-          </a:ln>
-        </p:spPr>
-        <p:style>
-          <a:lnRef idx="2">
-            <a:schemeClr val="accent6"/>
-          </a:lnRef>
-          <a:fillRef idx="1">
-            <a:schemeClr val="lt1"/>
-          </a:fillRef>
-          <a:effectRef idx="0">
-            <a:schemeClr val="accent6"/>
-          </a:effectRef>
-          <a:fontRef idx="minor">
-            <a:schemeClr val="dk1"/>
-          </a:fontRef>
-        </p:style>
-        <p:txBody>
-          <a:bodyPr vert="horz" wrap="square" lIns="91440" tIns="45720" rIns="91440" bIns="45720" anchor="ctr">
-            <a:noAutofit/>
-          </a:bodyPr>
-          <a:lstStyle/>
-          <a:p>
-            <a:pPr>
-              <a:defRPr lang="ko-KR" altLang="en-US"/>
-            </a:pPr>
-            <a:r>
-              <a:rPr lang="ko-KR" altLang="en-US" sz="900">
-                <a:solidFill>
-                  <a:schemeClr val="bg1">
-                    <a:lumMod val="70000"/>
-                  </a:schemeClr>
-                </a:solidFill>
-              </a:rPr>
-              <a:t>1. 카테고리에 카테고리 번호 추가</a:t>
-            </a:r>
-          </a:p>
-          <a:p>
-            <a:pPr>
-              <a:defRPr lang="ko-KR" altLang="en-US"/>
-            </a:pPr>
-            <a:r>
-              <a:rPr lang="ko-KR" altLang="en-US" sz="900">
-                <a:solidFill>
-                  <a:schemeClr val="bg1">
-                    <a:lumMod val="70000"/>
-                  </a:schemeClr>
-                </a:solidFill>
-              </a:rPr>
-              <a:t>2. 딜팩에 딜팩 번호 추가</a:t>
-            </a:r>
-          </a:p>
-          <a:p>
-            <a:pPr>
-              <a:defRPr lang="ko-KR" altLang="en-US"/>
-            </a:pPr>
-            <a:r>
-              <a:rPr lang="ko-KR" altLang="en-US" sz="900">
-                <a:solidFill>
-                  <a:schemeClr val="bg1">
-                    <a:lumMod val="70000"/>
-                  </a:schemeClr>
-                </a:solidFill>
-              </a:rPr>
-              <a:t>3. 제외 딜팩에 딜팩 번호 추가</a:t>
-            </a:r>
-          </a:p>
-          <a:p>
-            <a:pPr>
-              <a:defRPr lang="ko-KR" altLang="en-US"/>
-            </a:pPr>
-            <a:r>
-              <a:rPr lang="ko-KR" altLang="en-US" sz="900">
-                <a:solidFill>
-                  <a:schemeClr val="bg1">
-                    <a:lumMod val="70000"/>
-                  </a:schemeClr>
-                </a:solidFill>
-              </a:rPr>
-              <a:t>4. 스티커 정보 수정</a:t>
-            </a:r>
-          </a:p>
-        </p:txBody>
-      </p:sp>
-      <p:sp>
-        <p:nvSpPr>
-          <p:cNvPr id="69" name="직사각형 7"/>
-          <p:cNvSpPr/>
-          <p:nvPr/>
-        </p:nvSpPr>
-        <p:spPr>
-          <a:xfrm>
-            <a:off x="827532" y="4350420"/>
-            <a:ext cx="1642276" cy="309591"/>
-          </a:xfrm>
-          <a:prstGeom prst="rect">
-            <a:avLst/>
-          </a:prstGeom>
-          <a:ln w="3175" algn="ctr">
-            <a:noFill/>
-          </a:ln>
-        </p:spPr>
-        <p:style>
-          <a:lnRef idx="2">
-            <a:schemeClr val="accent6"/>
-          </a:lnRef>
-          <a:fillRef idx="1">
-            <a:schemeClr val="lt1"/>
-          </a:fillRef>
-          <a:effectRef idx="0">
-            <a:schemeClr val="accent6"/>
-          </a:effectRef>
-          <a:fontRef idx="minor">
-            <a:schemeClr val="dk1"/>
-          </a:fontRef>
-        </p:style>
-        <p:txBody>
-          <a:bodyPr vert="horz" wrap="square" lIns="91440" tIns="45720" rIns="91440" bIns="45720" anchor="ctr">
-            <a:noAutofit/>
-          </a:bodyPr>
-          <a:lstStyle/>
-          <a:p>
-            <a:pPr algn="ctr">
-              <a:defRPr lang="ko-KR" altLang="en-US"/>
-            </a:pPr>
-            <a:r>
-              <a:rPr lang="ko-KR" altLang="en-US" sz="900">
-                <a:solidFill>
-                  <a:schemeClr val="bg1">
-                    <a:lumMod val="70000"/>
-                  </a:schemeClr>
-                </a:solidFill>
-              </a:rPr>
-              <a:t>딜코어 파트에서 </a:t>
-            </a:r>
-          </a:p>
-          <a:p>
-            <a:pPr algn="ctr">
-              <a:defRPr lang="ko-KR" altLang="en-US"/>
-            </a:pPr>
-            <a:r>
-              <a:rPr lang="ko-KR" altLang="en-US" sz="900">
-                <a:solidFill>
-                  <a:schemeClr val="bg1">
-                    <a:lumMod val="70000"/>
-                  </a:schemeClr>
-                </a:solidFill>
-              </a:rPr>
-              <a:t>딜팩 변경 이벤트 발생</a:t>
-            </a:r>
-          </a:p>
-        </p:txBody>
-      </p:sp>
-      <p:sp>
-        <p:nvSpPr>
-          <p:cNvPr id="74" name="직사각형 7"/>
-          <p:cNvSpPr/>
-          <p:nvPr/>
-        </p:nvSpPr>
-        <p:spPr>
-          <a:xfrm>
-            <a:off x="181876" y="4439126"/>
-            <a:ext cx="576072" cy="292894"/>
-          </a:xfrm>
-          <a:prstGeom prst="rect">
-            <a:avLst/>
-          </a:prstGeom>
-          <a:ln w="3175" algn="ctr">
-            <a:noFill/>
-          </a:ln>
-        </p:spPr>
-        <p:style>
-          <a:lnRef idx="2">
-            <a:schemeClr val="accent6"/>
-          </a:lnRef>
-          <a:fillRef idx="1">
-            <a:schemeClr val="lt1"/>
-          </a:fillRef>
-          <a:effectRef idx="0">
-            <a:schemeClr val="accent6"/>
-          </a:effectRef>
-          <a:fontRef idx="minor">
-            <a:schemeClr val="dk1"/>
-          </a:fontRef>
-        </p:style>
-        <p:txBody>
-          <a:bodyPr vert="horz" wrap="square" lIns="91440" tIns="45720" rIns="91440" bIns="45720" anchor="ctr">
-            <a:noAutofit/>
-          </a:bodyPr>
-          <a:lstStyle/>
-          <a:p>
-            <a:pPr algn="ctr">
-              <a:defRPr lang="ko-KR" altLang="en-US"/>
-            </a:pPr>
-            <a:r>
-              <a:rPr lang="ko-KR" altLang="en-US" sz="1000">
-                <a:solidFill>
-                  <a:schemeClr val="bg1">
-                    <a:lumMod val="70000"/>
-                  </a:schemeClr>
-                </a:solidFill>
-              </a:rPr>
-              <a:t>딜코어</a:t>
-            </a:r>
-          </a:p>
-        </p:txBody>
-      </p:sp>
-      <p:sp>
-        <p:nvSpPr>
-          <p:cNvPr id="75" name="웃는 얼굴[S] 1"/>
-          <p:cNvSpPr/>
-          <p:nvPr/>
-        </p:nvSpPr>
-        <p:spPr>
-          <a:xfrm>
-            <a:off x="323465" y="4165107"/>
-            <a:ext cx="292894" cy="292894"/>
-          </a:xfrm>
-          <a:prstGeom prst="smileyFace">
-            <a:avLst>
-              <a:gd name="adj" fmla="val 4653"/>
-            </a:avLst>
-          </a:prstGeom>
-          <a:ln w="0" algn="ctr">
-            <a:solidFill>
-              <a:schemeClr val="bg1">
-                <a:lumMod val="70000"/>
-              </a:schemeClr>
-            </a:solidFill>
-          </a:ln>
-        </p:spPr>
-        <p:style>
-          <a:lnRef idx="2">
-            <a:schemeClr val="accent6"/>
-          </a:lnRef>
-          <a:fillRef idx="1">
-            <a:schemeClr val="lt1"/>
-          </a:fillRef>
-          <a:effectRef idx="0">
-            <a:schemeClr val="accent6"/>
-          </a:effectRef>
-          <a:fontRef idx="minor">
-            <a:schemeClr val="dk1"/>
-          </a:fontRef>
-        </p:style>
-        <p:txBody>
-          <a:bodyPr vert="horz" wrap="square" lIns="91440" tIns="45720" rIns="91440" bIns="45720" anchor="ctr">
-            <a:noAutofit/>
-          </a:bodyPr>
-          <a:lstStyle/>
-          <a:p>
-            <a:pPr algn="ctr">
-              <a:defRPr lang="ko-KR" altLang="en-US"/>
-            </a:pPr>
-            <a:endParaRPr lang="ko-KR" altLang="en-US"/>
-          </a:p>
-        </p:txBody>
-      </p:sp>
-      <p:sp>
-        <p:nvSpPr>
-          <p:cNvPr id="76" name="오각형[P] 68"/>
-          <p:cNvSpPr/>
-          <p:nvPr/>
-        </p:nvSpPr>
-        <p:spPr>
-          <a:xfrm>
-            <a:off x="2815923" y="4200677"/>
-            <a:ext cx="2736342" cy="221752"/>
-          </a:xfrm>
-          <a:prstGeom prst="homePlate">
-            <a:avLst>
-              <a:gd name="adj" fmla="val 50000"/>
-            </a:avLst>
-          </a:prstGeom>
-          <a:solidFill>
-            <a:schemeClr val="accent1">
-              <a:lumMod val="10000"/>
-              <a:lumOff val="90000"/>
-            </a:schemeClr>
-          </a:solidFill>
-          <a:ln w="3175" algn="ctr">
-            <a:solidFill>
-              <a:schemeClr val="bg1">
-                <a:lumMod val="70000"/>
-              </a:schemeClr>
-            </a:solidFill>
-          </a:ln>
-        </p:spPr>
-        <p:style>
-          <a:lnRef idx="2">
-            <a:schemeClr val="accent6"/>
-          </a:lnRef>
-          <a:fillRef idx="1">
-            <a:schemeClr val="lt1"/>
-          </a:fillRef>
-          <a:effectRef idx="0">
-            <a:schemeClr val="accent6"/>
-          </a:effectRef>
-          <a:fontRef idx="minor">
-            <a:schemeClr val="dk1"/>
-          </a:fontRef>
-        </p:style>
-        <p:txBody>
-          <a:bodyPr vert="horz" wrap="square" lIns="91440" tIns="45720" rIns="91440" bIns="45720" anchor="ctr">
-            <a:noAutofit/>
-          </a:bodyPr>
-          <a:lstStyle/>
-          <a:p>
-            <a:pPr algn="ctr">
-              <a:defRPr lang="ko-KR" altLang="en-US"/>
-            </a:pPr>
-            <a:r>
-              <a:rPr lang="en" altLang="ko-KR" sz="1000">
-                <a:solidFill>
-                  <a:schemeClr val="bg1">
-                    <a:lumMod val="70000"/>
-                  </a:schemeClr>
-                </a:solidFill>
-                <a:cs typeface="함초롬돋움"/>
-              </a:rPr>
-              <a:t>tmon.service.queue.dealpack.sync.sticker</a:t>
-            </a:r>
-            <a:endParaRPr lang="ko-KR" altLang="en-US" sz="1000">
-              <a:solidFill>
-                <a:schemeClr val="bg1">
-                  <a:lumMod val="70000"/>
-                </a:schemeClr>
-              </a:solidFill>
-              <a:cs typeface="함초롬돋움"/>
-            </a:endParaRPr>
-          </a:p>
-        </p:txBody>
-      </p:sp>
-      <p:cxnSp>
-        <p:nvCxnSpPr>
-          <p:cNvPr id="77" name="직선 화살표 연결선 9"/>
-          <p:cNvCxnSpPr>
-            <a:endCxn id="76" idx="1"/>
-          </p:cNvCxnSpPr>
-          <p:nvPr/>
-        </p:nvCxnSpPr>
-        <p:spPr>
-          <a:xfrm flipV="1">
-            <a:off x="683514" y="4311553"/>
-            <a:ext cx="2132409" cy="2"/>
-          </a:xfrm>
-          <a:prstGeom prst="straightConnector1">
-            <a:avLst/>
-          </a:prstGeom>
-          <a:ln w="0" algn="ctr">
-            <a:solidFill>
-              <a:schemeClr val="bg1">
-                <a:lumMod val="70000"/>
-              </a:schemeClr>
-            </a:solidFill>
-            <a:tailEnd type="triangle"/>
-          </a:ln>
-        </p:spPr>
-        <p:style>
-          <a:lnRef idx="1">
-            <a:schemeClr val="accent2"/>
-          </a:lnRef>
-          <a:fillRef idx="0">
-            <a:schemeClr val="accent2"/>
-          </a:fillRef>
-          <a:effectRef idx="0">
-            <a:schemeClr val="accent2"/>
-          </a:effectRef>
-          <a:fontRef idx="minor">
-            <a:schemeClr val="tx1"/>
-          </a:fontRef>
-        </p:style>
-      </p:cxnSp>
-      <p:cxnSp>
-        <p:nvCxnSpPr>
-          <p:cNvPr id="79" name="꺾인 연결선[E] 72"/>
-          <p:cNvCxnSpPr>
-            <a:stCxn id="76" idx="3"/>
-            <a:endCxn id="63" idx="2"/>
-          </p:cNvCxnSpPr>
-          <p:nvPr/>
-        </p:nvCxnSpPr>
-        <p:spPr>
-          <a:xfrm flipH="1" flipV="1">
-            <a:off x="4573800" y="3326400"/>
-            <a:ext cx="978465" cy="985153"/>
-          </a:xfrm>
-          <a:prstGeom prst="bentConnector4">
-            <a:avLst>
-              <a:gd name="adj1" fmla="val -14001"/>
-              <a:gd name="adj2" fmla="val 55631"/>
-            </a:avLst>
-          </a:prstGeom>
-          <a:ln w="0" algn="ctr">
-            <a:solidFill>
-              <a:schemeClr val="bg1">
-                <a:lumMod val="70000"/>
-              </a:schemeClr>
-            </a:solidFill>
-            <a:tailEnd type="triangle"/>
-          </a:ln>
-        </p:spPr>
-        <p:style>
-          <a:lnRef idx="1">
-            <a:schemeClr val="accent2"/>
-          </a:lnRef>
-          <a:fillRef idx="0">
-            <a:schemeClr val="accent2"/>
-          </a:fillRef>
-          <a:effectRef idx="0">
-            <a:schemeClr val="accent2"/>
-          </a:effectRef>
-          <a:fontRef idx="minor">
-            <a:schemeClr val="tx1"/>
-          </a:fontRef>
-        </p:style>
-      </p:cxnSp>
-      <p:grpSp>
-        <p:nvGrpSpPr>
-          <p:cNvPr id="81" name="그룹 80"/>
-          <p:cNvGrpSpPr/>
-          <p:nvPr/>
-        </p:nvGrpSpPr>
-        <p:grpSpPr>
-          <a:xfrm>
-            <a:off x="7596378" y="4302116"/>
-            <a:ext cx="576072" cy="566913"/>
-            <a:chOff x="181876" y="2425303"/>
-            <a:chExt cx="576072" cy="566913"/>
-          </a:xfrm>
-        </p:grpSpPr>
-        <p:sp>
-          <p:nvSpPr>
-            <p:cNvPr id="82" name="직사각형 7"/>
-            <p:cNvSpPr/>
-            <p:nvPr/>
-          </p:nvSpPr>
-          <p:spPr>
-            <a:xfrm>
-              <a:off x="181876" y="2699322"/>
-              <a:ext cx="576072" cy="292894"/>
-            </a:xfrm>
-            <a:prstGeom prst="rect">
-              <a:avLst/>
-            </a:prstGeom>
-            <a:ln w="0" algn="ctr">
-              <a:solidFill>
-                <a:schemeClr val="bg1">
-                  <a:lumMod val="70000"/>
-                </a:schemeClr>
-              </a:solidFill>
-            </a:ln>
-          </p:spPr>
-          <p:style>
-            <a:lnRef idx="2">
-              <a:schemeClr val="accent6"/>
-            </a:lnRef>
-            <a:fillRef idx="1">
-              <a:schemeClr val="lt1"/>
-            </a:fillRef>
-            <a:effectRef idx="0">
-              <a:schemeClr val="accent6"/>
-            </a:effectRef>
-            <a:fontRef idx="minor">
-              <a:schemeClr val="dk1"/>
-            </a:fontRef>
-          </p:style>
-          <p:txBody>
-            <a:bodyPr vert="horz" wrap="square" lIns="91440" tIns="45720" rIns="91440" bIns="45720" anchor="ctr">
-              <a:noAutofit/>
-            </a:bodyPr>
-            <a:lstStyle/>
-            <a:p>
-              <a:pPr algn="ctr">
-                <a:defRPr lang="ko-KR" altLang="en-US"/>
-              </a:pPr>
-              <a:r>
-                <a:rPr lang="ko-KR" altLang="en-US" sz="1000">
-                  <a:solidFill>
-                    <a:schemeClr val="bg1">
-                      <a:lumMod val="70000"/>
-                    </a:schemeClr>
-                  </a:solidFill>
-                </a:rPr>
-                <a:t>배치</a:t>
-              </a:r>
-            </a:p>
-          </p:txBody>
-        </p:sp>
-        <p:sp>
-          <p:nvSpPr>
-            <p:cNvPr id="83" name="웃는 얼굴[S] 1"/>
-            <p:cNvSpPr/>
-            <p:nvPr/>
-          </p:nvSpPr>
-          <p:spPr>
-            <a:xfrm>
-              <a:off x="323465" y="2425303"/>
-              <a:ext cx="292894" cy="292894"/>
-            </a:xfrm>
-            <a:prstGeom prst="smileyFace">
-              <a:avLst>
-                <a:gd name="adj" fmla="val 4653"/>
-              </a:avLst>
-            </a:prstGeom>
-            <a:ln w="0" algn="ctr">
-              <a:solidFill>
-                <a:schemeClr val="bg1">
-                  <a:lumMod val="70000"/>
-                </a:schemeClr>
-              </a:solidFill>
-            </a:ln>
-          </p:spPr>
-          <p:style>
-            <a:lnRef idx="2">
-              <a:schemeClr val="accent6"/>
-            </a:lnRef>
-            <a:fillRef idx="1">
-              <a:schemeClr val="lt1"/>
-            </a:fillRef>
-            <a:effectRef idx="0">
-              <a:schemeClr val="accent6"/>
-            </a:effectRef>
-            <a:fontRef idx="minor">
-              <a:schemeClr val="dk1"/>
-            </a:fontRef>
-          </p:style>
-          <p:txBody>
-            <a:bodyPr vert="horz" wrap="square" lIns="91440" tIns="45720" rIns="91440" bIns="45720" anchor="ctr">
-              <a:noAutofit/>
-            </a:bodyPr>
-            <a:lstStyle/>
-            <a:p>
-              <a:pPr algn="ctr">
-                <a:defRPr lang="ko-KR" altLang="en-US"/>
-              </a:pPr>
-              <a:endParaRPr lang="ko-KR" altLang="en-US"/>
-            </a:p>
-          </p:txBody>
-        </p:sp>
-      </p:grpSp>
-      <p:cxnSp>
-        <p:nvCxnSpPr>
-          <p:cNvPr id="85" name="꺾인 연결선[E] 72"/>
-          <p:cNvCxnSpPr>
-            <a:endCxn id="63" idx="3"/>
-          </p:cNvCxnSpPr>
-          <p:nvPr/>
-        </p:nvCxnSpPr>
-        <p:spPr>
-          <a:xfrm rot="10800000">
-            <a:off x="5554800" y="3180600"/>
-            <a:ext cx="2329615" cy="1020077"/>
-          </a:xfrm>
-          <a:prstGeom prst="bentConnector3">
-            <a:avLst>
-              <a:gd name="adj1" fmla="val 50000"/>
-            </a:avLst>
-          </a:prstGeom>
-          <a:ln w="3175" algn="ctr">
-            <a:solidFill>
-              <a:schemeClr val="bg1">
-                <a:lumMod val="70000"/>
-              </a:schemeClr>
-            </a:solidFill>
-            <a:tailEnd type="triangle"/>
-          </a:ln>
-        </p:spPr>
-        <p:style>
-          <a:lnRef idx="1">
-            <a:schemeClr val="accent2"/>
-          </a:lnRef>
-          <a:fillRef idx="0">
-            <a:schemeClr val="accent2"/>
-          </a:fillRef>
-          <a:effectRef idx="0">
-            <a:schemeClr val="accent2"/>
-          </a:effectRef>
-          <a:fontRef idx="minor">
-            <a:schemeClr val="tx1"/>
-          </a:fontRef>
-        </p:style>
-      </p:cxnSp>
-      <p:sp>
-        <p:nvSpPr>
-          <p:cNvPr id="86" name="직사각형 7"/>
-          <p:cNvSpPr/>
-          <p:nvPr/>
-        </p:nvSpPr>
-        <p:spPr>
-          <a:xfrm>
-            <a:off x="5796153" y="3222260"/>
-            <a:ext cx="1944243" cy="429625"/>
-          </a:xfrm>
-          <a:prstGeom prst="rect">
-            <a:avLst/>
-          </a:prstGeom>
-          <a:ln w="3175" algn="ctr">
-            <a:noFill/>
-          </a:ln>
-        </p:spPr>
-        <p:style>
-          <a:lnRef idx="2">
-            <a:schemeClr val="accent6"/>
-          </a:lnRef>
-          <a:fillRef idx="1">
-            <a:schemeClr val="lt1"/>
-          </a:fillRef>
-          <a:effectRef idx="0">
-            <a:schemeClr val="accent6"/>
-          </a:effectRef>
-          <a:fontRef idx="minor">
-            <a:schemeClr val="dk1"/>
-          </a:fontRef>
-        </p:style>
-        <p:txBody>
-          <a:bodyPr vert="horz" wrap="square" lIns="91440" tIns="45720" rIns="91440" bIns="45720" anchor="ctr">
-            <a:noAutofit/>
-          </a:bodyPr>
-          <a:lstStyle/>
-          <a:p>
-            <a:pPr algn="ctr">
-              <a:defRPr lang="ko-KR" altLang="en-US"/>
-            </a:pPr>
-            <a:r>
-              <a:rPr lang="ko-KR" altLang="en-US" sz="900">
-                <a:solidFill>
-                  <a:schemeClr val="bg1">
-                    <a:lumMod val="70000"/>
-                  </a:schemeClr>
-                </a:solidFill>
-              </a:rPr>
-              <a:t>기간이 지난 스티커 정보에 </a:t>
-            </a:r>
-          </a:p>
-          <a:p>
-            <a:pPr algn="ctr">
-              <a:defRPr lang="ko-KR" altLang="en-US"/>
-            </a:pPr>
-            <a:r>
-              <a:rPr lang="ko-KR" altLang="en-US" sz="900">
-                <a:solidFill>
-                  <a:schemeClr val="bg1">
-                    <a:lumMod val="70000"/>
-                  </a:schemeClr>
-                </a:solidFill>
-              </a:rPr>
-              <a:t>대해서 노출 제거하는 5분 배치</a:t>
-            </a:r>
-          </a:p>
-        </p:txBody>
-      </p:sp>
-      <p:sp>
-        <p:nvSpPr>
-          <p:cNvPr id="87" name="직사각형 7"/>
-          <p:cNvSpPr/>
-          <p:nvPr/>
-        </p:nvSpPr>
-        <p:spPr>
-          <a:xfrm>
-            <a:off x="157375" y="2353294"/>
-            <a:ext cx="764238" cy="436912"/>
-          </a:xfrm>
-          <a:prstGeom prst="rect">
-            <a:avLst/>
-          </a:prstGeom>
-          <a:ln w="0" algn="ctr">
-            <a:solidFill>
-              <a:schemeClr val="bg1">
-                <a:lumMod val="70000"/>
-              </a:schemeClr>
-            </a:solidFill>
-          </a:ln>
-        </p:spPr>
-        <p:style>
-          <a:lnRef idx="2">
-            <a:schemeClr val="accent6"/>
-          </a:lnRef>
-          <a:fillRef idx="1">
-            <a:schemeClr val="lt1"/>
-          </a:fillRef>
-          <a:effectRef idx="0">
-            <a:schemeClr val="accent6"/>
-          </a:effectRef>
-          <a:fontRef idx="minor">
-            <a:schemeClr val="dk1"/>
-          </a:fontRef>
-        </p:style>
-        <p:txBody>
-          <a:bodyPr vert="horz" wrap="square" lIns="91440" tIns="45720" rIns="91440" bIns="45720" anchor="ctr">
-            <a:noAutofit/>
-          </a:bodyPr>
-          <a:lstStyle/>
-          <a:p>
-            <a:pPr algn="ctr">
-              <a:defRPr lang="ko-KR" altLang="en-US"/>
-            </a:pPr>
-            <a:r>
-              <a:rPr lang="ko-KR" altLang="en-US" sz="1000">
-                <a:solidFill>
-                  <a:schemeClr val="bg1">
-                    <a:lumMod val="70000"/>
-                  </a:schemeClr>
-                </a:solidFill>
-              </a:rPr>
-              <a:t>딜 리스트</a:t>
-            </a:r>
-          </a:p>
-          <a:p>
-            <a:pPr algn="ctr">
-              <a:defRPr lang="ko-KR" altLang="en-US"/>
-            </a:pPr>
-            <a:r>
-              <a:rPr lang="ko-KR" altLang="en-US" sz="1000">
-                <a:solidFill>
-                  <a:schemeClr val="bg1">
-                    <a:lumMod val="70000"/>
-                  </a:schemeClr>
-                </a:solidFill>
-              </a:rPr>
-              <a:t>획득</a:t>
-            </a:r>
-          </a:p>
-        </p:txBody>
-      </p:sp>
-      <p:sp>
-        <p:nvSpPr>
-          <p:cNvPr id="88" name="직사각형 7"/>
-          <p:cNvSpPr/>
-          <p:nvPr/>
-        </p:nvSpPr>
-        <p:spPr>
-          <a:xfrm>
-            <a:off x="1245655" y="2353294"/>
-            <a:ext cx="1259528" cy="436912"/>
-          </a:xfrm>
-          <a:prstGeom prst="rect">
-            <a:avLst/>
-          </a:prstGeom>
-          <a:ln w="19050" algn="ctr">
-            <a:solidFill>
-              <a:schemeClr val="tx1"/>
-            </a:solidFill>
-          </a:ln>
-        </p:spPr>
-        <p:style>
-          <a:lnRef idx="2">
-            <a:schemeClr val="accent6"/>
-          </a:lnRef>
-          <a:fillRef idx="1">
-            <a:schemeClr val="lt1"/>
-          </a:fillRef>
-          <a:effectRef idx="0">
-            <a:schemeClr val="accent6"/>
-          </a:effectRef>
-          <a:fontRef idx="minor">
-            <a:schemeClr val="dk1"/>
-          </a:fontRef>
-        </p:style>
-        <p:txBody>
-          <a:bodyPr vert="horz" wrap="square" lIns="91440" tIns="45720" rIns="91440" bIns="45720" anchor="ctr">
-            <a:noAutofit/>
-          </a:bodyPr>
-          <a:lstStyle/>
-          <a:p>
-            <a:pPr algn="ctr">
-              <a:defRPr lang="ko-KR" altLang="en-US"/>
-            </a:pPr>
-            <a:r>
-              <a:rPr lang="en-US" altLang="ko-KR" sz="1000" b="1">
-                <a:solidFill>
-                  <a:schemeClr val="tx1"/>
-                </a:solidFill>
-              </a:rPr>
-              <a:t>DB</a:t>
-            </a:r>
-            <a:r>
-              <a:rPr lang="ko-KR" altLang="en-US" sz="1000" b="1">
-                <a:solidFill>
-                  <a:schemeClr val="tx1"/>
-                </a:solidFill>
-              </a:rPr>
-              <a:t>에서 유효한 </a:t>
-            </a:r>
-          </a:p>
-          <a:p>
-            <a:pPr algn="ctr">
-              <a:defRPr lang="ko-KR" altLang="en-US"/>
-            </a:pPr>
-            <a:r>
-              <a:rPr lang="ko-KR" altLang="en-US" sz="1000" b="1">
-                <a:solidFill>
-                  <a:schemeClr val="tx1"/>
-                </a:solidFill>
-              </a:rPr>
-              <a:t>스티커 리스트조회</a:t>
-            </a:r>
-          </a:p>
-        </p:txBody>
-      </p:sp>
-      <p:sp>
-        <p:nvSpPr>
-          <p:cNvPr id="89" name="직사각형 7"/>
-          <p:cNvSpPr/>
-          <p:nvPr/>
-        </p:nvSpPr>
-        <p:spPr>
-          <a:xfrm>
-            <a:off x="2785704" y="2353294"/>
-            <a:ext cx="1988392" cy="436912"/>
-          </a:xfrm>
-          <a:prstGeom prst="rect">
-            <a:avLst/>
-          </a:prstGeom>
-          <a:ln w="19050" algn="ctr">
-            <a:solidFill>
-              <a:schemeClr val="tx1"/>
-            </a:solidFill>
-          </a:ln>
-        </p:spPr>
-        <p:style>
-          <a:lnRef idx="2">
-            <a:schemeClr val="accent6"/>
-          </a:lnRef>
-          <a:fillRef idx="1">
-            <a:schemeClr val="lt1"/>
-          </a:fillRef>
-          <a:effectRef idx="0">
-            <a:schemeClr val="accent6"/>
-          </a:effectRef>
-          <a:fontRef idx="minor">
-            <a:schemeClr val="dk1"/>
-          </a:fontRef>
-        </p:style>
-        <p:txBody>
-          <a:bodyPr vert="horz" wrap="square" lIns="91440" tIns="45720" rIns="91440" bIns="45720" anchor="ctr">
-            <a:noAutofit/>
-          </a:bodyPr>
-          <a:lstStyle/>
-          <a:p>
-            <a:pPr algn="ctr">
-              <a:defRPr lang="ko-KR" altLang="en-US"/>
-            </a:pPr>
-            <a:r>
-              <a:rPr lang="ko-KR" altLang="en-US" sz="1000" b="1">
-                <a:solidFill>
-                  <a:schemeClr val="tx1"/>
-                </a:solidFill>
-              </a:rPr>
-              <a:t>딜 번호가 어떤 딜팩/카테고리에 속하는지 조회</a:t>
-            </a:r>
-          </a:p>
-        </p:txBody>
-      </p:sp>
-      <p:sp>
-        <p:nvSpPr>
-          <p:cNvPr id="90" name="직사각형 7"/>
-          <p:cNvSpPr/>
-          <p:nvPr/>
-        </p:nvSpPr>
-        <p:spPr>
-          <a:xfrm>
-            <a:off x="5089992" y="2353294"/>
-            <a:ext cx="1700356" cy="436912"/>
-          </a:xfrm>
-          <a:prstGeom prst="rect">
-            <a:avLst/>
-          </a:prstGeom>
-          <a:ln w="19050" algn="ctr">
-            <a:solidFill>
-              <a:schemeClr val="tx1"/>
-            </a:solidFill>
-          </a:ln>
-        </p:spPr>
-        <p:style>
-          <a:lnRef idx="2">
-            <a:schemeClr val="accent6"/>
-          </a:lnRef>
-          <a:fillRef idx="1">
-            <a:schemeClr val="lt1"/>
-          </a:fillRef>
-          <a:effectRef idx="0">
-            <a:schemeClr val="accent6"/>
-          </a:effectRef>
-          <a:fontRef idx="minor">
-            <a:schemeClr val="dk1"/>
-          </a:fontRef>
-        </p:style>
-        <p:txBody>
-          <a:bodyPr vert="horz" wrap="square" lIns="91440" tIns="45720" rIns="91440" bIns="45720" anchor="ctr">
-            <a:noAutofit/>
-          </a:bodyPr>
-          <a:lstStyle/>
-          <a:p>
-            <a:pPr algn="ctr">
-              <a:defRPr lang="ko-KR" altLang="en-US"/>
-            </a:pPr>
-            <a:r>
-              <a:rPr lang="ko-KR" altLang="en-US" sz="1000" b="1">
-                <a:solidFill>
-                  <a:schemeClr val="tx1"/>
-                </a:solidFill>
-              </a:rPr>
-              <a:t>스티커 우선순위에 따라 </a:t>
-            </a:r>
-          </a:p>
-          <a:p>
-            <a:pPr algn="ctr">
-              <a:defRPr lang="ko-KR" altLang="en-US"/>
-            </a:pPr>
-            <a:r>
-              <a:rPr lang="ko-KR" altLang="en-US" sz="1000" b="1">
-                <a:solidFill>
-                  <a:schemeClr val="tx1"/>
-                </a:solidFill>
-              </a:rPr>
-              <a:t>딜 번호와 스티커를 매핑</a:t>
-            </a:r>
-          </a:p>
-        </p:txBody>
-      </p:sp>
-      <p:sp>
-        <p:nvSpPr>
-          <p:cNvPr id="99" name="직사각형 7"/>
-          <p:cNvSpPr/>
-          <p:nvPr/>
-        </p:nvSpPr>
-        <p:spPr>
-          <a:xfrm>
-            <a:off x="6768273" y="1820947"/>
-            <a:ext cx="1988391" cy="292894"/>
-          </a:xfrm>
-          <a:prstGeom prst="rect">
-            <a:avLst/>
-          </a:prstGeom>
-          <a:ln w="3175" algn="ctr">
-            <a:solidFill>
-              <a:schemeClr val="bg1">
-                <a:lumMod val="60000"/>
-              </a:schemeClr>
-            </a:solidFill>
-          </a:ln>
-        </p:spPr>
-        <p:style>
-          <a:lnRef idx="2">
-            <a:schemeClr val="accent6"/>
-          </a:lnRef>
-          <a:fillRef idx="1">
-            <a:schemeClr val="lt1"/>
-          </a:fillRef>
-          <a:effectRef idx="0">
-            <a:schemeClr val="accent6"/>
-          </a:effectRef>
-          <a:fontRef idx="minor">
-            <a:schemeClr val="dk1"/>
-          </a:fontRef>
-        </p:style>
-        <p:txBody>
-          <a:bodyPr vert="horz" wrap="square" lIns="91440" tIns="45720" rIns="91440" bIns="45720" anchor="ctr">
-            <a:noAutofit/>
-          </a:bodyPr>
-          <a:lstStyle/>
-          <a:p>
-            <a:pPr algn="ctr">
-              <a:defRPr lang="ko-KR" altLang="en-US"/>
-            </a:pPr>
-            <a:r>
-              <a:rPr lang="en-US" altLang="ko-KR" sz="1000">
-                <a:solidFill>
-                  <a:schemeClr val="bg1">
-                    <a:lumMod val="70000"/>
-                  </a:schemeClr>
-                </a:solidFill>
-              </a:rPr>
-              <a:t>service_tmon_dealbuilder_api</a:t>
-            </a:r>
-          </a:p>
-        </p:txBody>
-      </p:sp>
-      <p:sp>
-        <p:nvSpPr>
-          <p:cNvPr id="106" name="직사각형 7"/>
-          <p:cNvSpPr/>
-          <p:nvPr/>
-        </p:nvSpPr>
-        <p:spPr>
-          <a:xfrm>
-            <a:off x="5190659" y="267462"/>
-            <a:ext cx="1988391" cy="292894"/>
-          </a:xfrm>
-          <a:prstGeom prst="rect">
-            <a:avLst/>
-          </a:prstGeom>
-          <a:ln w="3175" algn="ctr">
-            <a:solidFill>
-              <a:schemeClr val="bg1">
-                <a:lumMod val="60000"/>
-              </a:schemeClr>
-            </a:solidFill>
-          </a:ln>
-        </p:spPr>
-        <p:style>
-          <a:lnRef idx="2">
-            <a:schemeClr val="accent6"/>
-          </a:lnRef>
-          <a:fillRef idx="1">
-            <a:schemeClr val="lt1"/>
-          </a:fillRef>
-          <a:effectRef idx="0">
-            <a:schemeClr val="accent6"/>
-          </a:effectRef>
-          <a:fontRef idx="minor">
-            <a:schemeClr val="dk1"/>
-          </a:fontRef>
-        </p:style>
-        <p:txBody>
-          <a:bodyPr vert="horz" wrap="square" lIns="91440" tIns="45720" rIns="91440" bIns="45720" anchor="ctr">
-            <a:noAutofit/>
-          </a:bodyPr>
-          <a:lstStyle/>
-          <a:p>
-            <a:pPr algn="ctr">
-              <a:defRPr lang="ko-KR" altLang="en-US"/>
-            </a:pPr>
-            <a:r>
-              <a:rPr lang="en-US" altLang="ko-KR" sz="1000">
-                <a:solidFill>
-                  <a:schemeClr val="bg1">
-                    <a:lumMod val="70000"/>
-                  </a:schemeClr>
-                </a:solidFill>
-              </a:rPr>
-              <a:t>service_tmon_dealinfo_api</a:t>
-            </a:r>
-          </a:p>
-        </p:txBody>
-      </p:sp>
-      <p:sp>
-        <p:nvSpPr>
-          <p:cNvPr id="107" name="직사각형 7"/>
-          <p:cNvSpPr/>
-          <p:nvPr/>
-        </p:nvSpPr>
-        <p:spPr>
-          <a:xfrm>
-            <a:off x="5190659" y="598206"/>
-            <a:ext cx="2231754" cy="783717"/>
-          </a:xfrm>
-          <a:prstGeom prst="rect">
-            <a:avLst/>
-          </a:prstGeom>
-          <a:noFill/>
-          <a:ln w="3175" algn="ctr">
-            <a:noFill/>
-          </a:ln>
-        </p:spPr>
-        <p:style>
-          <a:lnRef idx="2">
-            <a:schemeClr val="accent6"/>
-          </a:lnRef>
-          <a:fillRef idx="1">
-            <a:schemeClr val="lt1"/>
-          </a:fillRef>
-          <a:effectRef idx="0">
-            <a:schemeClr val="accent6"/>
-          </a:effectRef>
-          <a:fontRef idx="minor">
-            <a:schemeClr val="dk1"/>
-          </a:fontRef>
-        </p:style>
-        <p:txBody>
-          <a:bodyPr vert="horz" wrap="square" lIns="91440" tIns="45720" rIns="91440" bIns="45720" anchor="ctr">
-            <a:noAutofit/>
-          </a:bodyPr>
-          <a:lstStyle/>
-          <a:p>
-            <a:pPr>
-              <a:defRPr lang="ko-KR" altLang="en-US"/>
-            </a:pPr>
-            <a:r>
-              <a:rPr lang="ko-KR" altLang="en-US" sz="900" dirty="0">
-                <a:solidFill>
-                  <a:schemeClr val="bg1">
-                    <a:lumMod val="70000"/>
-                  </a:schemeClr>
-                </a:solidFill>
-              </a:rPr>
-              <a:t>1. 딜 변경 이벤트 생성</a:t>
-            </a:r>
-          </a:p>
-          <a:p>
-            <a:pPr>
-              <a:defRPr lang="ko-KR" altLang="en-US"/>
-            </a:pPr>
-            <a:r>
-              <a:rPr lang="ko-KR" altLang="en-US" sz="900" dirty="0">
-                <a:solidFill>
-                  <a:schemeClr val="bg1">
-                    <a:lumMod val="70000"/>
-                  </a:schemeClr>
-                </a:solidFill>
-              </a:rPr>
-              <a:t>2. </a:t>
-            </a:r>
-            <a:r>
-              <a:rPr lang="ko-KR" altLang="en-US" sz="900" dirty="0" err="1">
-                <a:solidFill>
-                  <a:schemeClr val="bg1">
-                    <a:lumMod val="70000"/>
-                  </a:schemeClr>
-                </a:solidFill>
-              </a:rPr>
-              <a:t>스키터</a:t>
-            </a:r>
-            <a:r>
-              <a:rPr lang="ko-KR" altLang="en-US" sz="900" dirty="0">
-                <a:solidFill>
-                  <a:schemeClr val="bg1">
-                    <a:lumMod val="70000"/>
-                  </a:schemeClr>
-                </a:solidFill>
-              </a:rPr>
-              <a:t> </a:t>
-            </a:r>
-            <a:r>
-              <a:rPr lang="ko-KR" altLang="en-US" sz="900" dirty="0" err="1">
-                <a:solidFill>
-                  <a:schemeClr val="bg1">
-                    <a:lumMod val="70000"/>
-                  </a:schemeClr>
-                </a:solidFill>
-              </a:rPr>
-              <a:t>버킷에서</a:t>
-            </a:r>
-            <a:r>
-              <a:rPr lang="ko-KR" altLang="en-US" sz="900" dirty="0">
-                <a:solidFill>
-                  <a:schemeClr val="bg1">
-                    <a:lumMod val="70000"/>
-                  </a:schemeClr>
-                </a:solidFill>
-              </a:rPr>
-              <a:t> 스티커 조회</a:t>
-            </a:r>
-          </a:p>
-          <a:p>
-            <a:pPr>
-              <a:defRPr lang="ko-KR" altLang="en-US"/>
-            </a:pPr>
-            <a:r>
-              <a:rPr lang="ko-KR" altLang="en-US" sz="900" dirty="0">
-                <a:solidFill>
-                  <a:schemeClr val="bg1">
-                    <a:lumMod val="70000"/>
-                  </a:schemeClr>
-                </a:solidFill>
-              </a:rPr>
-              <a:t>3. 딜 정보에 포함</a:t>
-            </a:r>
-          </a:p>
-          <a:p>
-            <a:pPr>
-              <a:defRPr lang="ko-KR" altLang="en-US"/>
-            </a:pPr>
-            <a:r>
-              <a:rPr lang="ko-KR" altLang="en-US" sz="900" dirty="0">
-                <a:solidFill>
-                  <a:schemeClr val="bg1">
-                    <a:lumMod val="70000"/>
-                  </a:schemeClr>
-                </a:solidFill>
-              </a:rPr>
-              <a:t>4. </a:t>
-            </a:r>
-            <a:r>
-              <a:rPr lang="ko-KR" altLang="en-US" sz="900" dirty="0" err="1">
-                <a:solidFill>
-                  <a:schemeClr val="bg1">
-                    <a:lumMod val="70000"/>
-                  </a:schemeClr>
-                </a:solidFill>
-              </a:rPr>
-              <a:t>딜인포</a:t>
-            </a:r>
-            <a:r>
-              <a:rPr lang="ko-KR" altLang="en-US" sz="900" dirty="0">
-                <a:solidFill>
-                  <a:schemeClr val="bg1">
-                    <a:lumMod val="70000"/>
-                  </a:schemeClr>
-                </a:solidFill>
-              </a:rPr>
-              <a:t> </a:t>
-            </a:r>
-            <a:r>
-              <a:rPr lang="ko-KR" altLang="en-US" sz="900" dirty="0" err="1">
-                <a:solidFill>
-                  <a:schemeClr val="bg1">
-                    <a:lumMod val="70000"/>
-                  </a:schemeClr>
-                </a:solidFill>
-              </a:rPr>
-              <a:t>버킷에</a:t>
-            </a:r>
-            <a:r>
-              <a:rPr lang="ko-KR" altLang="en-US" sz="900" dirty="0">
-                <a:solidFill>
-                  <a:schemeClr val="bg1">
-                    <a:lumMod val="70000"/>
-                  </a:schemeClr>
-                </a:solidFill>
-              </a:rPr>
-              <a:t> 완전한 딜 정보 저장</a:t>
-            </a:r>
-          </a:p>
-        </p:txBody>
-      </p:sp>
-      <p:cxnSp>
-        <p:nvCxnSpPr>
-          <p:cNvPr id="110" name="꺾인 연결선[E] 72"/>
-          <p:cNvCxnSpPr>
-            <a:stCxn id="87" idx="0"/>
-            <a:endCxn id="114" idx="2"/>
-          </p:cNvCxnSpPr>
-          <p:nvPr/>
-        </p:nvCxnSpPr>
-        <p:spPr>
-          <a:xfrm rot="5400000" flipH="1" flipV="1">
-            <a:off x="201893" y="1849601"/>
-            <a:ext cx="841294" cy="166090"/>
-          </a:xfrm>
-          <a:prstGeom prst="bentConnector2">
-            <a:avLst/>
-          </a:prstGeom>
-          <a:ln w="0" algn="ctr">
-            <a:solidFill>
-              <a:schemeClr val="bg1">
-                <a:lumMod val="70000"/>
-              </a:schemeClr>
-            </a:solidFill>
-            <a:tailEnd type="triangle"/>
-          </a:ln>
-        </p:spPr>
-        <p:style>
-          <a:lnRef idx="1">
-            <a:schemeClr val="accent2"/>
-          </a:lnRef>
-          <a:fillRef idx="0">
-            <a:schemeClr val="accent2"/>
-          </a:fillRef>
-          <a:effectRef idx="0">
-            <a:schemeClr val="accent2"/>
-          </a:effectRef>
-          <a:fontRef idx="minor">
-            <a:schemeClr val="tx1"/>
-          </a:fontRef>
-        </p:style>
-      </p:cxnSp>
-      <p:grpSp>
-        <p:nvGrpSpPr>
-          <p:cNvPr id="116" name="그룹 115"/>
-          <p:cNvGrpSpPr/>
-          <p:nvPr/>
-        </p:nvGrpSpPr>
-        <p:grpSpPr>
-          <a:xfrm>
-            <a:off x="705585" y="1142465"/>
-            <a:ext cx="2315791" cy="738188"/>
-            <a:chOff x="705585" y="1142465"/>
-            <a:chExt cx="2315791" cy="738188"/>
-          </a:xfrm>
-        </p:grpSpPr>
-        <p:grpSp>
-          <p:nvGrpSpPr>
-            <p:cNvPr id="113" name="그룹 112"/>
-            <p:cNvGrpSpPr/>
-            <p:nvPr/>
-          </p:nvGrpSpPr>
-          <p:grpSpPr>
-            <a:xfrm>
-              <a:off x="863536" y="1142465"/>
-              <a:ext cx="1989979" cy="738188"/>
-              <a:chOff x="863536" y="1142465"/>
-              <a:chExt cx="1989979" cy="738188"/>
-            </a:xfrm>
-          </p:grpSpPr>
-          <p:sp>
-            <p:nvSpPr>
-              <p:cNvPr id="108" name="직사각형 7"/>
-              <p:cNvSpPr/>
-              <p:nvPr/>
-            </p:nvSpPr>
-            <p:spPr>
-              <a:xfrm>
-                <a:off x="863536" y="1142465"/>
-                <a:ext cx="1988391" cy="292894"/>
-              </a:xfrm>
-              <a:prstGeom prst="rect">
-                <a:avLst/>
-              </a:prstGeom>
-              <a:ln w="19050" algn="ctr">
-                <a:solidFill>
-                  <a:schemeClr val="tx1"/>
-                </a:solidFill>
-              </a:ln>
-            </p:spPr>
-            <p:style>
-              <a:lnRef idx="2">
-                <a:schemeClr val="accent6"/>
-              </a:lnRef>
-              <a:fillRef idx="1">
-                <a:schemeClr val="lt1"/>
-              </a:fillRef>
-              <a:effectRef idx="0">
-                <a:schemeClr val="accent6"/>
-              </a:effectRef>
-              <a:fontRef idx="minor">
-                <a:schemeClr val="dk1"/>
-              </a:fontRef>
-            </p:style>
-            <p:txBody>
-              <a:bodyPr vert="horz" wrap="square" lIns="91440" tIns="45720" rIns="91440" bIns="45720" anchor="ctr">
-                <a:noAutofit/>
-              </a:bodyPr>
-              <a:lstStyle/>
-              <a:p>
-                <a:pPr algn="ctr">
-                  <a:defRPr lang="ko-KR" altLang="en-US"/>
-                </a:pPr>
-                <a:r>
-                  <a:rPr lang="en-US" altLang="ko-KR" sz="1000" b="1">
-                    <a:solidFill>
-                      <a:schemeClr val="tx1"/>
-                    </a:solidFill>
-                  </a:rPr>
-                  <a:t>service_tmon_dealpack_api</a:t>
-                </a:r>
-              </a:p>
-            </p:txBody>
-          </p:sp>
-          <p:sp>
-            <p:nvSpPr>
-              <p:cNvPr id="109" name="직사각형 7"/>
-              <p:cNvSpPr/>
-              <p:nvPr/>
-            </p:nvSpPr>
-            <p:spPr>
-              <a:xfrm>
-                <a:off x="863536" y="1587759"/>
-                <a:ext cx="1988391" cy="292894"/>
-              </a:xfrm>
-              <a:prstGeom prst="rect">
-                <a:avLst/>
-              </a:prstGeom>
-              <a:ln w="19050" algn="ctr">
-                <a:solidFill>
-                  <a:schemeClr val="tx1"/>
-                </a:solidFill>
-              </a:ln>
-            </p:spPr>
-            <p:style>
-              <a:lnRef idx="2">
-                <a:schemeClr val="accent6"/>
-              </a:lnRef>
-              <a:fillRef idx="1">
-                <a:schemeClr val="lt1"/>
-              </a:fillRef>
-              <a:effectRef idx="0">
-                <a:schemeClr val="accent6"/>
-              </a:effectRef>
-              <a:fontRef idx="minor">
-                <a:schemeClr val="dk1"/>
-              </a:fontRef>
-            </p:style>
-            <p:txBody>
-              <a:bodyPr vert="horz" wrap="square" lIns="91440" tIns="45720" rIns="91440" bIns="45720" anchor="ctr">
-                <a:noAutofit/>
-              </a:bodyPr>
-              <a:lstStyle/>
-              <a:p>
-                <a:pPr algn="ctr">
-                  <a:defRPr lang="ko-KR" altLang="en-US"/>
-                </a:pPr>
-                <a:r>
-                  <a:rPr lang="en-US" altLang="ko-KR" sz="1000" b="1">
-                    <a:solidFill>
-                      <a:schemeClr val="tx1"/>
-                    </a:solidFill>
-                  </a:rPr>
-                  <a:t>service_tmon_dealinter_api</a:t>
-                </a:r>
-              </a:p>
-            </p:txBody>
-          </p:sp>
-          <p:cxnSp>
-            <p:nvCxnSpPr>
-              <p:cNvPr id="111" name="꺾인 연결선[E] 72"/>
-              <p:cNvCxnSpPr>
-                <a:stCxn id="109" idx="1"/>
-                <a:endCxn id="108" idx="1"/>
-              </p:cNvCxnSpPr>
-              <p:nvPr/>
-            </p:nvCxnSpPr>
-            <p:spPr>
-              <a:xfrm flipV="1">
-                <a:off x="863536" y="1288912"/>
-                <a:ext cx="1588" cy="445294"/>
-              </a:xfrm>
-              <a:prstGeom prst="bentConnector3">
-                <a:avLst>
-                  <a:gd name="adj1" fmla="val -8338803"/>
-                </a:avLst>
-              </a:prstGeom>
-              <a:ln w="19050" algn="ctr">
-                <a:solidFill>
-                  <a:schemeClr val="tx1"/>
-                </a:solidFill>
-              </a:ln>
-            </p:spPr>
-            <p:style>
-              <a:lnRef idx="1">
-                <a:schemeClr val="accent2"/>
-              </a:lnRef>
-              <a:fillRef idx="0">
-                <a:schemeClr val="accent2"/>
-              </a:fillRef>
-              <a:effectRef idx="0">
-                <a:schemeClr val="accent2"/>
-              </a:effectRef>
-              <a:fontRef idx="minor">
-                <a:schemeClr val="tx1"/>
-              </a:fontRef>
-            </p:style>
-          </p:cxnSp>
-          <p:cxnSp>
-            <p:nvCxnSpPr>
-              <p:cNvPr id="112" name="꺾인 연결선[E] 72"/>
-              <p:cNvCxnSpPr>
-                <a:stCxn id="109" idx="3"/>
-                <a:endCxn id="108" idx="3"/>
-              </p:cNvCxnSpPr>
-              <p:nvPr/>
-            </p:nvCxnSpPr>
-            <p:spPr>
-              <a:xfrm flipV="1">
-                <a:off x="2851927" y="1288912"/>
-                <a:ext cx="1588" cy="445294"/>
-              </a:xfrm>
-              <a:prstGeom prst="bentConnector3">
-                <a:avLst>
-                  <a:gd name="adj1" fmla="val 8438413"/>
-                </a:avLst>
-              </a:prstGeom>
-              <a:ln w="19050" algn="ctr">
-                <a:solidFill>
-                  <a:schemeClr val="tx1"/>
-                </a:solidFill>
-              </a:ln>
-            </p:spPr>
-            <p:style>
-              <a:lnRef idx="1">
-                <a:schemeClr val="accent2"/>
-              </a:lnRef>
-              <a:fillRef idx="0">
-                <a:schemeClr val="accent2"/>
-              </a:fillRef>
-              <a:effectRef idx="0">
-                <a:schemeClr val="accent2"/>
-              </a:effectRef>
-              <a:fontRef idx="minor">
-                <a:schemeClr val="tx1"/>
-              </a:fontRef>
-            </p:style>
-          </p:cxnSp>
-        </p:grpSp>
-        <p:sp>
-          <p:nvSpPr>
-            <p:cNvPr id="114" name="타원 113"/>
-            <p:cNvSpPr/>
-            <p:nvPr/>
-          </p:nvSpPr>
-          <p:spPr>
-            <a:xfrm>
-              <a:off x="705585" y="1494000"/>
-              <a:ext cx="36000" cy="36000"/>
-            </a:xfrm>
-            <a:prstGeom prst="ellipse">
-              <a:avLst/>
-            </a:prstGeom>
-            <a:noFill/>
-            <a:ln w="19050" algn="ctr">
-              <a:solidFill>
-                <a:schemeClr val="tx1"/>
-              </a:solidFill>
-            </a:ln>
-          </p:spPr>
-          <p:style>
-            <a:lnRef idx="2">
-              <a:schemeClr val="accent1">
-                <a:shade val="20000"/>
-              </a:schemeClr>
-            </a:lnRef>
-            <a:fillRef idx="1">
-              <a:schemeClr val="accent1"/>
-            </a:fillRef>
-            <a:effectRef idx="0">
-              <a:schemeClr val="accent1"/>
-            </a:effectRef>
-            <a:fontRef idx="minor">
-              <a:schemeClr val="lt1"/>
-            </a:fontRef>
-          </p:style>
-          <p:txBody>
-            <a:bodyPr vert="horz" wrap="square" lIns="91440" tIns="45720" rIns="91440" bIns="45720" anchor="ctr">
-              <a:noAutofit/>
-            </a:bodyPr>
-            <a:lstStyle/>
-            <a:p>
-              <a:pPr algn="ctr">
-                <a:defRPr lang="ko-KR" altLang="en-US"/>
-              </a:pPr>
-              <a:endParaRPr lang="en-US" altLang="ko-KR"/>
-            </a:p>
-          </p:txBody>
-        </p:sp>
-        <p:sp>
-          <p:nvSpPr>
-            <p:cNvPr id="115" name="타원 114"/>
-            <p:cNvSpPr/>
-            <p:nvPr/>
-          </p:nvSpPr>
-          <p:spPr>
-            <a:xfrm>
-              <a:off x="2985377" y="1494000"/>
-              <a:ext cx="36000" cy="36000"/>
-            </a:xfrm>
-            <a:prstGeom prst="ellipse">
-              <a:avLst/>
-            </a:prstGeom>
-            <a:noFill/>
-            <a:ln w="19050" algn="ctr">
-              <a:solidFill>
-                <a:schemeClr val="tx1"/>
-              </a:solidFill>
-            </a:ln>
-          </p:spPr>
-          <p:style>
-            <a:lnRef idx="2">
-              <a:schemeClr val="accent1">
-                <a:shade val="20000"/>
-              </a:schemeClr>
-            </a:lnRef>
-            <a:fillRef idx="1">
-              <a:schemeClr val="accent1"/>
-            </a:fillRef>
-            <a:effectRef idx="0">
-              <a:schemeClr val="accent1"/>
-            </a:effectRef>
-            <a:fontRef idx="minor">
-              <a:schemeClr val="lt1"/>
-            </a:fontRef>
-          </p:style>
-          <p:txBody>
-            <a:bodyPr vert="horz" wrap="square" lIns="91440" tIns="45720" rIns="91440" bIns="45720" anchor="ctr">
-              <a:noAutofit/>
-            </a:bodyPr>
-            <a:lstStyle/>
-            <a:p>
-              <a:pPr algn="ctr">
-                <a:defRPr lang="ko-KR" altLang="en-US"/>
-              </a:pPr>
-              <a:endParaRPr lang="en-US" altLang="ko-KR"/>
-            </a:p>
-          </p:txBody>
-        </p:sp>
-      </p:grpSp>
-      <p:cxnSp>
-        <p:nvCxnSpPr>
-          <p:cNvPr id="117" name="꺾인 연결선[E] 72"/>
-          <p:cNvCxnSpPr>
-            <a:endCxn id="115" idx="6"/>
-          </p:cNvCxnSpPr>
-          <p:nvPr/>
-        </p:nvCxnSpPr>
-        <p:spPr>
-          <a:xfrm rot="16200000" flipV="1">
-            <a:off x="3015996" y="1517380"/>
-            <a:ext cx="841294" cy="830533"/>
-          </a:xfrm>
-          <a:prstGeom prst="bentConnector2">
-            <a:avLst/>
-          </a:prstGeom>
-          <a:ln w="19050" algn="ctr">
-            <a:solidFill>
-              <a:schemeClr val="tx1"/>
-            </a:solidFill>
-            <a:tailEnd type="triangle"/>
-          </a:ln>
-        </p:spPr>
-        <p:style>
-          <a:lnRef idx="1">
-            <a:schemeClr val="accent2"/>
-          </a:lnRef>
-          <a:fillRef idx="0">
-            <a:schemeClr val="accent2"/>
-          </a:fillRef>
-          <a:effectRef idx="0">
-            <a:schemeClr val="accent2"/>
-          </a:effectRef>
-          <a:fontRef idx="minor">
-            <a:schemeClr val="tx1"/>
-          </a:fontRef>
-        </p:style>
-      </p:cxnSp>
-      <p:cxnSp>
-        <p:nvCxnSpPr>
-          <p:cNvPr id="118" name="꺾인 연결선[E] 72"/>
-          <p:cNvCxnSpPr>
-            <a:stCxn id="63" idx="0"/>
-            <a:endCxn id="87" idx="2"/>
-          </p:cNvCxnSpPr>
-          <p:nvPr/>
-        </p:nvCxnSpPr>
-        <p:spPr>
-          <a:xfrm rot="5400000" flipH="1">
-            <a:off x="2434350" y="895350"/>
-            <a:ext cx="244594" cy="4034304"/>
-          </a:xfrm>
-          <a:prstGeom prst="bentConnector3">
-            <a:avLst>
-              <a:gd name="adj1" fmla="val 50000"/>
-            </a:avLst>
-          </a:prstGeom>
-          <a:ln w="0" algn="ctr">
-            <a:solidFill>
-              <a:schemeClr val="bg1">
-                <a:lumMod val="70000"/>
-              </a:schemeClr>
-            </a:solidFill>
-            <a:tailEnd type="triangle"/>
-          </a:ln>
-        </p:spPr>
-        <p:style>
-          <a:lnRef idx="1">
-            <a:schemeClr val="accent2"/>
-          </a:lnRef>
-          <a:fillRef idx="0">
-            <a:schemeClr val="accent2"/>
-          </a:fillRef>
-          <a:effectRef idx="0">
-            <a:schemeClr val="accent2"/>
-          </a:effectRef>
-          <a:fontRef idx="minor">
-            <a:schemeClr val="tx1"/>
-          </a:fontRef>
-        </p:style>
-      </p:cxnSp>
-      <p:cxnSp>
-        <p:nvCxnSpPr>
-          <p:cNvPr id="119" name="직선 화살표 연결선 9"/>
-          <p:cNvCxnSpPr>
-            <a:cxnSpLocks/>
-            <a:stCxn id="87" idx="3"/>
-            <a:endCxn id="88" idx="1"/>
-          </p:cNvCxnSpPr>
-          <p:nvPr/>
-        </p:nvCxnSpPr>
-        <p:spPr>
-          <a:xfrm>
-            <a:off x="921613" y="2571750"/>
-            <a:ext cx="324042" cy="0"/>
-          </a:xfrm>
-          <a:prstGeom prst="straightConnector1">
-            <a:avLst/>
-          </a:prstGeom>
-          <a:ln w="0" algn="ctr">
-            <a:solidFill>
-              <a:schemeClr val="bg1">
-                <a:lumMod val="70000"/>
-              </a:schemeClr>
-            </a:solidFill>
-            <a:tailEnd type="triangle"/>
-          </a:ln>
-        </p:spPr>
-        <p:style>
-          <a:lnRef idx="1">
-            <a:schemeClr val="accent2"/>
-          </a:lnRef>
-          <a:fillRef idx="0">
-            <a:schemeClr val="accent2"/>
-          </a:fillRef>
-          <a:effectRef idx="0">
-            <a:schemeClr val="accent2"/>
-          </a:effectRef>
-          <a:fontRef idx="minor">
-            <a:schemeClr val="tx1"/>
-          </a:fontRef>
-        </p:style>
-      </p:cxnSp>
-      <p:cxnSp>
-        <p:nvCxnSpPr>
-          <p:cNvPr id="120" name="직선 화살표 연결선 9"/>
-          <p:cNvCxnSpPr>
-            <a:cxnSpLocks/>
-            <a:stCxn id="88" idx="3"/>
-            <a:endCxn id="89" idx="1"/>
-          </p:cNvCxnSpPr>
-          <p:nvPr/>
-        </p:nvCxnSpPr>
-        <p:spPr>
-          <a:xfrm>
-            <a:off x="2505183" y="2571750"/>
-            <a:ext cx="280521" cy="0"/>
-          </a:xfrm>
-          <a:prstGeom prst="straightConnector1">
-            <a:avLst/>
-          </a:prstGeom>
-          <a:ln w="19050" algn="ctr">
-            <a:solidFill>
-              <a:schemeClr val="tx1"/>
-            </a:solidFill>
-            <a:tailEnd type="triangle"/>
-          </a:ln>
-        </p:spPr>
-        <p:style>
-          <a:lnRef idx="1">
-            <a:schemeClr val="accent2"/>
-          </a:lnRef>
-          <a:fillRef idx="0">
-            <a:schemeClr val="accent2"/>
-          </a:fillRef>
-          <a:effectRef idx="0">
-            <a:schemeClr val="accent2"/>
-          </a:effectRef>
-          <a:fontRef idx="minor">
-            <a:schemeClr val="tx1"/>
-          </a:fontRef>
-        </p:style>
-      </p:cxnSp>
-      <p:cxnSp>
-        <p:nvCxnSpPr>
-          <p:cNvPr id="121" name="직선 화살표 연결선 9"/>
-          <p:cNvCxnSpPr>
-            <a:stCxn id="89" idx="3"/>
-            <a:endCxn id="90" idx="1"/>
-          </p:cNvCxnSpPr>
-          <p:nvPr/>
-        </p:nvCxnSpPr>
-        <p:spPr>
-          <a:xfrm>
-            <a:off x="4774096" y="2571750"/>
-            <a:ext cx="315896" cy="0"/>
-          </a:xfrm>
-          <a:prstGeom prst="straightConnector1">
-            <a:avLst/>
-          </a:prstGeom>
-          <a:ln w="19050" algn="ctr">
-            <a:solidFill>
-              <a:schemeClr val="tx1"/>
-            </a:solidFill>
-            <a:tailEnd type="triangle"/>
-          </a:ln>
-        </p:spPr>
-        <p:style>
-          <a:lnRef idx="1">
-            <a:schemeClr val="accent2"/>
-          </a:lnRef>
-          <a:fillRef idx="0">
-            <a:schemeClr val="accent2"/>
-          </a:fillRef>
-          <a:effectRef idx="0">
-            <a:schemeClr val="accent2"/>
-          </a:effectRef>
-          <a:fontRef idx="minor">
-            <a:schemeClr val="tx1"/>
-          </a:fontRef>
-        </p:style>
-      </p:cxnSp>
-      <p:cxnSp>
-        <p:nvCxnSpPr>
-          <p:cNvPr id="122" name="직선 화살표 연결선 9"/>
-          <p:cNvCxnSpPr>
-            <a:stCxn id="90" idx="3"/>
-            <a:endCxn id="91" idx="1"/>
-          </p:cNvCxnSpPr>
-          <p:nvPr/>
-        </p:nvCxnSpPr>
-        <p:spPr>
-          <a:xfrm>
-            <a:off x="6790348" y="2571750"/>
-            <a:ext cx="275702" cy="0"/>
-          </a:xfrm>
-          <a:prstGeom prst="straightConnector1">
-            <a:avLst/>
-          </a:prstGeom>
-          <a:ln w="3175" algn="ctr">
-            <a:solidFill>
-              <a:schemeClr val="bg1">
-                <a:lumMod val="60000"/>
-              </a:schemeClr>
-            </a:solidFill>
-            <a:tailEnd type="triangle"/>
-          </a:ln>
-        </p:spPr>
-        <p:style>
-          <a:lnRef idx="1">
-            <a:schemeClr val="accent2"/>
-          </a:lnRef>
-          <a:fillRef idx="0">
-            <a:schemeClr val="accent2"/>
-          </a:fillRef>
-          <a:effectRef idx="0">
-            <a:schemeClr val="accent2"/>
-          </a:effectRef>
-          <a:fontRef idx="minor">
-            <a:schemeClr val="tx1"/>
-          </a:fontRef>
-        </p:style>
-      </p:cxnSp>
-      <p:cxnSp>
-        <p:nvCxnSpPr>
-          <p:cNvPr id="123" name="꺾인 연결선[E] 72"/>
-          <p:cNvCxnSpPr>
-            <a:stCxn id="91" idx="3"/>
-            <a:endCxn id="99" idx="2"/>
-          </p:cNvCxnSpPr>
-          <p:nvPr/>
-        </p:nvCxnSpPr>
-        <p:spPr>
-          <a:xfrm flipH="1" flipV="1">
-            <a:off x="7762469" y="2113841"/>
-            <a:ext cx="652273" cy="457909"/>
-          </a:xfrm>
-          <a:prstGeom prst="bentConnector4">
-            <a:avLst>
-              <a:gd name="adj1" fmla="val -21681"/>
-              <a:gd name="adj2" fmla="val 62287"/>
-            </a:avLst>
-          </a:prstGeom>
-          <a:ln w="3175" algn="ctr">
-            <a:solidFill>
-              <a:schemeClr val="bg1">
-                <a:lumMod val="60000"/>
-              </a:schemeClr>
-            </a:solidFill>
-            <a:tailEnd type="triangle"/>
-          </a:ln>
-        </p:spPr>
-        <p:style>
-          <a:lnRef idx="1">
-            <a:schemeClr val="accent2"/>
-          </a:lnRef>
-          <a:fillRef idx="0">
-            <a:schemeClr val="accent2"/>
-          </a:fillRef>
-          <a:effectRef idx="0">
-            <a:schemeClr val="accent2"/>
-          </a:effectRef>
-          <a:fontRef idx="minor">
-            <a:schemeClr val="tx1"/>
-          </a:fontRef>
-        </p:style>
-      </p:cxnSp>
-      <p:cxnSp>
-        <p:nvCxnSpPr>
-          <p:cNvPr id="124" name="직선 화살표 연결선 9"/>
-          <p:cNvCxnSpPr>
-            <a:stCxn id="99" idx="0"/>
-            <a:endCxn id="101" idx="2"/>
-          </p:cNvCxnSpPr>
-          <p:nvPr/>
-        </p:nvCxnSpPr>
-        <p:spPr>
-          <a:xfrm rot="16200000">
-            <a:off x="7485508" y="1543986"/>
-            <a:ext cx="553921" cy="0"/>
-          </a:xfrm>
-          <a:prstGeom prst="straightConnector1">
-            <a:avLst/>
-          </a:prstGeom>
-          <a:ln w="3175" algn="ctr">
-            <a:solidFill>
-              <a:schemeClr val="tx1"/>
-            </a:solidFill>
-            <a:tailEnd type="triangle"/>
-          </a:ln>
-        </p:spPr>
-        <p:style>
-          <a:lnRef idx="1">
-            <a:schemeClr val="accent2"/>
-          </a:lnRef>
-          <a:fillRef idx="0">
-            <a:schemeClr val="accent2"/>
-          </a:fillRef>
-          <a:effectRef idx="0">
-            <a:schemeClr val="accent2"/>
-          </a:effectRef>
-          <a:fontRef idx="minor">
-            <a:schemeClr val="tx1"/>
-          </a:fontRef>
-        </p:style>
-      </p:cxnSp>
-      <p:cxnSp>
-        <p:nvCxnSpPr>
-          <p:cNvPr id="126" name="꺾인 연결선[E] 72"/>
-          <p:cNvCxnSpPr>
-            <a:stCxn id="133" idx="0"/>
-            <a:endCxn id="106" idx="3"/>
-          </p:cNvCxnSpPr>
-          <p:nvPr/>
-        </p:nvCxnSpPr>
-        <p:spPr>
-          <a:xfrm rot="5400000" flipH="1">
-            <a:off x="7398041" y="194918"/>
-            <a:ext cx="125775" cy="563756"/>
-          </a:xfrm>
-          <a:prstGeom prst="bentConnector2">
-            <a:avLst/>
-          </a:prstGeom>
-          <a:ln w="3175" algn="ctr">
-            <a:solidFill>
-              <a:schemeClr val="bg1">
-                <a:lumMod val="60000"/>
-              </a:schemeClr>
-            </a:solidFill>
-            <a:tailEnd type="triangle"/>
-          </a:ln>
-        </p:spPr>
-        <p:style>
-          <a:lnRef idx="1">
-            <a:schemeClr val="accent2"/>
-          </a:lnRef>
-          <a:fillRef idx="0">
-            <a:schemeClr val="accent2"/>
-          </a:fillRef>
-          <a:effectRef idx="0">
-            <a:schemeClr val="accent2"/>
-          </a:effectRef>
-          <a:fontRef idx="minor">
-            <a:schemeClr val="tx1"/>
-          </a:fontRef>
-        </p:style>
-      </p:cxnSp>
-      <p:cxnSp>
-        <p:nvCxnSpPr>
-          <p:cNvPr id="127" name="꺾인 연결선[E] 72"/>
-          <p:cNvCxnSpPr>
-            <a:stCxn id="106" idx="1"/>
-            <a:endCxn id="132" idx="0"/>
-          </p:cNvCxnSpPr>
-          <p:nvPr/>
-        </p:nvCxnSpPr>
-        <p:spPr>
-          <a:xfrm flipH="1">
-            <a:off x="4572000" y="413909"/>
-            <a:ext cx="618659" cy="125775"/>
-          </a:xfrm>
-          <a:prstGeom prst="bentConnector2">
-            <a:avLst/>
-          </a:prstGeom>
-          <a:ln w="3175" algn="ctr">
-            <a:solidFill>
-              <a:schemeClr val="bg1">
-                <a:lumMod val="60000"/>
-              </a:schemeClr>
-            </a:solidFill>
-            <a:tailEnd type="triangle"/>
-          </a:ln>
-        </p:spPr>
-        <p:style>
-          <a:lnRef idx="1">
-            <a:schemeClr val="accent2"/>
-          </a:lnRef>
-          <a:fillRef idx="0">
-            <a:schemeClr val="accent2"/>
-          </a:fillRef>
-          <a:effectRef idx="0">
-            <a:schemeClr val="accent2"/>
-          </a:effectRef>
-          <a:fontRef idx="minor">
-            <a:schemeClr val="tx1"/>
-          </a:fontRef>
-        </p:style>
-      </p:cxnSp>
-      <p:sp>
-        <p:nvSpPr>
-          <p:cNvPr id="128" name="직사각형 7"/>
-          <p:cNvSpPr/>
-          <p:nvPr/>
-        </p:nvSpPr>
-        <p:spPr>
-          <a:xfrm>
-            <a:off x="3563874" y="4443984"/>
-            <a:ext cx="922185" cy="154795"/>
-          </a:xfrm>
-          <a:prstGeom prst="rect">
-            <a:avLst/>
-          </a:prstGeom>
-          <a:ln w="3175" algn="ctr">
-            <a:noFill/>
-          </a:ln>
-        </p:spPr>
-        <p:style>
-          <a:lnRef idx="2">
-            <a:schemeClr val="accent6"/>
-          </a:lnRef>
-          <a:fillRef idx="1">
-            <a:schemeClr val="lt1"/>
-          </a:fillRef>
-          <a:effectRef idx="0">
-            <a:schemeClr val="accent6"/>
-          </a:effectRef>
-          <a:fontRef idx="minor">
-            <a:schemeClr val="dk1"/>
-          </a:fontRef>
-        </p:style>
-        <p:txBody>
-          <a:bodyPr vert="horz" wrap="square" lIns="91440" tIns="45720" rIns="91440" bIns="45720" anchor="ctr">
-            <a:noAutofit/>
-          </a:bodyPr>
-          <a:lstStyle/>
-          <a:p>
-            <a:pPr algn="ctr">
-              <a:defRPr lang="ko-KR" altLang="en-US"/>
-            </a:pPr>
-            <a:r>
-              <a:rPr lang="en-US" altLang="ko-KR" sz="700">
-                <a:solidFill>
-                  <a:schemeClr val="bg1">
-                    <a:lumMod val="70000"/>
-                  </a:schemeClr>
-                </a:solidFill>
-              </a:rPr>
-              <a:t>&lt;RabbitMQ&gt;</a:t>
-            </a:r>
-          </a:p>
-        </p:txBody>
-      </p:sp>
-      <p:sp>
-        <p:nvSpPr>
-          <p:cNvPr id="129" name="직사각형 7"/>
-          <p:cNvSpPr/>
-          <p:nvPr/>
-        </p:nvSpPr>
-        <p:spPr>
-          <a:xfrm>
-            <a:off x="7250264" y="2704990"/>
-            <a:ext cx="922185" cy="154795"/>
-          </a:xfrm>
-          <a:prstGeom prst="rect">
-            <a:avLst/>
-          </a:prstGeom>
-          <a:noFill/>
-          <a:ln w="3175" algn="ctr">
-            <a:noFill/>
-          </a:ln>
-        </p:spPr>
-        <p:style>
-          <a:lnRef idx="2">
-            <a:schemeClr val="accent6"/>
-          </a:lnRef>
-          <a:fillRef idx="1">
-            <a:schemeClr val="lt1"/>
-          </a:fillRef>
-          <a:effectRef idx="0">
-            <a:schemeClr val="accent6"/>
-          </a:effectRef>
-          <a:fontRef idx="minor">
-            <a:schemeClr val="dk1"/>
-          </a:fontRef>
-        </p:style>
-        <p:txBody>
-          <a:bodyPr vert="horz" wrap="square" lIns="91440" tIns="45720" rIns="91440" bIns="45720" anchor="ctr">
-            <a:noAutofit/>
-          </a:bodyPr>
-          <a:lstStyle/>
-          <a:p>
-            <a:pPr algn="ctr">
-              <a:defRPr lang="ko-KR" altLang="en-US"/>
-            </a:pPr>
-            <a:r>
-              <a:rPr lang="en-US" altLang="ko-KR" sz="700">
-                <a:solidFill>
-                  <a:schemeClr val="bg1">
-                    <a:lumMod val="70000"/>
-                  </a:schemeClr>
-                </a:solidFill>
-              </a:rPr>
-              <a:t>&lt;RabbitMQ&gt;</a:t>
-            </a:r>
-          </a:p>
-        </p:txBody>
-      </p:sp>
-      <p:sp>
-        <p:nvSpPr>
-          <p:cNvPr id="91" name="오각형[P] 68"/>
-          <p:cNvSpPr/>
-          <p:nvPr/>
-        </p:nvSpPr>
-        <p:spPr>
-          <a:xfrm>
-            <a:off x="7066050" y="2460873"/>
-            <a:ext cx="1348691" cy="221752"/>
-          </a:xfrm>
-          <a:prstGeom prst="homePlate">
-            <a:avLst>
-              <a:gd name="adj" fmla="val 50000"/>
-            </a:avLst>
-          </a:prstGeom>
-          <a:solidFill>
-            <a:schemeClr val="accent1">
-              <a:lumMod val="10000"/>
-              <a:lumOff val="90000"/>
-            </a:schemeClr>
-          </a:solidFill>
-          <a:ln w="3175" algn="ctr">
-            <a:solidFill>
-              <a:schemeClr val="bg1">
-                <a:lumMod val="60000"/>
-              </a:schemeClr>
-            </a:solidFill>
-          </a:ln>
-        </p:spPr>
-        <p:style>
-          <a:lnRef idx="2">
-            <a:schemeClr val="accent6"/>
-          </a:lnRef>
-          <a:fillRef idx="1">
-            <a:schemeClr val="lt1"/>
-          </a:fillRef>
-          <a:effectRef idx="0">
-            <a:schemeClr val="accent6"/>
-          </a:effectRef>
-          <a:fontRef idx="minor">
-            <a:schemeClr val="dk1"/>
-          </a:fontRef>
-        </p:style>
-        <p:txBody>
-          <a:bodyPr vert="horz" wrap="square" lIns="91440" tIns="45720" rIns="91440" bIns="45720" anchor="ctr">
-            <a:noAutofit/>
-          </a:bodyPr>
-          <a:lstStyle/>
-          <a:p>
-            <a:pPr algn="ctr">
-              <a:defRPr lang="ko-KR" altLang="en-US"/>
-            </a:pPr>
-            <a:r>
-              <a:rPr lang="en-US" altLang="ko-KR" sz="1000">
-                <a:solidFill>
-                  <a:schemeClr val="bg1">
-                    <a:lumMod val="70000"/>
-                  </a:schemeClr>
-                </a:solidFill>
-                <a:cs typeface="함초롬돋움"/>
-              </a:rPr>
-              <a:t>queue.deal.sticker</a:t>
-            </a:r>
-          </a:p>
-        </p:txBody>
-      </p:sp>
-      <p:sp>
-        <p:nvSpPr>
-          <p:cNvPr id="104" name="직사각형 7"/>
-          <p:cNvSpPr/>
-          <p:nvPr/>
-        </p:nvSpPr>
-        <p:spPr>
-          <a:xfrm>
-            <a:off x="4090809" y="1120578"/>
-            <a:ext cx="962381" cy="146447"/>
-          </a:xfrm>
-          <a:prstGeom prst="rect">
-            <a:avLst/>
-          </a:prstGeom>
-          <a:noFill/>
-          <a:ln w="3175" algn="ctr">
-            <a:noFill/>
-          </a:ln>
-        </p:spPr>
-        <p:style>
-          <a:lnRef idx="2">
-            <a:schemeClr val="accent6"/>
-          </a:lnRef>
-          <a:fillRef idx="1">
-            <a:schemeClr val="lt1"/>
-          </a:fillRef>
-          <a:effectRef idx="0">
-            <a:schemeClr val="accent6"/>
-          </a:effectRef>
-          <a:fontRef idx="minor">
-            <a:schemeClr val="dk1"/>
-          </a:fontRef>
-        </p:style>
-        <p:txBody>
-          <a:bodyPr vert="horz" wrap="square" lIns="91440" tIns="45720" rIns="91440" bIns="45720" anchor="ctr">
-            <a:noAutofit/>
-          </a:bodyPr>
-          <a:lstStyle/>
-          <a:p>
-            <a:pPr algn="ctr">
-              <a:defRPr lang="ko-KR" altLang="en-US"/>
-            </a:pPr>
-            <a:r>
-              <a:rPr lang="ko-KR" altLang="en-US" sz="1000">
-                <a:solidFill>
-                  <a:schemeClr val="bg1">
-                    <a:lumMod val="70000"/>
-                  </a:schemeClr>
-                </a:solidFill>
-              </a:rPr>
-              <a:t>딜인포 버킷</a:t>
-            </a:r>
-          </a:p>
-        </p:txBody>
-      </p:sp>
-      <p:pic>
-        <p:nvPicPr>
-          <p:cNvPr id="132" name="그림 131"/>
-          <p:cNvPicPr>
-            <a:picLocks noChangeAspect="1"/>
-          </p:cNvPicPr>
-          <p:nvPr/>
-        </p:nvPicPr>
-        <p:blipFill rotWithShape="1">
-          <a:blip r:embed="rId2"/>
-          <a:stretch>
-            <a:fillRect/>
-          </a:stretch>
-        </p:blipFill>
-        <p:spPr>
-          <a:xfrm>
-            <a:off x="4281553" y="539684"/>
-            <a:ext cx="580894" cy="580894"/>
-          </a:xfrm>
-          <a:prstGeom prst="rect">
-            <a:avLst/>
-          </a:prstGeom>
-        </p:spPr>
-      </p:pic>
-      <p:pic>
-        <p:nvPicPr>
-          <p:cNvPr id="133" name="그림 132"/>
-          <p:cNvPicPr>
-            <a:picLocks noChangeAspect="1"/>
-          </p:cNvPicPr>
-          <p:nvPr/>
-        </p:nvPicPr>
-        <p:blipFill rotWithShape="1">
-          <a:blip r:embed="rId2"/>
-          <a:stretch>
-            <a:fillRect/>
-          </a:stretch>
-        </p:blipFill>
-        <p:spPr>
-          <a:xfrm>
-            <a:off x="7452360" y="539684"/>
-            <a:ext cx="580894" cy="580894"/>
-          </a:xfrm>
-          <a:prstGeom prst="rect">
-            <a:avLst/>
-          </a:prstGeom>
-        </p:spPr>
-      </p:pic>
-      <p:sp>
-        <p:nvSpPr>
-          <p:cNvPr id="101" name="직사각형 7"/>
-          <p:cNvSpPr/>
-          <p:nvPr/>
-        </p:nvSpPr>
-        <p:spPr>
-          <a:xfrm>
-            <a:off x="7281278" y="1120578"/>
-            <a:ext cx="962381" cy="146447"/>
-          </a:xfrm>
-          <a:prstGeom prst="rect">
-            <a:avLst/>
-          </a:prstGeom>
-          <a:noFill/>
-          <a:ln w="3175" algn="ctr">
-            <a:noFill/>
-          </a:ln>
-        </p:spPr>
-        <p:style>
-          <a:lnRef idx="2">
-            <a:schemeClr val="accent6"/>
-          </a:lnRef>
-          <a:fillRef idx="1">
-            <a:schemeClr val="lt1"/>
-          </a:fillRef>
-          <a:effectRef idx="0">
-            <a:schemeClr val="accent6"/>
-          </a:effectRef>
-          <a:fontRef idx="minor">
-            <a:schemeClr val="dk1"/>
-          </a:fontRef>
-        </p:style>
-        <p:txBody>
-          <a:bodyPr vert="horz" wrap="square" lIns="91440" tIns="45720" rIns="91440" bIns="45720" anchor="ctr">
-            <a:noAutofit/>
-          </a:bodyPr>
-          <a:lstStyle/>
-          <a:p>
-            <a:pPr algn="ctr">
-              <a:defRPr lang="ko-KR" altLang="en-US"/>
-            </a:pPr>
-            <a:r>
-              <a:rPr lang="ko-KR" altLang="en-US" sz="1000">
-                <a:solidFill>
-                  <a:schemeClr val="bg1">
-                    <a:lumMod val="70000"/>
-                  </a:schemeClr>
-                </a:solidFill>
-              </a:rPr>
-              <a:t>스티커 버킷</a:t>
-            </a:r>
-          </a:p>
-        </p:txBody>
-      </p:sp>
-      <p:cxnSp>
-        <p:nvCxnSpPr>
-          <p:cNvPr id="137" name="꺾인 연결선[E] 72"/>
-          <p:cNvCxnSpPr>
-            <a:stCxn id="90" idx="0"/>
-            <a:endCxn id="101" idx="2"/>
-          </p:cNvCxnSpPr>
-          <p:nvPr/>
-        </p:nvCxnSpPr>
-        <p:spPr>
-          <a:xfrm rot="5400000" flipH="1" flipV="1">
-            <a:off x="6308185" y="899010"/>
-            <a:ext cx="1086268" cy="1822299"/>
-          </a:xfrm>
-          <a:prstGeom prst="bentConnector3">
-            <a:avLst>
-              <a:gd name="adj1" fmla="val 50000"/>
-            </a:avLst>
-          </a:prstGeom>
-          <a:ln w="28575" algn="ctr">
-            <a:solidFill>
-              <a:schemeClr val="bg1">
-                <a:lumMod val="70000"/>
-              </a:schemeClr>
-            </a:solidFill>
-            <a:tailEnd type="triangle"/>
-          </a:ln>
-        </p:spPr>
-        <p:style>
-          <a:lnRef idx="1">
-            <a:schemeClr val="accent2"/>
-          </a:lnRef>
-          <a:fillRef idx="0">
-            <a:schemeClr val="accent2"/>
-          </a:fillRef>
-          <a:effectRef idx="0">
-            <a:schemeClr val="accent2"/>
-          </a:effectRef>
-          <a:fontRef idx="minor">
-            <a:schemeClr val="tx1"/>
-          </a:fontRef>
-        </p:style>
-      </p:cxnSp>
-      <p:sp>
-        <p:nvSpPr>
-          <p:cNvPr id="139" name="타원 138"/>
-          <p:cNvSpPr/>
-          <p:nvPr/>
-        </p:nvSpPr>
-        <p:spPr>
-          <a:xfrm>
-            <a:off x="4310814" y="568945"/>
-            <a:ext cx="522372" cy="522372"/>
-          </a:xfrm>
-          <a:prstGeom prst="ellipse">
-            <a:avLst/>
-          </a:prstGeom>
-          <a:solidFill>
-            <a:schemeClr val="bg1">
-              <a:lumMod val="60000"/>
-              <a:alpha val="70000"/>
-            </a:schemeClr>
-          </a:solidFill>
-          <a:ln algn="ctr">
-            <a:noFill/>
-          </a:ln>
-        </p:spPr>
-        <p:style>
-          <a:lnRef idx="2">
-            <a:schemeClr val="accent1">
-              <a:shade val="20000"/>
-            </a:schemeClr>
-          </a:lnRef>
-          <a:fillRef idx="1">
-            <a:schemeClr val="accent1"/>
-          </a:fillRef>
-          <a:effectRef idx="0">
-            <a:schemeClr val="accent1"/>
-          </a:effectRef>
-          <a:fontRef idx="minor">
-            <a:schemeClr val="lt1"/>
-          </a:fontRef>
-        </p:style>
-        <p:txBody>
-          <a:bodyPr vert="horz" wrap="square" lIns="91440" tIns="45720" rIns="91440" bIns="45720" anchor="ctr">
-            <a:noAutofit/>
-          </a:bodyPr>
-          <a:lstStyle/>
-          <a:p>
-            <a:pPr algn="ctr">
-              <a:defRPr lang="ko-KR" altLang="en-US"/>
-            </a:pPr>
-            <a:endParaRPr lang="en-US" altLang="ko-KR"/>
-          </a:p>
-        </p:txBody>
-      </p:sp>
-      <p:sp>
-        <p:nvSpPr>
-          <p:cNvPr id="140" name="타원 139"/>
-          <p:cNvSpPr/>
-          <p:nvPr/>
-        </p:nvSpPr>
-        <p:spPr>
-          <a:xfrm>
-            <a:off x="7480935" y="568945"/>
-            <a:ext cx="522372" cy="522372"/>
-          </a:xfrm>
-          <a:prstGeom prst="ellipse">
-            <a:avLst/>
-          </a:prstGeom>
-          <a:solidFill>
-            <a:schemeClr val="bg1">
-              <a:lumMod val="60000"/>
-              <a:alpha val="70000"/>
-            </a:schemeClr>
-          </a:solidFill>
-          <a:ln algn="ctr">
-            <a:noFill/>
-          </a:ln>
-        </p:spPr>
-        <p:style>
-          <a:lnRef idx="2">
-            <a:schemeClr val="accent1">
-              <a:shade val="20000"/>
-            </a:schemeClr>
-          </a:lnRef>
-          <a:fillRef idx="1">
-            <a:schemeClr val="accent1"/>
-          </a:fillRef>
-          <a:effectRef idx="0">
-            <a:schemeClr val="accent1"/>
-          </a:effectRef>
-          <a:fontRef idx="minor">
-            <a:schemeClr val="lt1"/>
-          </a:fontRef>
-        </p:style>
-        <p:txBody>
-          <a:bodyPr vert="horz" wrap="square" lIns="91440" tIns="45720" rIns="91440" bIns="45720" anchor="ctr">
-            <a:noAutofit/>
-          </a:bodyPr>
-          <a:lstStyle/>
-          <a:p>
-            <a:pPr algn="ctr">
-              <a:defRPr lang="ko-KR" altLang="en-US"/>
-            </a:pPr>
-            <a:endParaRPr lang="en-US" altLang="ko-KR"/>
-          </a:p>
-        </p:txBody>
-      </p:sp>
-      <p:sp>
-        <p:nvSpPr>
-          <p:cNvPr id="141" name="TextBox 140"/>
-          <p:cNvSpPr txBox="1"/>
-          <p:nvPr/>
-        </p:nvSpPr>
-        <p:spPr>
-          <a:xfrm>
-            <a:off x="5851441" y="3437072"/>
-            <a:ext cx="2859673" cy="670561"/>
-          </a:xfrm>
-          <a:prstGeom prst="rect">
-            <a:avLst/>
-          </a:prstGeom>
-          <a:solidFill>
-            <a:schemeClr val="bg1">
-              <a:lumMod val="95000"/>
-            </a:schemeClr>
-          </a:solidFill>
-          <a:ln w="12700" cap="flat" cmpd="sng" algn="ctr">
-            <a:solidFill>
-              <a:schemeClr val="tx1"/>
-            </a:solidFill>
-            <a:prstDash val="solid"/>
-            <a:round/>
-          </a:ln>
-        </p:spPr>
-        <p:txBody>
-          <a:bodyPr vert="horz" wrap="square" lIns="91440" tIns="45720" rIns="91440" bIns="45720" anchor="t">
-            <a:spAutoFit/>
-          </a:bodyPr>
-          <a:lstStyle/>
-          <a:p>
-            <a:pPr algn="ctr">
-              <a:defRPr lang="ko-KR" altLang="en-US"/>
-            </a:pPr>
-            <a:r>
-              <a:rPr lang="ko-KR" altLang="en-US" sz="1900" b="1" u="sng">
-                <a:solidFill>
-                  <a:srgbClr val="0000FF"/>
-                </a:solidFill>
-              </a:rPr>
-              <a:t>핵심 로직</a:t>
-            </a:r>
-            <a:r>
-              <a:rPr lang="ko-KR" altLang="en-US" sz="1900" b="1">
-                <a:solidFill>
-                  <a:srgbClr val="0000FF"/>
-                </a:solidFill>
-              </a:rPr>
-              <a:t>만 추출해서 </a:t>
-            </a:r>
-          </a:p>
-          <a:p>
-            <a:pPr algn="ctr">
-              <a:defRPr lang="ko-KR" altLang="en-US"/>
-            </a:pPr>
-            <a:r>
-              <a:rPr lang="ko-KR" altLang="en-US" sz="1900" b="1">
-                <a:solidFill>
-                  <a:srgbClr val="0000FF"/>
-                </a:solidFill>
-              </a:rPr>
-              <a:t>모듈로 제공!! </a:t>
-            </a:r>
-          </a:p>
-        </p:txBody>
-      </p:sp>
-    </p:spTree>
-  </p:cSld>
-  <p:clrMapOvr>
-    <a:masterClrMapping/>
-  </p:clrMapOvr>
-  <mc:AlternateContent xmlns:mc="http://schemas.openxmlformats.org/markup-compatibility/2006" xmlns:p14="http://schemas.microsoft.com/office/powerpoint/2010/main">
-    <mc:Choice Requires="p14">
-      <p:transition/>
-    </mc:Choice>
-    <mc:Fallback xmlns:dsp="http://schemas.microsoft.com/office/drawing/2008/diagram" xmlns:dgm="http://schemas.openxmlformats.org/drawingml/2006/diagram" xmlns:c="http://schemas.openxmlformats.org/drawingml/2006/chart" xmlns="">
-      <p:transition/>
-    </mc:Fallback>
-  </mc:AlternateContent>
-</p:sld>
-</file>
-
 <file path=ppt/theme/theme1.xml><?xml version="1.0" encoding="utf-8"?>
-<a:theme xmlns:a="http://schemas.openxmlformats.org/drawingml/2006/main" name="한컴오피스">
+<a:theme xmlns:r="http://schemas.openxmlformats.org/officeDocument/2006/relationships" xmlns:c="http://schemas.openxmlformats.org/drawingml/2006/chart" xmlns:dgm="http://schemas.openxmlformats.org/drawingml/2006/diagram" xmlns:dsp="http://schemas.microsoft.com/office/drawing/2008/diagram" xmlns:a="http://schemas.openxmlformats.org/drawingml/2006/main" xmlns:pic="http://schemas.openxmlformats.org/drawingml/2006/picture" xmlns:wp="http://schemas.openxmlformats.org/drawingml/2006/wordprocessingDrawing" xmlns:xdr="http://schemas.openxmlformats.org/drawingml/2006/spreadsheetDrawing" name="한컴오피스">
   <a:themeElements>
     <a:clrScheme name="한컴오피스">
       <a:dk1>
         <a:sysClr val="windowText" lastClr="000000"/>
       </a:dk1>
       <a:lt1>
-        <a:sysClr val="window" lastClr="FFFFFF"/>
+        <a:sysClr val="window" lastClr="ffffff"/>
       </a:lt1>
       <a:dk2>
-        <a:srgbClr val="1C3D62"/>
+        <a:srgbClr val="1c3d62"/>
       </a:dk2>
       <a:lt2>
-        <a:srgbClr val="E3DCC1"/>
+        <a:srgbClr val="e3dcc1"/>
       </a:lt2>
       <a:accent1>
-        <a:srgbClr val="315F97"/>
+        <a:srgbClr val="315f97"/>
       </a:accent1>
       <a:accent2>
-        <a:srgbClr val="C75252"/>
+        <a:srgbClr val="c75252"/>
       </a:accent2>
       <a:accent3>
-        <a:srgbClr val="E9AE2B"/>
+        <a:srgbClr val="e9ae2b"/>
       </a:accent3>
       <a:accent4>
-        <a:srgbClr val="699B37"/>
+        <a:srgbClr val="699b37"/>
       </a:accent4>
       <a:accent5>
         <a:srgbClr val="358791"/>
       </a:accent5>
       <a:accent6>
-        <a:srgbClr val="CA56A7"/>
+        <a:srgbClr val="ca56a7"/>
       </a:accent6>
       <a:hlink>
-        <a:srgbClr val="0000FF"/>
+        <a:srgbClr val="0000ff"/>
       </a:hlink>
       <a:folHlink>
         <a:srgbClr val="800080"/>
@@ -28902,7 +31692,5 @@
       </a:bgFillStyleLst>
     </a:fmtScheme>
   </a:themeElements>
-  <a:objectDefaults/>
-  <a:extraClrSchemeLst/>
 </a:theme>
 </file>